--- a/Grp_1/實習課第6組_Grp1.pptx
+++ b/Grp_1/實習課第6組_Grp1.pptx
@@ -7,6 +7,18 @@
   <p:sldIdLst>
     <p:sldId id="256" r:id="rId2"/>
     <p:sldId id="257" r:id="rId3"/>
+    <p:sldId id="258" r:id="rId4"/>
+    <p:sldId id="259" r:id="rId5"/>
+    <p:sldId id="260" r:id="rId6"/>
+    <p:sldId id="261" r:id="rId7"/>
+    <p:sldId id="262" r:id="rId8"/>
+    <p:sldId id="263" r:id="rId9"/>
+    <p:sldId id="264" r:id="rId10"/>
+    <p:sldId id="265" r:id="rId11"/>
+    <p:sldId id="266" r:id="rId12"/>
+    <p:sldId id="267" r:id="rId13"/>
+    <p:sldId id="268" r:id="rId14"/>
+    <p:sldId id="269" r:id="rId15"/>
   </p:sldIdLst>
   <p:sldSz cx="12192000" cy="6858000"/>
   <p:notesSz cx="6858000" cy="9144000"/>
@@ -264,7 +276,7 @@
           <a:p>
             <a:fld id="{11008460-8B2F-4AAA-A4E2-10730069204C}" type="datetimeFigureOut">
               <a:rPr lang="en-US" smtClean="0"/>
-              <a:t>3/27/2023</a:t>
+              <a:t>3/28/2023</a:t>
             </a:fld>
             <a:endParaRPr lang="en-US"/>
           </a:p>
@@ -2608,7 +2620,7 @@
           <a:p>
             <a:fld id="{11008460-8B2F-4AAA-A4E2-10730069204C}" type="datetimeFigureOut">
               <a:rPr lang="en-US" smtClean="0"/>
-              <a:t>3/27/2023</a:t>
+              <a:t>3/28/2023</a:t>
             </a:fld>
             <a:endParaRPr lang="en-US"/>
           </a:p>
@@ -4952,7 +4964,7 @@
           <a:p>
             <a:fld id="{11008460-8B2F-4AAA-A4E2-10730069204C}" type="datetimeFigureOut">
               <a:rPr lang="en-US" smtClean="0"/>
-              <a:t>3/27/2023</a:t>
+              <a:t>3/28/2023</a:t>
             </a:fld>
             <a:endParaRPr lang="en-US"/>
           </a:p>
@@ -5150,7 +5162,7 @@
           <a:p>
             <a:fld id="{11008460-8B2F-4AAA-A4E2-10730069204C}" type="datetimeFigureOut">
               <a:rPr lang="en-US" smtClean="0"/>
-              <a:t>3/27/2023</a:t>
+              <a:t>3/28/2023</a:t>
             </a:fld>
             <a:endParaRPr lang="en-US"/>
           </a:p>
@@ -5423,7 +5435,7 @@
           <a:p>
             <a:fld id="{11008460-8B2F-4AAA-A4E2-10730069204C}" type="datetimeFigureOut">
               <a:rPr lang="en-US" smtClean="0"/>
-              <a:t>3/27/2023</a:t>
+              <a:t>3/28/2023</a:t>
             </a:fld>
             <a:endParaRPr lang="en-US"/>
           </a:p>
@@ -5688,7 +5700,7 @@
           <a:p>
             <a:fld id="{11008460-8B2F-4AAA-A4E2-10730069204C}" type="datetimeFigureOut">
               <a:rPr lang="en-US" smtClean="0"/>
-              <a:t>3/27/2023</a:t>
+              <a:t>3/28/2023</a:t>
             </a:fld>
             <a:endParaRPr lang="en-US"/>
           </a:p>
@@ -6104,7 +6116,7 @@
           <a:p>
             <a:fld id="{11008460-8B2F-4AAA-A4E2-10730069204C}" type="datetimeFigureOut">
               <a:rPr lang="en-US" smtClean="0"/>
-              <a:t>3/27/2023</a:t>
+              <a:t>3/28/2023</a:t>
             </a:fld>
             <a:endParaRPr lang="en-US"/>
           </a:p>
@@ -6245,7 +6257,7 @@
           <a:p>
             <a:fld id="{11008460-8B2F-4AAA-A4E2-10730069204C}" type="datetimeFigureOut">
               <a:rPr lang="en-US" smtClean="0"/>
-              <a:t>3/27/2023</a:t>
+              <a:t>3/28/2023</a:t>
             </a:fld>
             <a:endParaRPr lang="en-US"/>
           </a:p>
@@ -6358,7 +6370,7 @@
           <a:p>
             <a:fld id="{11008460-8B2F-4AAA-A4E2-10730069204C}" type="datetimeFigureOut">
               <a:rPr lang="en-US" smtClean="0"/>
-              <a:t>3/27/2023</a:t>
+              <a:t>3/28/2023</a:t>
             </a:fld>
             <a:endParaRPr lang="en-US"/>
           </a:p>
@@ -6669,7 +6681,7 @@
           <a:p>
             <a:fld id="{11008460-8B2F-4AAA-A4E2-10730069204C}" type="datetimeFigureOut">
               <a:rPr lang="en-US" smtClean="0"/>
-              <a:t>3/27/2023</a:t>
+              <a:t>3/28/2023</a:t>
             </a:fld>
             <a:endParaRPr lang="en-US"/>
           </a:p>
@@ -6957,7 +6969,7 @@
           <a:p>
             <a:fld id="{11008460-8B2F-4AAA-A4E2-10730069204C}" type="datetimeFigureOut">
               <a:rPr lang="en-US" smtClean="0"/>
-              <a:t>3/27/2023</a:t>
+              <a:t>3/28/2023</a:t>
             </a:fld>
             <a:endParaRPr lang="en-US"/>
           </a:p>
@@ -9335,7 +9347,7 @@
             <a:fld id="{11008460-8B2F-4AAA-A4E2-10730069204C}" type="datetimeFigureOut">
               <a:rPr lang="en-US" smtClean="0"/>
               <a:pPr/>
-              <a:t>3/27/2023</a:t>
+              <a:t>3/28/2023</a:t>
             </a:fld>
             <a:endParaRPr lang="en-US" dirty="0"/>
           </a:p>
@@ -10072,18 +10084,18 @@
           <a:p>
             <a:pPr algn="ctr"/>
             <a:r>
-              <a:rPr lang="en-US" altLang="zh-TW" sz="4000" dirty="0"/>
+              <a:rPr lang="en-US" altLang="zh-TW" sz="4000" b="1" dirty="0"/>
               <a:t>JavaScript</a:t>
             </a:r>
             <a:r>
-              <a:rPr lang="zh-TW" altLang="en-US" sz="4000" dirty="0"/>
+              <a:rPr lang="zh-TW" altLang="en-US" sz="4000" b="1" dirty="0"/>
               <a:t>實習</a:t>
             </a:r>
             <a:r>
-              <a:rPr lang="en-US" altLang="zh-TW" sz="4000" dirty="0"/>
+              <a:rPr lang="en-US" altLang="zh-TW" sz="4000" b="1" dirty="0"/>
               <a:t> Grp1</a:t>
             </a:r>
-            <a:endParaRPr lang="zh-TW" altLang="en-US" sz="4000" dirty="0"/>
+            <a:endParaRPr lang="zh-TW" altLang="en-US" sz="4000" b="1" dirty="0"/>
           </a:p>
         </p:txBody>
       </p:sp>
@@ -10105,8 +10117,8 @@
         </p:nvSpPr>
         <p:spPr>
           <a:xfrm>
-            <a:off x="7530352" y="4355319"/>
-            <a:ext cx="3227294" cy="1389530"/>
+            <a:off x="7373470" y="4424767"/>
+            <a:ext cx="3541058" cy="1420220"/>
           </a:xfrm>
         </p:spPr>
         <p:txBody>
@@ -10348,6 +10360,880 @@
 </p:sld>
 </file>
 
+<file path=ppt/slides/slide10.xml><?xml version="1.0" encoding="utf-8"?>
+<p:sld xmlns:a="http://schemas.openxmlformats.org/drawingml/2006/main" xmlns:r="http://schemas.openxmlformats.org/officeDocument/2006/relationships" xmlns:p="http://schemas.openxmlformats.org/presentationml/2006/main">
+  <p:cSld>
+    <p:spTree>
+      <p:nvGrpSpPr>
+        <p:cNvPr id="1" name=""/>
+        <p:cNvGrpSpPr/>
+        <p:nvPr/>
+      </p:nvGrpSpPr>
+      <p:grpSpPr>
+        <a:xfrm>
+          <a:off x="0" y="0"/>
+          <a:ext cx="0" cy="0"/>
+          <a:chOff x="0" y="0"/>
+          <a:chExt cx="0" cy="0"/>
+        </a:xfrm>
+      </p:grpSpPr>
+      <p:sp>
+        <p:nvSpPr>
+          <p:cNvPr id="2" name="標題 1">
+            <a:extLst>
+              <a:ext uri="{FF2B5EF4-FFF2-40B4-BE49-F238E27FC236}">
+                <a16:creationId xmlns:a16="http://schemas.microsoft.com/office/drawing/2014/main" id="{4E41317D-3CC2-1C33-C8AD-88FB42B1BA28}"/>
+              </a:ext>
+            </a:extLst>
+          </p:cNvPr>
+          <p:cNvSpPr>
+            <a:spLocks noGrp="1"/>
+          </p:cNvSpPr>
+          <p:nvPr>
+            <p:ph type="title"/>
+          </p:nvPr>
+        </p:nvSpPr>
+        <p:spPr/>
+        <p:txBody>
+          <a:bodyPr/>
+          <a:lstStyle/>
+          <a:p>
+            <a:r>
+              <a:rPr lang="en-US" altLang="zh-TW" b="1" dirty="0"/>
+              <a:t>Java Script</a:t>
+            </a:r>
+            <a:r>
+              <a:rPr lang="zh-TW" altLang="en-US" b="1" dirty="0"/>
+              <a:t>程式碼</a:t>
+            </a:r>
+          </a:p>
+        </p:txBody>
+      </p:sp>
+      <p:sp>
+        <p:nvSpPr>
+          <p:cNvPr id="6" name="文字方塊 5">
+            <a:extLst>
+              <a:ext uri="{FF2B5EF4-FFF2-40B4-BE49-F238E27FC236}">
+                <a16:creationId xmlns:a16="http://schemas.microsoft.com/office/drawing/2014/main" id="{D576DE2C-D7FC-619A-3CA1-0942FFF4E0BB}"/>
+              </a:ext>
+            </a:extLst>
+          </p:cNvPr>
+          <p:cNvSpPr txBox="1"/>
+          <p:nvPr/>
+        </p:nvSpPr>
+        <p:spPr>
+          <a:xfrm>
+            <a:off x="2148186" y="2196351"/>
+            <a:ext cx="9153668" cy="400110"/>
+          </a:xfrm>
+          <a:prstGeom prst="rect">
+            <a:avLst/>
+          </a:prstGeom>
+          <a:noFill/>
+        </p:spPr>
+        <p:txBody>
+          <a:bodyPr wrap="square" rtlCol="0">
+            <a:spAutoFit/>
+          </a:bodyPr>
+          <a:lstStyle/>
+          <a:p>
+            <a:pPr marL="285750" indent="-285750">
+              <a:buFont typeface="Arial" panose="020B0604020202020204" pitchFamily="34" charset="0"/>
+              <a:buChar char="•"/>
+            </a:pPr>
+            <a:r>
+              <a:rPr lang="zh-TW" altLang="en-US" sz="2000" dirty="0"/>
+              <a:t>對數函數使用</a:t>
+            </a:r>
+            <a:r>
+              <a:rPr lang="en-US" altLang="zh-TW" sz="2000" dirty="0"/>
+              <a:t>Math.log()</a:t>
+            </a:r>
+            <a:r>
+              <a:rPr lang="zh-TW" altLang="en-US" sz="2000" dirty="0"/>
+              <a:t>計算</a:t>
+            </a:r>
+            <a:r>
+              <a:rPr lang="en-US" altLang="zh-TW" sz="2000" dirty="0"/>
+              <a:t>y</a:t>
+            </a:r>
+            <a:r>
+              <a:rPr lang="zh-TW" altLang="en-US" sz="2000" dirty="0"/>
+              <a:t>的值</a:t>
+            </a:r>
+          </a:p>
+        </p:txBody>
+      </p:sp>
+      <p:pic>
+        <p:nvPicPr>
+          <p:cNvPr id="4" name="圖片 3">
+            <a:extLst>
+              <a:ext uri="{FF2B5EF4-FFF2-40B4-BE49-F238E27FC236}">
+                <a16:creationId xmlns:a16="http://schemas.microsoft.com/office/drawing/2014/main" id="{7B58BA2F-5BB0-45D1-AC18-4C4A65BBFD72}"/>
+              </a:ext>
+            </a:extLst>
+          </p:cNvPr>
+          <p:cNvPicPr>
+            <a:picLocks noChangeAspect="1"/>
+          </p:cNvPicPr>
+          <p:nvPr/>
+        </p:nvPicPr>
+        <p:blipFill>
+          <a:blip r:embed="rId2"/>
+          <a:stretch>
+            <a:fillRect/>
+          </a:stretch>
+        </p:blipFill>
+        <p:spPr>
+          <a:xfrm>
+            <a:off x="1321881" y="2870576"/>
+            <a:ext cx="4366638" cy="3375953"/>
+          </a:xfrm>
+          <a:prstGeom prst="rect">
+            <a:avLst/>
+          </a:prstGeom>
+        </p:spPr>
+      </p:pic>
+      <p:pic>
+        <p:nvPicPr>
+          <p:cNvPr id="9" name="圖片 8">
+            <a:extLst>
+              <a:ext uri="{FF2B5EF4-FFF2-40B4-BE49-F238E27FC236}">
+                <a16:creationId xmlns:a16="http://schemas.microsoft.com/office/drawing/2014/main" id="{A5DD4E33-E7A7-B57F-F000-37A1A6ECB23F}"/>
+              </a:ext>
+            </a:extLst>
+          </p:cNvPr>
+          <p:cNvPicPr>
+            <a:picLocks noChangeAspect="1"/>
+          </p:cNvPicPr>
+          <p:nvPr/>
+        </p:nvPicPr>
+        <p:blipFill rotWithShape="1">
+          <a:blip r:embed="rId3">
+            <a:extLst>
+              <a:ext uri="{28A0092B-C50C-407E-A947-70E740481C1C}">
+                <a14:useLocalDpi xmlns:a14="http://schemas.microsoft.com/office/drawing/2010/main" val="0"/>
+              </a:ext>
+            </a:extLst>
+          </a:blip>
+          <a:srcRect l="32133" t="11503" r="32052" b="22092"/>
+          <a:stretch/>
+        </p:blipFill>
+        <p:spPr>
+          <a:xfrm>
+            <a:off x="7202451" y="2201286"/>
+            <a:ext cx="3878752" cy="4045243"/>
+          </a:xfrm>
+          <a:prstGeom prst="rect">
+            <a:avLst/>
+          </a:prstGeom>
+        </p:spPr>
+      </p:pic>
+    </p:spTree>
+    <p:extLst>
+      <p:ext uri="{BB962C8B-B14F-4D97-AF65-F5344CB8AC3E}">
+        <p14:creationId xmlns:p14="http://schemas.microsoft.com/office/powerpoint/2010/main" val="1276979766"/>
+      </p:ext>
+    </p:extLst>
+  </p:cSld>
+  <p:clrMapOvr>
+    <a:masterClrMapping/>
+  </p:clrMapOvr>
+</p:sld>
+</file>
+
+<file path=ppt/slides/slide11.xml><?xml version="1.0" encoding="utf-8"?>
+<p:sld xmlns:a="http://schemas.openxmlformats.org/drawingml/2006/main" xmlns:r="http://schemas.openxmlformats.org/officeDocument/2006/relationships" xmlns:p="http://schemas.openxmlformats.org/presentationml/2006/main">
+  <p:cSld>
+    <p:spTree>
+      <p:nvGrpSpPr>
+        <p:cNvPr id="1" name=""/>
+        <p:cNvGrpSpPr/>
+        <p:nvPr/>
+      </p:nvGrpSpPr>
+      <p:grpSpPr>
+        <a:xfrm>
+          <a:off x="0" y="0"/>
+          <a:ext cx="0" cy="0"/>
+          <a:chOff x="0" y="0"/>
+          <a:chExt cx="0" cy="0"/>
+        </a:xfrm>
+      </p:grpSpPr>
+      <p:sp>
+        <p:nvSpPr>
+          <p:cNvPr id="2" name="標題 1">
+            <a:extLst>
+              <a:ext uri="{FF2B5EF4-FFF2-40B4-BE49-F238E27FC236}">
+                <a16:creationId xmlns:a16="http://schemas.microsoft.com/office/drawing/2014/main" id="{4E41317D-3CC2-1C33-C8AD-88FB42B1BA28}"/>
+              </a:ext>
+            </a:extLst>
+          </p:cNvPr>
+          <p:cNvSpPr>
+            <a:spLocks noGrp="1"/>
+          </p:cNvSpPr>
+          <p:nvPr>
+            <p:ph type="title"/>
+          </p:nvPr>
+        </p:nvSpPr>
+        <p:spPr/>
+        <p:txBody>
+          <a:bodyPr/>
+          <a:lstStyle/>
+          <a:p>
+            <a:r>
+              <a:rPr lang="en-US" altLang="zh-TW" b="1" dirty="0"/>
+              <a:t>Java Script</a:t>
+            </a:r>
+            <a:r>
+              <a:rPr lang="zh-TW" altLang="en-US" b="1" dirty="0"/>
+              <a:t>程式碼</a:t>
+            </a:r>
+          </a:p>
+        </p:txBody>
+      </p:sp>
+      <p:sp>
+        <p:nvSpPr>
+          <p:cNvPr id="6" name="文字方塊 5">
+            <a:extLst>
+              <a:ext uri="{FF2B5EF4-FFF2-40B4-BE49-F238E27FC236}">
+                <a16:creationId xmlns:a16="http://schemas.microsoft.com/office/drawing/2014/main" id="{D576DE2C-D7FC-619A-3CA1-0942FFF4E0BB}"/>
+              </a:ext>
+            </a:extLst>
+          </p:cNvPr>
+          <p:cNvSpPr txBox="1"/>
+          <p:nvPr/>
+        </p:nvSpPr>
+        <p:spPr>
+          <a:xfrm>
+            <a:off x="2148186" y="2196351"/>
+            <a:ext cx="5651108" cy="707886"/>
+          </a:xfrm>
+          <a:prstGeom prst="rect">
+            <a:avLst/>
+          </a:prstGeom>
+          <a:noFill/>
+        </p:spPr>
+        <p:txBody>
+          <a:bodyPr wrap="square" rtlCol="0">
+            <a:spAutoFit/>
+          </a:bodyPr>
+          <a:lstStyle/>
+          <a:p>
+            <a:pPr marL="285750" indent="-285750">
+              <a:buFont typeface="Arial" panose="020B0604020202020204" pitchFamily="34" charset="0"/>
+              <a:buChar char="•"/>
+            </a:pPr>
+            <a:r>
+              <a:rPr lang="zh-TW" altLang="en-US" sz="2000" dirty="0"/>
+              <a:t>三角函數分別使用</a:t>
+            </a:r>
+            <a:r>
+              <a:rPr lang="en-US" altLang="zh-TW" sz="2000" dirty="0" err="1"/>
+              <a:t>Math.sin</a:t>
+            </a:r>
+            <a:r>
+              <a:rPr lang="en-US" altLang="zh-TW" sz="2000" dirty="0"/>
+              <a:t>()</a:t>
+            </a:r>
+            <a:r>
+              <a:rPr lang="zh-TW" altLang="en-US" sz="2000" dirty="0"/>
+              <a:t>、</a:t>
+            </a:r>
+            <a:r>
+              <a:rPr lang="en-US" altLang="zh-TW" sz="2000" dirty="0" err="1"/>
+              <a:t>Math.cos</a:t>
+            </a:r>
+            <a:r>
+              <a:rPr lang="en-US" altLang="zh-TW" sz="2000" dirty="0"/>
+              <a:t>()</a:t>
+            </a:r>
+            <a:r>
+              <a:rPr lang="zh-TW" altLang="en-US" sz="2000" dirty="0"/>
+              <a:t>、</a:t>
+            </a:r>
+            <a:r>
+              <a:rPr lang="en-US" altLang="zh-TW" sz="2000" dirty="0" err="1"/>
+              <a:t>Math.tan</a:t>
+            </a:r>
+            <a:r>
+              <a:rPr lang="zh-TW" altLang="en-US" sz="2000" dirty="0"/>
+              <a:t>計算三個三角函數的</a:t>
+            </a:r>
+            <a:r>
+              <a:rPr lang="en-US" altLang="zh-TW" sz="2000" dirty="0"/>
+              <a:t>y</a:t>
+            </a:r>
+            <a:r>
+              <a:rPr lang="zh-TW" altLang="en-US" sz="2000" dirty="0"/>
+              <a:t>值</a:t>
+            </a:r>
+          </a:p>
+        </p:txBody>
+      </p:sp>
+      <p:pic>
+        <p:nvPicPr>
+          <p:cNvPr id="5" name="圖片 4">
+            <a:extLst>
+              <a:ext uri="{FF2B5EF4-FFF2-40B4-BE49-F238E27FC236}">
+                <a16:creationId xmlns:a16="http://schemas.microsoft.com/office/drawing/2014/main" id="{FE872363-0D78-BAF6-D923-5A5A1D77A9C2}"/>
+              </a:ext>
+            </a:extLst>
+          </p:cNvPr>
+          <p:cNvPicPr>
+            <a:picLocks noChangeAspect="1"/>
+          </p:cNvPicPr>
+          <p:nvPr/>
+        </p:nvPicPr>
+        <p:blipFill>
+          <a:blip r:embed="rId2"/>
+          <a:stretch>
+            <a:fillRect/>
+          </a:stretch>
+        </p:blipFill>
+        <p:spPr>
+          <a:xfrm>
+            <a:off x="7711392" y="1111624"/>
+            <a:ext cx="3827472" cy="5221134"/>
+          </a:xfrm>
+          <a:prstGeom prst="rect">
+            <a:avLst/>
+          </a:prstGeom>
+        </p:spPr>
+      </p:pic>
+      <p:pic>
+        <p:nvPicPr>
+          <p:cNvPr id="8" name="圖片 7">
+            <a:extLst>
+              <a:ext uri="{FF2B5EF4-FFF2-40B4-BE49-F238E27FC236}">
+                <a16:creationId xmlns:a16="http://schemas.microsoft.com/office/drawing/2014/main" id="{1D778B21-4D58-CD6F-4BEC-C363A3258BCC}"/>
+              </a:ext>
+            </a:extLst>
+          </p:cNvPr>
+          <p:cNvPicPr>
+            <a:picLocks noChangeAspect="1"/>
+          </p:cNvPicPr>
+          <p:nvPr/>
+        </p:nvPicPr>
+        <p:blipFill rotWithShape="1">
+          <a:blip r:embed="rId3">
+            <a:extLst>
+              <a:ext uri="{28A0092B-C50C-407E-A947-70E740481C1C}">
+                <a14:useLocalDpi xmlns:a14="http://schemas.microsoft.com/office/drawing/2010/main" val="0"/>
+              </a:ext>
+            </a:extLst>
+          </a:blip>
+          <a:srcRect l="31765" t="11242" r="31765" b="21961"/>
+          <a:stretch/>
+        </p:blipFill>
+        <p:spPr>
+          <a:xfrm>
+            <a:off x="3176551" y="2984591"/>
+            <a:ext cx="3594378" cy="3703079"/>
+          </a:xfrm>
+          <a:prstGeom prst="rect">
+            <a:avLst/>
+          </a:prstGeom>
+        </p:spPr>
+      </p:pic>
+    </p:spTree>
+    <p:extLst>
+      <p:ext uri="{BB962C8B-B14F-4D97-AF65-F5344CB8AC3E}">
+        <p14:creationId xmlns:p14="http://schemas.microsoft.com/office/powerpoint/2010/main" val="2671832942"/>
+      </p:ext>
+    </p:extLst>
+  </p:cSld>
+  <p:clrMapOvr>
+    <a:masterClrMapping/>
+  </p:clrMapOvr>
+</p:sld>
+</file>
+
+<file path=ppt/slides/slide12.xml><?xml version="1.0" encoding="utf-8"?>
+<p:sld xmlns:a="http://schemas.openxmlformats.org/drawingml/2006/main" xmlns:r="http://schemas.openxmlformats.org/officeDocument/2006/relationships" xmlns:p="http://schemas.openxmlformats.org/presentationml/2006/main">
+  <p:cSld>
+    <p:spTree>
+      <p:nvGrpSpPr>
+        <p:cNvPr id="1" name=""/>
+        <p:cNvGrpSpPr/>
+        <p:nvPr/>
+      </p:nvGrpSpPr>
+      <p:grpSpPr>
+        <a:xfrm>
+          <a:off x="0" y="0"/>
+          <a:ext cx="0" cy="0"/>
+          <a:chOff x="0" y="0"/>
+          <a:chExt cx="0" cy="0"/>
+        </a:xfrm>
+      </p:grpSpPr>
+      <p:sp>
+        <p:nvSpPr>
+          <p:cNvPr id="2" name="標題 1">
+            <a:extLst>
+              <a:ext uri="{FF2B5EF4-FFF2-40B4-BE49-F238E27FC236}">
+                <a16:creationId xmlns:a16="http://schemas.microsoft.com/office/drawing/2014/main" id="{4E41317D-3CC2-1C33-C8AD-88FB42B1BA28}"/>
+              </a:ext>
+            </a:extLst>
+          </p:cNvPr>
+          <p:cNvSpPr>
+            <a:spLocks noGrp="1"/>
+          </p:cNvSpPr>
+          <p:nvPr>
+            <p:ph type="title"/>
+          </p:nvPr>
+        </p:nvSpPr>
+        <p:spPr/>
+        <p:txBody>
+          <a:bodyPr/>
+          <a:lstStyle/>
+          <a:p>
+            <a:r>
+              <a:rPr lang="en-US" altLang="zh-TW" b="1" dirty="0"/>
+              <a:t>Java Script</a:t>
+            </a:r>
+            <a:r>
+              <a:rPr lang="zh-TW" altLang="en-US" b="1" dirty="0"/>
+              <a:t>程式碼</a:t>
+            </a:r>
+          </a:p>
+        </p:txBody>
+      </p:sp>
+      <p:sp>
+        <p:nvSpPr>
+          <p:cNvPr id="6" name="文字方塊 5">
+            <a:extLst>
+              <a:ext uri="{FF2B5EF4-FFF2-40B4-BE49-F238E27FC236}">
+                <a16:creationId xmlns:a16="http://schemas.microsoft.com/office/drawing/2014/main" id="{D576DE2C-D7FC-619A-3CA1-0942FFF4E0BB}"/>
+              </a:ext>
+            </a:extLst>
+          </p:cNvPr>
+          <p:cNvSpPr txBox="1"/>
+          <p:nvPr/>
+        </p:nvSpPr>
+        <p:spPr>
+          <a:xfrm>
+            <a:off x="2148186" y="2196351"/>
+            <a:ext cx="5229767" cy="1015663"/>
+          </a:xfrm>
+          <a:prstGeom prst="rect">
+            <a:avLst/>
+          </a:prstGeom>
+          <a:noFill/>
+        </p:spPr>
+        <p:txBody>
+          <a:bodyPr wrap="square" rtlCol="0">
+            <a:spAutoFit/>
+          </a:bodyPr>
+          <a:lstStyle/>
+          <a:p>
+            <a:pPr marL="285750" indent="-285750">
+              <a:buFont typeface="Arial" panose="020B0604020202020204" pitchFamily="34" charset="0"/>
+              <a:buChar char="•"/>
+            </a:pPr>
+            <a:r>
+              <a:rPr lang="zh-TW" altLang="en-US" sz="2000" dirty="0"/>
+              <a:t>反三角函數分別使用</a:t>
+            </a:r>
+            <a:r>
+              <a:rPr lang="en-US" altLang="zh-TW" sz="2000" dirty="0" err="1"/>
+              <a:t>Math.sin</a:t>
+            </a:r>
+            <a:r>
+              <a:rPr lang="en-US" altLang="zh-TW" sz="2000" dirty="0"/>
+              <a:t>()</a:t>
+            </a:r>
+            <a:r>
+              <a:rPr lang="zh-TW" altLang="en-US" sz="2000" dirty="0"/>
+              <a:t>、</a:t>
+            </a:r>
+            <a:r>
+              <a:rPr lang="en-US" altLang="zh-TW" sz="2000" dirty="0" err="1"/>
+              <a:t>Math.cos</a:t>
+            </a:r>
+            <a:r>
+              <a:rPr lang="en-US" altLang="zh-TW" sz="2000" dirty="0"/>
+              <a:t>()</a:t>
+            </a:r>
+            <a:r>
+              <a:rPr lang="zh-TW" altLang="en-US" sz="2000" dirty="0"/>
+              <a:t>、</a:t>
+            </a:r>
+            <a:r>
+              <a:rPr lang="en-US" altLang="zh-TW" sz="2000" dirty="0" err="1"/>
+              <a:t>Math.tan</a:t>
+            </a:r>
+            <a:r>
+              <a:rPr lang="zh-TW" altLang="en-US" sz="2000" dirty="0"/>
+              <a:t>計算三個三角函數的</a:t>
+            </a:r>
+            <a:r>
+              <a:rPr lang="en-US" altLang="zh-TW" sz="2000" dirty="0"/>
+              <a:t>x</a:t>
+            </a:r>
+            <a:r>
+              <a:rPr lang="zh-TW" altLang="en-US" sz="2000" dirty="0"/>
+              <a:t>值，使其與三角函數的結果是反過來的</a:t>
+            </a:r>
+          </a:p>
+        </p:txBody>
+      </p:sp>
+      <p:pic>
+        <p:nvPicPr>
+          <p:cNvPr id="4" name="圖片 3">
+            <a:extLst>
+              <a:ext uri="{FF2B5EF4-FFF2-40B4-BE49-F238E27FC236}">
+                <a16:creationId xmlns:a16="http://schemas.microsoft.com/office/drawing/2014/main" id="{CC97F29C-94F5-CE9D-60D5-FA8B1C28B952}"/>
+              </a:ext>
+            </a:extLst>
+          </p:cNvPr>
+          <p:cNvPicPr>
+            <a:picLocks noChangeAspect="1"/>
+          </p:cNvPicPr>
+          <p:nvPr/>
+        </p:nvPicPr>
+        <p:blipFill>
+          <a:blip r:embed="rId2"/>
+          <a:stretch>
+            <a:fillRect/>
+          </a:stretch>
+        </p:blipFill>
+        <p:spPr>
+          <a:xfrm>
+            <a:off x="7656109" y="789288"/>
+            <a:ext cx="3913035" cy="5673901"/>
+          </a:xfrm>
+          <a:prstGeom prst="rect">
+            <a:avLst/>
+          </a:prstGeom>
+        </p:spPr>
+      </p:pic>
+      <p:pic>
+        <p:nvPicPr>
+          <p:cNvPr id="9" name="圖片 8">
+            <a:extLst>
+              <a:ext uri="{FF2B5EF4-FFF2-40B4-BE49-F238E27FC236}">
+                <a16:creationId xmlns:a16="http://schemas.microsoft.com/office/drawing/2014/main" id="{04789F86-6A7A-78A1-CC78-7FE009E2F4CC}"/>
+              </a:ext>
+            </a:extLst>
+          </p:cNvPr>
+          <p:cNvPicPr>
+            <a:picLocks noChangeAspect="1"/>
+          </p:cNvPicPr>
+          <p:nvPr/>
+        </p:nvPicPr>
+        <p:blipFill rotWithShape="1">
+          <a:blip r:embed="rId3">
+            <a:extLst>
+              <a:ext uri="{28A0092B-C50C-407E-A947-70E740481C1C}">
+                <a14:useLocalDpi xmlns:a14="http://schemas.microsoft.com/office/drawing/2010/main" val="0"/>
+              </a:ext>
+            </a:extLst>
+          </a:blip>
+          <a:srcRect l="31250" t="11509" r="32574" b="22222"/>
+          <a:stretch/>
+        </p:blipFill>
+        <p:spPr>
+          <a:xfrm>
+            <a:off x="3219160" y="3319589"/>
+            <a:ext cx="3329617" cy="3430833"/>
+          </a:xfrm>
+          <a:prstGeom prst="rect">
+            <a:avLst/>
+          </a:prstGeom>
+        </p:spPr>
+      </p:pic>
+    </p:spTree>
+    <p:extLst>
+      <p:ext uri="{BB962C8B-B14F-4D97-AF65-F5344CB8AC3E}">
+        <p14:creationId xmlns:p14="http://schemas.microsoft.com/office/powerpoint/2010/main" val="3038589741"/>
+      </p:ext>
+    </p:extLst>
+  </p:cSld>
+  <p:clrMapOvr>
+    <a:masterClrMapping/>
+  </p:clrMapOvr>
+</p:sld>
+</file>
+
+<file path=ppt/slides/slide13.xml><?xml version="1.0" encoding="utf-8"?>
+<p:sld xmlns:a="http://schemas.openxmlformats.org/drawingml/2006/main" xmlns:r="http://schemas.openxmlformats.org/officeDocument/2006/relationships" xmlns:p="http://schemas.openxmlformats.org/presentationml/2006/main">
+  <p:cSld>
+    <p:spTree>
+      <p:nvGrpSpPr>
+        <p:cNvPr id="1" name=""/>
+        <p:cNvGrpSpPr/>
+        <p:nvPr/>
+      </p:nvGrpSpPr>
+      <p:grpSpPr>
+        <a:xfrm>
+          <a:off x="0" y="0"/>
+          <a:ext cx="0" cy="0"/>
+          <a:chOff x="0" y="0"/>
+          <a:chExt cx="0" cy="0"/>
+        </a:xfrm>
+      </p:grpSpPr>
+      <p:sp>
+        <p:nvSpPr>
+          <p:cNvPr id="2" name="標題 1">
+            <a:extLst>
+              <a:ext uri="{FF2B5EF4-FFF2-40B4-BE49-F238E27FC236}">
+                <a16:creationId xmlns:a16="http://schemas.microsoft.com/office/drawing/2014/main" id="{4E41317D-3CC2-1C33-C8AD-88FB42B1BA28}"/>
+              </a:ext>
+            </a:extLst>
+          </p:cNvPr>
+          <p:cNvSpPr>
+            <a:spLocks noGrp="1"/>
+          </p:cNvSpPr>
+          <p:nvPr>
+            <p:ph type="title"/>
+          </p:nvPr>
+        </p:nvSpPr>
+        <p:spPr/>
+        <p:txBody>
+          <a:bodyPr/>
+          <a:lstStyle/>
+          <a:p>
+            <a:r>
+              <a:rPr lang="en-US" altLang="zh-TW" b="1" dirty="0"/>
+              <a:t>Java Script</a:t>
+            </a:r>
+            <a:r>
+              <a:rPr lang="zh-TW" altLang="en-US" b="1" dirty="0"/>
+              <a:t>程式碼</a:t>
+            </a:r>
+          </a:p>
+        </p:txBody>
+      </p:sp>
+      <p:sp>
+        <p:nvSpPr>
+          <p:cNvPr id="6" name="文字方塊 5">
+            <a:extLst>
+              <a:ext uri="{FF2B5EF4-FFF2-40B4-BE49-F238E27FC236}">
+                <a16:creationId xmlns:a16="http://schemas.microsoft.com/office/drawing/2014/main" id="{D576DE2C-D7FC-619A-3CA1-0942FFF4E0BB}"/>
+              </a:ext>
+            </a:extLst>
+          </p:cNvPr>
+          <p:cNvSpPr txBox="1"/>
+          <p:nvPr/>
+        </p:nvSpPr>
+        <p:spPr>
+          <a:xfrm>
+            <a:off x="2148186" y="2196351"/>
+            <a:ext cx="9076329" cy="1015663"/>
+          </a:xfrm>
+          <a:prstGeom prst="rect">
+            <a:avLst/>
+          </a:prstGeom>
+          <a:noFill/>
+        </p:spPr>
+        <p:txBody>
+          <a:bodyPr wrap="square" rtlCol="0">
+            <a:spAutoFit/>
+          </a:bodyPr>
+          <a:lstStyle/>
+          <a:p>
+            <a:pPr marL="285750" indent="-285750">
+              <a:buFont typeface="Arial" panose="020B0604020202020204" pitchFamily="34" charset="0"/>
+              <a:buChar char="•"/>
+            </a:pPr>
+            <a:r>
+              <a:rPr lang="zh-TW" altLang="en-US" sz="2000" dirty="0"/>
+              <a:t>透過在每個函數</a:t>
+            </a:r>
+            <a:r>
+              <a:rPr lang="en-US" altLang="zh-TW" sz="2000" dirty="0"/>
+              <a:t>function</a:t>
+            </a:r>
+            <a:r>
+              <a:rPr lang="zh-TW" altLang="en-US" sz="2000" dirty="0"/>
+              <a:t>的開頭執行</a:t>
+            </a:r>
+            <a:r>
+              <a:rPr lang="en-US" altLang="zh-TW" sz="2000" dirty="0" err="1"/>
+              <a:t>canvas.width</a:t>
+            </a:r>
+            <a:r>
+              <a:rPr lang="en-US" altLang="zh-TW" sz="2000" dirty="0"/>
+              <a:t> = </a:t>
+            </a:r>
+            <a:r>
+              <a:rPr lang="en-US" altLang="zh-TW" sz="2000" dirty="0" err="1"/>
+              <a:t>canvas.width</a:t>
+            </a:r>
+            <a:r>
+              <a:rPr lang="zh-TW" altLang="en-US" sz="2000" dirty="0"/>
+              <a:t>，使</a:t>
+            </a:r>
+            <a:r>
+              <a:rPr lang="en-US" altLang="zh-TW" sz="2000" dirty="0"/>
+              <a:t>canvas</a:t>
+            </a:r>
+            <a:r>
+              <a:rPr lang="zh-TW" altLang="en-US" sz="2000" dirty="0"/>
+              <a:t>畫布被重置寬度，達到清空畫布的效果，防止切換按鈕後圖形會重疊或是不再基準點上被執行</a:t>
+            </a:r>
+          </a:p>
+        </p:txBody>
+      </p:sp>
+      <p:pic>
+        <p:nvPicPr>
+          <p:cNvPr id="5" name="圖片 4">
+            <a:extLst>
+              <a:ext uri="{FF2B5EF4-FFF2-40B4-BE49-F238E27FC236}">
+                <a16:creationId xmlns:a16="http://schemas.microsoft.com/office/drawing/2014/main" id="{7C729457-9FD6-5642-B4C1-FD53DB4D9EB7}"/>
+              </a:ext>
+            </a:extLst>
+          </p:cNvPr>
+          <p:cNvPicPr>
+            <a:picLocks noChangeAspect="1"/>
+          </p:cNvPicPr>
+          <p:nvPr/>
+        </p:nvPicPr>
+        <p:blipFill>
+          <a:blip r:embed="rId2"/>
+          <a:stretch>
+            <a:fillRect/>
+          </a:stretch>
+        </p:blipFill>
+        <p:spPr>
+          <a:xfrm>
+            <a:off x="2705547" y="3645987"/>
+            <a:ext cx="4430451" cy="395577"/>
+          </a:xfrm>
+          <a:prstGeom prst="rect">
+            <a:avLst/>
+          </a:prstGeom>
+        </p:spPr>
+      </p:pic>
+      <p:pic>
+        <p:nvPicPr>
+          <p:cNvPr id="8" name="圖片 7">
+            <a:extLst>
+              <a:ext uri="{FF2B5EF4-FFF2-40B4-BE49-F238E27FC236}">
+                <a16:creationId xmlns:a16="http://schemas.microsoft.com/office/drawing/2014/main" id="{7169C839-C2E1-2B36-EC99-D06B19D765B8}"/>
+              </a:ext>
+            </a:extLst>
+          </p:cNvPr>
+          <p:cNvPicPr>
+            <a:picLocks noChangeAspect="1"/>
+          </p:cNvPicPr>
+          <p:nvPr/>
+        </p:nvPicPr>
+        <p:blipFill>
+          <a:blip r:embed="rId3"/>
+          <a:stretch>
+            <a:fillRect/>
+          </a:stretch>
+        </p:blipFill>
+        <p:spPr>
+          <a:xfrm>
+            <a:off x="7262859" y="3036395"/>
+            <a:ext cx="4345462" cy="3595484"/>
+          </a:xfrm>
+          <a:prstGeom prst="rect">
+            <a:avLst/>
+          </a:prstGeom>
+        </p:spPr>
+      </p:pic>
+    </p:spTree>
+    <p:extLst>
+      <p:ext uri="{BB962C8B-B14F-4D97-AF65-F5344CB8AC3E}">
+        <p14:creationId xmlns:p14="http://schemas.microsoft.com/office/powerpoint/2010/main" val="2660674032"/>
+      </p:ext>
+    </p:extLst>
+  </p:cSld>
+  <p:clrMapOvr>
+    <a:masterClrMapping/>
+  </p:clrMapOvr>
+</p:sld>
+</file>
+
+<file path=ppt/slides/slide14.xml><?xml version="1.0" encoding="utf-8"?>
+<p:sld xmlns:a="http://schemas.openxmlformats.org/drawingml/2006/main" xmlns:r="http://schemas.openxmlformats.org/officeDocument/2006/relationships" xmlns:p="http://schemas.openxmlformats.org/presentationml/2006/main">
+  <p:cSld>
+    <p:spTree>
+      <p:nvGrpSpPr>
+        <p:cNvPr id="1" name=""/>
+        <p:cNvGrpSpPr/>
+        <p:nvPr/>
+      </p:nvGrpSpPr>
+      <p:grpSpPr>
+        <a:xfrm>
+          <a:off x="0" y="0"/>
+          <a:ext cx="0" cy="0"/>
+          <a:chOff x="0" y="0"/>
+          <a:chExt cx="0" cy="0"/>
+        </a:xfrm>
+      </p:grpSpPr>
+      <p:sp>
+        <p:nvSpPr>
+          <p:cNvPr id="2" name="標題 1">
+            <a:extLst>
+              <a:ext uri="{FF2B5EF4-FFF2-40B4-BE49-F238E27FC236}">
+                <a16:creationId xmlns:a16="http://schemas.microsoft.com/office/drawing/2014/main" id="{F7774A21-7EAB-001D-C208-3DB382C7B319}"/>
+              </a:ext>
+            </a:extLst>
+          </p:cNvPr>
+          <p:cNvSpPr>
+            <a:spLocks noGrp="1"/>
+          </p:cNvSpPr>
+          <p:nvPr>
+            <p:ph type="title"/>
+          </p:nvPr>
+        </p:nvSpPr>
+        <p:spPr/>
+        <p:txBody>
+          <a:bodyPr/>
+          <a:lstStyle/>
+          <a:p>
+            <a:r>
+              <a:rPr lang="en-US" altLang="zh-TW" dirty="0"/>
+              <a:t>THE END</a:t>
+            </a:r>
+            <a:endParaRPr lang="zh-TW" altLang="en-US" dirty="0"/>
+          </a:p>
+        </p:txBody>
+      </p:sp>
+      <p:sp>
+        <p:nvSpPr>
+          <p:cNvPr id="3" name="文字版面配置區 2">
+            <a:extLst>
+              <a:ext uri="{FF2B5EF4-FFF2-40B4-BE49-F238E27FC236}">
+                <a16:creationId xmlns:a16="http://schemas.microsoft.com/office/drawing/2014/main" id="{C7AEE18C-03CF-E70F-4ED6-6E1823822787}"/>
+              </a:ext>
+            </a:extLst>
+          </p:cNvPr>
+          <p:cNvSpPr>
+            <a:spLocks noGrp="1"/>
+          </p:cNvSpPr>
+          <p:nvPr>
+            <p:ph type="body" idx="1"/>
+          </p:nvPr>
+        </p:nvSpPr>
+        <p:spPr/>
+        <p:txBody>
+          <a:bodyPr/>
+          <a:lstStyle/>
+          <a:p>
+            <a:r>
+              <a:rPr lang="zh-TW" altLang="en-US" dirty="0"/>
+              <a:t>感謝聆聽</a:t>
+            </a:r>
+          </a:p>
+        </p:txBody>
+      </p:sp>
+    </p:spTree>
+    <p:extLst>
+      <p:ext uri="{BB962C8B-B14F-4D97-AF65-F5344CB8AC3E}">
+        <p14:creationId xmlns:p14="http://schemas.microsoft.com/office/powerpoint/2010/main" val="1243967239"/>
+      </p:ext>
+    </p:extLst>
+  </p:cSld>
+  <p:clrMapOvr>
+    <a:masterClrMapping/>
+  </p:clrMapOvr>
+</p:sld>
+</file>
+
 <file path=ppt/slides/slide2.xml><?xml version="1.0" encoding="utf-8"?>
 <p:sld xmlns:a="http://schemas.openxmlformats.org/drawingml/2006/main" xmlns:r="http://schemas.openxmlformats.org/officeDocument/2006/relationships" xmlns:p="http://schemas.openxmlformats.org/presentationml/2006/main">
   <p:cSld>
@@ -10387,7 +11273,7 @@
           <a:lstStyle/>
           <a:p>
             <a:r>
-              <a:rPr lang="zh-TW" altLang="en-US" dirty="0"/>
+              <a:rPr lang="zh-TW" altLang="en-US" b="1" dirty="0"/>
               <a:t>大綱</a:t>
             </a:r>
           </a:p>
@@ -10422,13 +11308,6 @@
           </a:p>
           <a:p>
             <a:r>
-              <a:rPr lang="zh-TW" altLang="en-US" dirty="0"/>
-              <a:t>成果</a:t>
-            </a:r>
-            <a:endParaRPr lang="en-US" altLang="zh-TW" dirty="0"/>
-          </a:p>
-          <a:p>
-            <a:r>
               <a:rPr lang="en-US" altLang="zh-TW" dirty="0"/>
               <a:t>html</a:t>
             </a:r>
@@ -10440,7 +11319,7 @@
           </a:p>
           <a:p>
             <a:r>
-              <a:rPr lang="en-US" altLang="zh-TW" dirty="0" err="1"/>
+              <a:rPr lang="en-US" altLang="zh-TW" dirty="0"/>
               <a:t>css</a:t>
             </a:r>
             <a:r>
@@ -10452,18 +11331,19 @@
           <a:p>
             <a:r>
               <a:rPr lang="en-US" altLang="zh-TW" dirty="0"/>
-              <a:t>Java script</a:t>
+              <a:t>Java Script</a:t>
             </a:r>
             <a:r>
               <a:rPr lang="zh-TW" altLang="en-US" dirty="0"/>
               <a:t>程式碼說明</a:t>
             </a:r>
-          </a:p>
-          <a:p>
-            <a:endParaRPr lang="zh-TW" altLang="en-US" dirty="0"/>
-          </a:p>
-          <a:p>
-            <a:endParaRPr lang="zh-TW" altLang="en-US" dirty="0"/>
+            <a:endParaRPr lang="en-US" altLang="zh-TW" dirty="0"/>
+          </a:p>
+          <a:p>
+            <a:r>
+              <a:rPr lang="zh-TW" altLang="en-US" dirty="0"/>
+              <a:t>執行結果</a:t>
+            </a:r>
           </a:p>
         </p:txBody>
       </p:sp>
@@ -10471,6 +11351,1092 @@
     <p:extLst>
       <p:ext uri="{BB962C8B-B14F-4D97-AF65-F5344CB8AC3E}">
         <p14:creationId xmlns:p14="http://schemas.microsoft.com/office/powerpoint/2010/main" val="3530648568"/>
+      </p:ext>
+    </p:extLst>
+  </p:cSld>
+  <p:clrMapOvr>
+    <a:masterClrMapping/>
+  </p:clrMapOvr>
+</p:sld>
+</file>
+
+<file path=ppt/slides/slide3.xml><?xml version="1.0" encoding="utf-8"?>
+<p:sld xmlns:a="http://schemas.openxmlformats.org/drawingml/2006/main" xmlns:r="http://schemas.openxmlformats.org/officeDocument/2006/relationships" xmlns:p="http://schemas.openxmlformats.org/presentationml/2006/main">
+  <p:cSld>
+    <p:spTree>
+      <p:nvGrpSpPr>
+        <p:cNvPr id="1" name=""/>
+        <p:cNvGrpSpPr/>
+        <p:nvPr/>
+      </p:nvGrpSpPr>
+      <p:grpSpPr>
+        <a:xfrm>
+          <a:off x="0" y="0"/>
+          <a:ext cx="0" cy="0"/>
+          <a:chOff x="0" y="0"/>
+          <a:chExt cx="0" cy="0"/>
+        </a:xfrm>
+      </p:grpSpPr>
+      <p:sp>
+        <p:nvSpPr>
+          <p:cNvPr id="2" name="標題 1">
+            <a:extLst>
+              <a:ext uri="{FF2B5EF4-FFF2-40B4-BE49-F238E27FC236}">
+                <a16:creationId xmlns:a16="http://schemas.microsoft.com/office/drawing/2014/main" id="{CBB2AC87-E5B7-E6F4-3EE5-38C2BB6BC174}"/>
+              </a:ext>
+            </a:extLst>
+          </p:cNvPr>
+          <p:cNvSpPr>
+            <a:spLocks noGrp="1"/>
+          </p:cNvSpPr>
+          <p:nvPr>
+            <p:ph type="title"/>
+          </p:nvPr>
+        </p:nvSpPr>
+        <p:spPr/>
+        <p:txBody>
+          <a:bodyPr/>
+          <a:lstStyle/>
+          <a:p>
+            <a:r>
+              <a:rPr lang="zh-TW" altLang="en-US" b="1" dirty="0"/>
+              <a:t>題目說明</a:t>
+            </a:r>
+          </a:p>
+        </p:txBody>
+      </p:sp>
+      <p:pic>
+        <p:nvPicPr>
+          <p:cNvPr id="3" name="圖片 2">
+            <a:extLst>
+              <a:ext uri="{FF2B5EF4-FFF2-40B4-BE49-F238E27FC236}">
+                <a16:creationId xmlns:a16="http://schemas.microsoft.com/office/drawing/2014/main" id="{33797C62-34C5-745B-33E8-CB065FAA1CE4}"/>
+              </a:ext>
+            </a:extLst>
+          </p:cNvPr>
+          <p:cNvPicPr>
+            <a:picLocks noChangeAspect="1"/>
+          </p:cNvPicPr>
+          <p:nvPr/>
+        </p:nvPicPr>
+        <p:blipFill>
+          <a:blip r:embed="rId2"/>
+          <a:stretch>
+            <a:fillRect/>
+          </a:stretch>
+        </p:blipFill>
+        <p:spPr>
+          <a:xfrm>
+            <a:off x="3780304" y="2137410"/>
+            <a:ext cx="4631391" cy="4078030"/>
+          </a:xfrm>
+          <a:prstGeom prst="rect">
+            <a:avLst/>
+          </a:prstGeom>
+        </p:spPr>
+      </p:pic>
+    </p:spTree>
+    <p:extLst>
+      <p:ext uri="{BB962C8B-B14F-4D97-AF65-F5344CB8AC3E}">
+        <p14:creationId xmlns:p14="http://schemas.microsoft.com/office/powerpoint/2010/main" val="4001747588"/>
+      </p:ext>
+    </p:extLst>
+  </p:cSld>
+  <p:clrMapOvr>
+    <a:masterClrMapping/>
+  </p:clrMapOvr>
+</p:sld>
+</file>
+
+<file path=ppt/slides/slide4.xml><?xml version="1.0" encoding="utf-8"?>
+<p:sld xmlns:a="http://schemas.openxmlformats.org/drawingml/2006/main" xmlns:r="http://schemas.openxmlformats.org/officeDocument/2006/relationships" xmlns:p="http://schemas.openxmlformats.org/presentationml/2006/main">
+  <p:cSld>
+    <p:spTree>
+      <p:nvGrpSpPr>
+        <p:cNvPr id="1" name=""/>
+        <p:cNvGrpSpPr/>
+        <p:nvPr/>
+      </p:nvGrpSpPr>
+      <p:grpSpPr>
+        <a:xfrm>
+          <a:off x="0" y="0"/>
+          <a:ext cx="0" cy="0"/>
+          <a:chOff x="0" y="0"/>
+          <a:chExt cx="0" cy="0"/>
+        </a:xfrm>
+      </p:grpSpPr>
+      <p:sp>
+        <p:nvSpPr>
+          <p:cNvPr id="2" name="標題 1">
+            <a:extLst>
+              <a:ext uri="{FF2B5EF4-FFF2-40B4-BE49-F238E27FC236}">
+                <a16:creationId xmlns:a16="http://schemas.microsoft.com/office/drawing/2014/main" id="{4E41317D-3CC2-1C33-C8AD-88FB42B1BA28}"/>
+              </a:ext>
+            </a:extLst>
+          </p:cNvPr>
+          <p:cNvSpPr>
+            <a:spLocks noGrp="1"/>
+          </p:cNvSpPr>
+          <p:nvPr>
+            <p:ph type="title"/>
+          </p:nvPr>
+        </p:nvSpPr>
+        <p:spPr/>
+        <p:txBody>
+          <a:bodyPr/>
+          <a:lstStyle/>
+          <a:p>
+            <a:r>
+              <a:rPr lang="en-US" altLang="zh-TW" b="1" dirty="0"/>
+              <a:t>HTML</a:t>
+            </a:r>
+            <a:r>
+              <a:rPr lang="zh-TW" altLang="en-US" b="1" dirty="0"/>
+              <a:t>程式碼</a:t>
+            </a:r>
+          </a:p>
+        </p:txBody>
+      </p:sp>
+      <p:pic>
+        <p:nvPicPr>
+          <p:cNvPr id="5" name="圖片 4">
+            <a:extLst>
+              <a:ext uri="{FF2B5EF4-FFF2-40B4-BE49-F238E27FC236}">
+                <a16:creationId xmlns:a16="http://schemas.microsoft.com/office/drawing/2014/main" id="{58476D90-7EA9-7F7A-9EC4-592C3D2F2BC7}"/>
+              </a:ext>
+            </a:extLst>
+          </p:cNvPr>
+          <p:cNvPicPr>
+            <a:picLocks noChangeAspect="1"/>
+          </p:cNvPicPr>
+          <p:nvPr/>
+        </p:nvPicPr>
+        <p:blipFill>
+          <a:blip r:embed="rId2"/>
+          <a:stretch>
+            <a:fillRect/>
+          </a:stretch>
+        </p:blipFill>
+        <p:spPr>
+          <a:xfrm>
+            <a:off x="1097578" y="3834921"/>
+            <a:ext cx="10427013" cy="1803790"/>
+          </a:xfrm>
+          <a:prstGeom prst="rect">
+            <a:avLst/>
+          </a:prstGeom>
+        </p:spPr>
+      </p:pic>
+      <p:sp>
+        <p:nvSpPr>
+          <p:cNvPr id="6" name="文字方塊 5">
+            <a:extLst>
+              <a:ext uri="{FF2B5EF4-FFF2-40B4-BE49-F238E27FC236}">
+                <a16:creationId xmlns:a16="http://schemas.microsoft.com/office/drawing/2014/main" id="{D576DE2C-D7FC-619A-3CA1-0942FFF4E0BB}"/>
+              </a:ext>
+            </a:extLst>
+          </p:cNvPr>
+          <p:cNvSpPr txBox="1"/>
+          <p:nvPr/>
+        </p:nvSpPr>
+        <p:spPr>
+          <a:xfrm>
+            <a:off x="2148186" y="2196351"/>
+            <a:ext cx="9153668" cy="400110"/>
+          </a:xfrm>
+          <a:prstGeom prst="rect">
+            <a:avLst/>
+          </a:prstGeom>
+          <a:noFill/>
+        </p:spPr>
+        <p:txBody>
+          <a:bodyPr wrap="square" rtlCol="0">
+            <a:spAutoFit/>
+          </a:bodyPr>
+          <a:lstStyle/>
+          <a:p>
+            <a:pPr marL="285750" indent="-285750">
+              <a:buFont typeface="Arial" panose="020B0604020202020204" pitchFamily="34" charset="0"/>
+              <a:buChar char="•"/>
+            </a:pPr>
+            <a:r>
+              <a:rPr lang="zh-TW" altLang="en-US" sz="2000" dirty="0"/>
+              <a:t>按鈕使用</a:t>
+            </a:r>
+            <a:r>
+              <a:rPr lang="en-US" altLang="zh-TW" sz="2000" dirty="0"/>
+              <a:t>bootstrap</a:t>
+            </a:r>
+            <a:r>
+              <a:rPr lang="zh-TW" altLang="en-US" sz="2000" dirty="0"/>
+              <a:t>的樣式</a:t>
+            </a:r>
+          </a:p>
+        </p:txBody>
+      </p:sp>
+    </p:spTree>
+    <p:extLst>
+      <p:ext uri="{BB962C8B-B14F-4D97-AF65-F5344CB8AC3E}">
+        <p14:creationId xmlns:p14="http://schemas.microsoft.com/office/powerpoint/2010/main" val="1408816808"/>
+      </p:ext>
+    </p:extLst>
+  </p:cSld>
+  <p:clrMapOvr>
+    <a:masterClrMapping/>
+  </p:clrMapOvr>
+</p:sld>
+</file>
+
+<file path=ppt/slides/slide5.xml><?xml version="1.0" encoding="utf-8"?>
+<p:sld xmlns:a="http://schemas.openxmlformats.org/drawingml/2006/main" xmlns:r="http://schemas.openxmlformats.org/officeDocument/2006/relationships" xmlns:p="http://schemas.openxmlformats.org/presentationml/2006/main">
+  <p:cSld>
+    <p:spTree>
+      <p:nvGrpSpPr>
+        <p:cNvPr id="1" name=""/>
+        <p:cNvGrpSpPr/>
+        <p:nvPr/>
+      </p:nvGrpSpPr>
+      <p:grpSpPr>
+        <a:xfrm>
+          <a:off x="0" y="0"/>
+          <a:ext cx="0" cy="0"/>
+          <a:chOff x="0" y="0"/>
+          <a:chExt cx="0" cy="0"/>
+        </a:xfrm>
+      </p:grpSpPr>
+      <p:sp>
+        <p:nvSpPr>
+          <p:cNvPr id="2" name="標題 1">
+            <a:extLst>
+              <a:ext uri="{FF2B5EF4-FFF2-40B4-BE49-F238E27FC236}">
+                <a16:creationId xmlns:a16="http://schemas.microsoft.com/office/drawing/2014/main" id="{4E41317D-3CC2-1C33-C8AD-88FB42B1BA28}"/>
+              </a:ext>
+            </a:extLst>
+          </p:cNvPr>
+          <p:cNvSpPr>
+            <a:spLocks noGrp="1"/>
+          </p:cNvSpPr>
+          <p:nvPr>
+            <p:ph type="title"/>
+          </p:nvPr>
+        </p:nvSpPr>
+        <p:spPr/>
+        <p:txBody>
+          <a:bodyPr/>
+          <a:lstStyle/>
+          <a:p>
+            <a:r>
+              <a:rPr lang="en-US" altLang="zh-TW" b="1" dirty="0"/>
+              <a:t>HTML</a:t>
+            </a:r>
+            <a:r>
+              <a:rPr lang="zh-TW" altLang="en-US" b="1" dirty="0"/>
+              <a:t>程式碼</a:t>
+            </a:r>
+          </a:p>
+        </p:txBody>
+      </p:sp>
+      <p:sp>
+        <p:nvSpPr>
+          <p:cNvPr id="6" name="文字方塊 5">
+            <a:extLst>
+              <a:ext uri="{FF2B5EF4-FFF2-40B4-BE49-F238E27FC236}">
+                <a16:creationId xmlns:a16="http://schemas.microsoft.com/office/drawing/2014/main" id="{D576DE2C-D7FC-619A-3CA1-0942FFF4E0BB}"/>
+              </a:ext>
+            </a:extLst>
+          </p:cNvPr>
+          <p:cNvSpPr txBox="1"/>
+          <p:nvPr/>
+        </p:nvSpPr>
+        <p:spPr>
+          <a:xfrm>
+            <a:off x="2148186" y="2196351"/>
+            <a:ext cx="9153668" cy="1015663"/>
+          </a:xfrm>
+          <a:prstGeom prst="rect">
+            <a:avLst/>
+          </a:prstGeom>
+          <a:noFill/>
+        </p:spPr>
+        <p:txBody>
+          <a:bodyPr wrap="square" rtlCol="0">
+            <a:spAutoFit/>
+          </a:bodyPr>
+          <a:lstStyle/>
+          <a:p>
+            <a:pPr marL="285750" indent="-285750">
+              <a:buFont typeface="Arial" panose="020B0604020202020204" pitchFamily="34" charset="0"/>
+              <a:buChar char="•"/>
+            </a:pPr>
+            <a:r>
+              <a:rPr lang="en-US" altLang="zh-TW" sz="2000" dirty="0"/>
+              <a:t>canvas</a:t>
+            </a:r>
+            <a:r>
+              <a:rPr lang="zh-TW" altLang="en-US" sz="2000" dirty="0"/>
+              <a:t>畫布設定</a:t>
+            </a:r>
+            <a:endParaRPr lang="en-US" altLang="zh-TW" sz="2000" dirty="0"/>
+          </a:p>
+          <a:p>
+            <a:pPr marL="285750" indent="-285750">
+              <a:buFont typeface="Arial" panose="020B0604020202020204" pitchFamily="34" charset="0"/>
+              <a:buChar char="•"/>
+            </a:pPr>
+            <a:r>
+              <a:rPr lang="zh-TW" altLang="en-US" sz="2000" dirty="0"/>
+              <a:t>使用者按下任意函數的按鈕，就會呼叫該函數的</a:t>
+            </a:r>
+            <a:r>
+              <a:rPr lang="en-US" altLang="zh-TW" sz="2000" dirty="0"/>
+              <a:t>function</a:t>
+            </a:r>
+            <a:r>
+              <a:rPr lang="zh-TW" altLang="en-US" sz="2000" dirty="0"/>
+              <a:t>，使</a:t>
+            </a:r>
+            <a:r>
+              <a:rPr lang="en-US" altLang="zh-TW" sz="2000" dirty="0"/>
+              <a:t>canvas</a:t>
+            </a:r>
+            <a:r>
+              <a:rPr lang="zh-TW" altLang="en-US" sz="2000" dirty="0"/>
+              <a:t>畫布畫出該函數的圖形</a:t>
+            </a:r>
+          </a:p>
+        </p:txBody>
+      </p:sp>
+      <p:pic>
+        <p:nvPicPr>
+          <p:cNvPr id="8" name="圖片 7">
+            <a:extLst>
+              <a:ext uri="{FF2B5EF4-FFF2-40B4-BE49-F238E27FC236}">
+                <a16:creationId xmlns:a16="http://schemas.microsoft.com/office/drawing/2014/main" id="{14CA4B75-CEFB-3F72-A30C-F37C6F431DB3}"/>
+              </a:ext>
+            </a:extLst>
+          </p:cNvPr>
+          <p:cNvPicPr>
+            <a:picLocks noChangeAspect="1"/>
+          </p:cNvPicPr>
+          <p:nvPr/>
+        </p:nvPicPr>
+        <p:blipFill>
+          <a:blip r:embed="rId2"/>
+          <a:stretch>
+            <a:fillRect/>
+          </a:stretch>
+        </p:blipFill>
+        <p:spPr>
+          <a:xfrm>
+            <a:off x="2094964" y="3547375"/>
+            <a:ext cx="9129551" cy="2751058"/>
+          </a:xfrm>
+          <a:prstGeom prst="rect">
+            <a:avLst/>
+          </a:prstGeom>
+        </p:spPr>
+      </p:pic>
+    </p:spTree>
+    <p:extLst>
+      <p:ext uri="{BB962C8B-B14F-4D97-AF65-F5344CB8AC3E}">
+        <p14:creationId xmlns:p14="http://schemas.microsoft.com/office/powerpoint/2010/main" val="1477844365"/>
+      </p:ext>
+    </p:extLst>
+  </p:cSld>
+  <p:clrMapOvr>
+    <a:masterClrMapping/>
+  </p:clrMapOvr>
+</p:sld>
+</file>
+
+<file path=ppt/slides/slide6.xml><?xml version="1.0" encoding="utf-8"?>
+<p:sld xmlns:a="http://schemas.openxmlformats.org/drawingml/2006/main" xmlns:r="http://schemas.openxmlformats.org/officeDocument/2006/relationships" xmlns:p="http://schemas.openxmlformats.org/presentationml/2006/main">
+  <p:cSld>
+    <p:spTree>
+      <p:nvGrpSpPr>
+        <p:cNvPr id="1" name=""/>
+        <p:cNvGrpSpPr/>
+        <p:nvPr/>
+      </p:nvGrpSpPr>
+      <p:grpSpPr>
+        <a:xfrm>
+          <a:off x="0" y="0"/>
+          <a:ext cx="0" cy="0"/>
+          <a:chOff x="0" y="0"/>
+          <a:chExt cx="0" cy="0"/>
+        </a:xfrm>
+      </p:grpSpPr>
+      <p:sp>
+        <p:nvSpPr>
+          <p:cNvPr id="2" name="標題 1">
+            <a:extLst>
+              <a:ext uri="{FF2B5EF4-FFF2-40B4-BE49-F238E27FC236}">
+                <a16:creationId xmlns:a16="http://schemas.microsoft.com/office/drawing/2014/main" id="{4E41317D-3CC2-1C33-C8AD-88FB42B1BA28}"/>
+              </a:ext>
+            </a:extLst>
+          </p:cNvPr>
+          <p:cNvSpPr>
+            <a:spLocks noGrp="1"/>
+          </p:cNvSpPr>
+          <p:nvPr>
+            <p:ph type="title"/>
+          </p:nvPr>
+        </p:nvSpPr>
+        <p:spPr/>
+        <p:txBody>
+          <a:bodyPr/>
+          <a:lstStyle/>
+          <a:p>
+            <a:r>
+              <a:rPr lang="en-US" altLang="zh-TW" b="1" dirty="0"/>
+              <a:t>CSS</a:t>
+            </a:r>
+            <a:r>
+              <a:rPr lang="zh-TW" altLang="en-US" b="1" dirty="0"/>
+              <a:t>程式碼</a:t>
+            </a:r>
+          </a:p>
+        </p:txBody>
+      </p:sp>
+      <p:sp>
+        <p:nvSpPr>
+          <p:cNvPr id="6" name="文字方塊 5">
+            <a:extLst>
+              <a:ext uri="{FF2B5EF4-FFF2-40B4-BE49-F238E27FC236}">
+                <a16:creationId xmlns:a16="http://schemas.microsoft.com/office/drawing/2014/main" id="{D576DE2C-D7FC-619A-3CA1-0942FFF4E0BB}"/>
+              </a:ext>
+            </a:extLst>
+          </p:cNvPr>
+          <p:cNvSpPr txBox="1"/>
+          <p:nvPr/>
+        </p:nvSpPr>
+        <p:spPr>
+          <a:xfrm>
+            <a:off x="2148186" y="2196351"/>
+            <a:ext cx="9153668" cy="400110"/>
+          </a:xfrm>
+          <a:prstGeom prst="rect">
+            <a:avLst/>
+          </a:prstGeom>
+          <a:noFill/>
+        </p:spPr>
+        <p:txBody>
+          <a:bodyPr wrap="square" rtlCol="0">
+            <a:spAutoFit/>
+          </a:bodyPr>
+          <a:lstStyle/>
+          <a:p>
+            <a:pPr marL="285750" indent="-285750">
+              <a:buFont typeface="Arial" panose="020B0604020202020204" pitchFamily="34" charset="0"/>
+              <a:buChar char="•"/>
+            </a:pPr>
+            <a:r>
+              <a:rPr lang="zh-TW" altLang="en-US" sz="2000" dirty="0"/>
+              <a:t>背景和按鈕樣式設定</a:t>
+            </a:r>
+          </a:p>
+        </p:txBody>
+      </p:sp>
+      <p:pic>
+        <p:nvPicPr>
+          <p:cNvPr id="4" name="圖片 3">
+            <a:extLst>
+              <a:ext uri="{FF2B5EF4-FFF2-40B4-BE49-F238E27FC236}">
+                <a16:creationId xmlns:a16="http://schemas.microsoft.com/office/drawing/2014/main" id="{9204DFA5-9663-17AD-C7F7-E506B829C322}"/>
+              </a:ext>
+            </a:extLst>
+          </p:cNvPr>
+          <p:cNvPicPr>
+            <a:picLocks noChangeAspect="1"/>
+          </p:cNvPicPr>
+          <p:nvPr/>
+        </p:nvPicPr>
+        <p:blipFill>
+          <a:blip r:embed="rId2"/>
+          <a:stretch>
+            <a:fillRect/>
+          </a:stretch>
+        </p:blipFill>
+        <p:spPr>
+          <a:xfrm>
+            <a:off x="3131281" y="2841813"/>
+            <a:ext cx="5929438" cy="3630706"/>
+          </a:xfrm>
+          <a:prstGeom prst="rect">
+            <a:avLst/>
+          </a:prstGeom>
+        </p:spPr>
+      </p:pic>
+    </p:spTree>
+    <p:extLst>
+      <p:ext uri="{BB962C8B-B14F-4D97-AF65-F5344CB8AC3E}">
+        <p14:creationId xmlns:p14="http://schemas.microsoft.com/office/powerpoint/2010/main" val="31842985"/>
+      </p:ext>
+    </p:extLst>
+  </p:cSld>
+  <p:clrMapOvr>
+    <a:masterClrMapping/>
+  </p:clrMapOvr>
+</p:sld>
+</file>
+
+<file path=ppt/slides/slide7.xml><?xml version="1.0" encoding="utf-8"?>
+<p:sld xmlns:a="http://schemas.openxmlformats.org/drawingml/2006/main" xmlns:r="http://schemas.openxmlformats.org/officeDocument/2006/relationships" xmlns:p="http://schemas.openxmlformats.org/presentationml/2006/main">
+  <p:cSld>
+    <p:spTree>
+      <p:nvGrpSpPr>
+        <p:cNvPr id="1" name=""/>
+        <p:cNvGrpSpPr/>
+        <p:nvPr/>
+      </p:nvGrpSpPr>
+      <p:grpSpPr>
+        <a:xfrm>
+          <a:off x="0" y="0"/>
+          <a:ext cx="0" cy="0"/>
+          <a:chOff x="0" y="0"/>
+          <a:chExt cx="0" cy="0"/>
+        </a:xfrm>
+      </p:grpSpPr>
+      <p:sp>
+        <p:nvSpPr>
+          <p:cNvPr id="2" name="標題 1">
+            <a:extLst>
+              <a:ext uri="{FF2B5EF4-FFF2-40B4-BE49-F238E27FC236}">
+                <a16:creationId xmlns:a16="http://schemas.microsoft.com/office/drawing/2014/main" id="{4E41317D-3CC2-1C33-C8AD-88FB42B1BA28}"/>
+              </a:ext>
+            </a:extLst>
+          </p:cNvPr>
+          <p:cNvSpPr>
+            <a:spLocks noGrp="1"/>
+          </p:cNvSpPr>
+          <p:nvPr>
+            <p:ph type="title"/>
+          </p:nvPr>
+        </p:nvSpPr>
+        <p:spPr/>
+        <p:txBody>
+          <a:bodyPr/>
+          <a:lstStyle/>
+          <a:p>
+            <a:r>
+              <a:rPr lang="en-US" altLang="zh-TW" b="1" dirty="0"/>
+              <a:t>Java Script</a:t>
+            </a:r>
+            <a:r>
+              <a:rPr lang="zh-TW" altLang="en-US" b="1" dirty="0"/>
+              <a:t>程式碼</a:t>
+            </a:r>
+          </a:p>
+        </p:txBody>
+      </p:sp>
+      <p:sp>
+        <p:nvSpPr>
+          <p:cNvPr id="6" name="文字方塊 5">
+            <a:extLst>
+              <a:ext uri="{FF2B5EF4-FFF2-40B4-BE49-F238E27FC236}">
+                <a16:creationId xmlns:a16="http://schemas.microsoft.com/office/drawing/2014/main" id="{D576DE2C-D7FC-619A-3CA1-0942FFF4E0BB}"/>
+              </a:ext>
+            </a:extLst>
+          </p:cNvPr>
+          <p:cNvSpPr txBox="1"/>
+          <p:nvPr/>
+        </p:nvSpPr>
+        <p:spPr>
+          <a:xfrm>
+            <a:off x="2148186" y="2196351"/>
+            <a:ext cx="9153668" cy="707886"/>
+          </a:xfrm>
+          <a:prstGeom prst="rect">
+            <a:avLst/>
+          </a:prstGeom>
+          <a:noFill/>
+        </p:spPr>
+        <p:txBody>
+          <a:bodyPr wrap="square" rtlCol="0">
+            <a:spAutoFit/>
+          </a:bodyPr>
+          <a:lstStyle/>
+          <a:p>
+            <a:pPr marL="285750" indent="-285750">
+              <a:buFont typeface="Arial" panose="020B0604020202020204" pitchFamily="34" charset="0"/>
+              <a:buChar char="•"/>
+            </a:pPr>
+            <a:r>
+              <a:rPr lang="en-US" altLang="zh-TW" sz="2000" dirty="0"/>
+              <a:t>X</a:t>
+            </a:r>
+            <a:r>
+              <a:rPr lang="zh-TW" altLang="en-US" sz="2000" dirty="0"/>
+              <a:t>和</a:t>
+            </a:r>
+            <a:r>
+              <a:rPr lang="en-US" altLang="zh-TW" sz="2000" dirty="0"/>
+              <a:t>Y</a:t>
+            </a:r>
+            <a:r>
+              <a:rPr lang="zh-TW" altLang="en-US" sz="2000" dirty="0"/>
+              <a:t>的正負值都介於</a:t>
+            </a:r>
+            <a:r>
+              <a:rPr lang="en-US" altLang="zh-TW" sz="2000" dirty="0"/>
+              <a:t>-10~10</a:t>
+            </a:r>
+            <a:r>
+              <a:rPr lang="zh-TW" altLang="en-US" sz="2000" dirty="0"/>
+              <a:t>之間，數字一格的大小是</a:t>
+            </a:r>
+            <a:r>
+              <a:rPr lang="en-US" altLang="zh-TW" sz="2000" dirty="0"/>
+              <a:t>40px</a:t>
+            </a:r>
+            <a:r>
+              <a:rPr lang="zh-TW" altLang="en-US" sz="2000" dirty="0"/>
+              <a:t>，平均分配在</a:t>
+            </a:r>
+            <a:r>
+              <a:rPr lang="en-US" altLang="zh-TW" sz="2000" dirty="0"/>
+              <a:t>400*400</a:t>
+            </a:r>
+            <a:r>
+              <a:rPr lang="zh-TW" altLang="en-US" sz="2000" dirty="0"/>
+              <a:t>大小的畫布裡</a:t>
+            </a:r>
+          </a:p>
+        </p:txBody>
+      </p:sp>
+      <p:pic>
+        <p:nvPicPr>
+          <p:cNvPr id="5" name="圖片 4">
+            <a:extLst>
+              <a:ext uri="{FF2B5EF4-FFF2-40B4-BE49-F238E27FC236}">
+                <a16:creationId xmlns:a16="http://schemas.microsoft.com/office/drawing/2014/main" id="{6DFD30BA-5DFB-9EB6-1E6D-36B2309492AC}"/>
+              </a:ext>
+            </a:extLst>
+          </p:cNvPr>
+          <p:cNvPicPr>
+            <a:picLocks noChangeAspect="1"/>
+          </p:cNvPicPr>
+          <p:nvPr/>
+        </p:nvPicPr>
+        <p:blipFill>
+          <a:blip r:embed="rId2"/>
+          <a:stretch>
+            <a:fillRect/>
+          </a:stretch>
+        </p:blipFill>
+        <p:spPr>
+          <a:xfrm>
+            <a:off x="3549677" y="3558989"/>
+            <a:ext cx="6555949" cy="2662517"/>
+          </a:xfrm>
+          <a:prstGeom prst="rect">
+            <a:avLst/>
+          </a:prstGeom>
+        </p:spPr>
+      </p:pic>
+    </p:spTree>
+    <p:extLst>
+      <p:ext uri="{BB962C8B-B14F-4D97-AF65-F5344CB8AC3E}">
+        <p14:creationId xmlns:p14="http://schemas.microsoft.com/office/powerpoint/2010/main" val="3754270961"/>
+      </p:ext>
+    </p:extLst>
+  </p:cSld>
+  <p:clrMapOvr>
+    <a:masterClrMapping/>
+  </p:clrMapOvr>
+</p:sld>
+</file>
+
+<file path=ppt/slides/slide8.xml><?xml version="1.0" encoding="utf-8"?>
+<p:sld xmlns:a="http://schemas.openxmlformats.org/drawingml/2006/main" xmlns:r="http://schemas.openxmlformats.org/officeDocument/2006/relationships" xmlns:p="http://schemas.openxmlformats.org/presentationml/2006/main">
+  <p:cSld>
+    <p:spTree>
+      <p:nvGrpSpPr>
+        <p:cNvPr id="1" name=""/>
+        <p:cNvGrpSpPr/>
+        <p:nvPr/>
+      </p:nvGrpSpPr>
+      <p:grpSpPr>
+        <a:xfrm>
+          <a:off x="0" y="0"/>
+          <a:ext cx="0" cy="0"/>
+          <a:chOff x="0" y="0"/>
+          <a:chExt cx="0" cy="0"/>
+        </a:xfrm>
+      </p:grpSpPr>
+      <p:sp>
+        <p:nvSpPr>
+          <p:cNvPr id="2" name="標題 1">
+            <a:extLst>
+              <a:ext uri="{FF2B5EF4-FFF2-40B4-BE49-F238E27FC236}">
+                <a16:creationId xmlns:a16="http://schemas.microsoft.com/office/drawing/2014/main" id="{4E41317D-3CC2-1C33-C8AD-88FB42B1BA28}"/>
+              </a:ext>
+            </a:extLst>
+          </p:cNvPr>
+          <p:cNvSpPr>
+            <a:spLocks noGrp="1"/>
+          </p:cNvSpPr>
+          <p:nvPr>
+            <p:ph type="title"/>
+          </p:nvPr>
+        </p:nvSpPr>
+        <p:spPr/>
+        <p:txBody>
+          <a:bodyPr/>
+          <a:lstStyle/>
+          <a:p>
+            <a:r>
+              <a:rPr lang="en-US" altLang="zh-TW" b="1" dirty="0"/>
+              <a:t>Java Script</a:t>
+            </a:r>
+            <a:r>
+              <a:rPr lang="zh-TW" altLang="en-US" b="1" dirty="0"/>
+              <a:t>程式碼</a:t>
+            </a:r>
+          </a:p>
+        </p:txBody>
+      </p:sp>
+      <p:sp>
+        <p:nvSpPr>
+          <p:cNvPr id="6" name="文字方塊 5">
+            <a:extLst>
+              <a:ext uri="{FF2B5EF4-FFF2-40B4-BE49-F238E27FC236}">
+                <a16:creationId xmlns:a16="http://schemas.microsoft.com/office/drawing/2014/main" id="{D576DE2C-D7FC-619A-3CA1-0942FFF4E0BB}"/>
+              </a:ext>
+            </a:extLst>
+          </p:cNvPr>
+          <p:cNvSpPr txBox="1"/>
+          <p:nvPr/>
+        </p:nvSpPr>
+        <p:spPr>
+          <a:xfrm>
+            <a:off x="2148186" y="2196351"/>
+            <a:ext cx="9153668" cy="707886"/>
+          </a:xfrm>
+          <a:prstGeom prst="rect">
+            <a:avLst/>
+          </a:prstGeom>
+          <a:noFill/>
+        </p:spPr>
+        <p:txBody>
+          <a:bodyPr wrap="square" rtlCol="0">
+            <a:spAutoFit/>
+          </a:bodyPr>
+          <a:lstStyle/>
+          <a:p>
+            <a:pPr marL="285750" indent="-285750">
+              <a:buFont typeface="Arial" panose="020B0604020202020204" pitchFamily="34" charset="0"/>
+              <a:buChar char="•"/>
+            </a:pPr>
+            <a:r>
+              <a:rPr lang="zh-TW" altLang="en-US" sz="2000" dirty="0"/>
+              <a:t>每個函數的</a:t>
+            </a:r>
+            <a:r>
+              <a:rPr lang="en-US" altLang="zh-TW" sz="2000" dirty="0"/>
+              <a:t>function</a:t>
+            </a:r>
+            <a:r>
+              <a:rPr lang="zh-TW" altLang="en-US" sz="2000" dirty="0"/>
+              <a:t>都會呼叫計算該函數的</a:t>
+            </a:r>
+            <a:r>
+              <a:rPr lang="en-US" altLang="zh-TW" sz="2000" dirty="0"/>
+              <a:t>Math</a:t>
+            </a:r>
+            <a:r>
+              <a:rPr lang="zh-TW" altLang="en-US" sz="2000" dirty="0"/>
+              <a:t>方法再一格一格繪出圖形</a:t>
+            </a:r>
+            <a:endParaRPr lang="en-US" altLang="zh-TW" sz="2000" dirty="0"/>
+          </a:p>
+          <a:p>
+            <a:pPr marL="285750" indent="-285750">
+              <a:buFont typeface="Arial" panose="020B0604020202020204" pitchFamily="34" charset="0"/>
+              <a:buChar char="•"/>
+            </a:pPr>
+            <a:r>
+              <a:rPr lang="zh-TW" altLang="en-US" sz="2000" dirty="0"/>
+              <a:t>冪函數使用</a:t>
+            </a:r>
+            <a:r>
+              <a:rPr lang="en-US" altLang="zh-TW" sz="2000" dirty="0" err="1"/>
+              <a:t>Math.pow</a:t>
+            </a:r>
+            <a:r>
+              <a:rPr lang="en-US" altLang="zh-TW" sz="2000" dirty="0"/>
+              <a:t>()</a:t>
+            </a:r>
+            <a:r>
+              <a:rPr lang="zh-TW" altLang="en-US" sz="2000" dirty="0"/>
+              <a:t>計算</a:t>
+            </a:r>
+            <a:r>
+              <a:rPr lang="en-US" altLang="zh-TW" sz="2000" dirty="0"/>
+              <a:t>y</a:t>
+            </a:r>
+            <a:r>
+              <a:rPr lang="zh-TW" altLang="en-US" sz="2000" dirty="0"/>
+              <a:t>的值</a:t>
+            </a:r>
+          </a:p>
+        </p:txBody>
+      </p:sp>
+      <p:pic>
+        <p:nvPicPr>
+          <p:cNvPr id="4" name="圖片 3">
+            <a:extLst>
+              <a:ext uri="{FF2B5EF4-FFF2-40B4-BE49-F238E27FC236}">
+                <a16:creationId xmlns:a16="http://schemas.microsoft.com/office/drawing/2014/main" id="{0F98A5CE-773E-6255-AC0F-CA3F6737BDB2}"/>
+              </a:ext>
+            </a:extLst>
+          </p:cNvPr>
+          <p:cNvPicPr>
+            <a:picLocks noChangeAspect="1"/>
+          </p:cNvPicPr>
+          <p:nvPr/>
+        </p:nvPicPr>
+        <p:blipFill>
+          <a:blip r:embed="rId2"/>
+          <a:stretch>
+            <a:fillRect/>
+          </a:stretch>
+        </p:blipFill>
+        <p:spPr>
+          <a:xfrm>
+            <a:off x="559160" y="3175336"/>
+            <a:ext cx="6050804" cy="3368332"/>
+          </a:xfrm>
+          <a:prstGeom prst="rect">
+            <a:avLst/>
+          </a:prstGeom>
+        </p:spPr>
+      </p:pic>
+      <p:pic>
+        <p:nvPicPr>
+          <p:cNvPr id="8" name="圖片 7">
+            <a:extLst>
+              <a:ext uri="{FF2B5EF4-FFF2-40B4-BE49-F238E27FC236}">
+                <a16:creationId xmlns:a16="http://schemas.microsoft.com/office/drawing/2014/main" id="{7689EF02-3ECA-6D35-E18B-D51B1A7A3412}"/>
+              </a:ext>
+            </a:extLst>
+          </p:cNvPr>
+          <p:cNvPicPr>
+            <a:picLocks noChangeAspect="1"/>
+          </p:cNvPicPr>
+          <p:nvPr/>
+        </p:nvPicPr>
+        <p:blipFill rotWithShape="1">
+          <a:blip r:embed="rId3">
+            <a:extLst>
+              <a:ext uri="{28A0092B-C50C-407E-A947-70E740481C1C}">
+                <a14:useLocalDpi xmlns:a14="http://schemas.microsoft.com/office/drawing/2010/main" val="0"/>
+              </a:ext>
+            </a:extLst>
+          </a:blip>
+          <a:srcRect l="30956" t="10719" r="30735" b="20523"/>
+          <a:stretch/>
+        </p:blipFill>
+        <p:spPr>
+          <a:xfrm>
+            <a:off x="7212226" y="2814918"/>
+            <a:ext cx="3808740" cy="3845292"/>
+          </a:xfrm>
+          <a:prstGeom prst="rect">
+            <a:avLst/>
+          </a:prstGeom>
+        </p:spPr>
+      </p:pic>
+    </p:spTree>
+    <p:extLst>
+      <p:ext uri="{BB962C8B-B14F-4D97-AF65-F5344CB8AC3E}">
+        <p14:creationId xmlns:p14="http://schemas.microsoft.com/office/powerpoint/2010/main" val="3702080545"/>
+      </p:ext>
+    </p:extLst>
+  </p:cSld>
+  <p:clrMapOvr>
+    <a:masterClrMapping/>
+  </p:clrMapOvr>
+</p:sld>
+</file>
+
+<file path=ppt/slides/slide9.xml><?xml version="1.0" encoding="utf-8"?>
+<p:sld xmlns:a="http://schemas.openxmlformats.org/drawingml/2006/main" xmlns:r="http://schemas.openxmlformats.org/officeDocument/2006/relationships" xmlns:p="http://schemas.openxmlformats.org/presentationml/2006/main">
+  <p:cSld>
+    <p:spTree>
+      <p:nvGrpSpPr>
+        <p:cNvPr id="1" name=""/>
+        <p:cNvGrpSpPr/>
+        <p:nvPr/>
+      </p:nvGrpSpPr>
+      <p:grpSpPr>
+        <a:xfrm>
+          <a:off x="0" y="0"/>
+          <a:ext cx="0" cy="0"/>
+          <a:chOff x="0" y="0"/>
+          <a:chExt cx="0" cy="0"/>
+        </a:xfrm>
+      </p:grpSpPr>
+      <p:sp>
+        <p:nvSpPr>
+          <p:cNvPr id="2" name="標題 1">
+            <a:extLst>
+              <a:ext uri="{FF2B5EF4-FFF2-40B4-BE49-F238E27FC236}">
+                <a16:creationId xmlns:a16="http://schemas.microsoft.com/office/drawing/2014/main" id="{4E41317D-3CC2-1C33-C8AD-88FB42B1BA28}"/>
+              </a:ext>
+            </a:extLst>
+          </p:cNvPr>
+          <p:cNvSpPr>
+            <a:spLocks noGrp="1"/>
+          </p:cNvSpPr>
+          <p:nvPr>
+            <p:ph type="title"/>
+          </p:nvPr>
+        </p:nvSpPr>
+        <p:spPr/>
+        <p:txBody>
+          <a:bodyPr/>
+          <a:lstStyle/>
+          <a:p>
+            <a:r>
+              <a:rPr lang="en-US" altLang="zh-TW" b="1" dirty="0"/>
+              <a:t>Java Script</a:t>
+            </a:r>
+            <a:r>
+              <a:rPr lang="zh-TW" altLang="en-US" b="1" dirty="0"/>
+              <a:t>程式碼</a:t>
+            </a:r>
+          </a:p>
+        </p:txBody>
+      </p:sp>
+      <p:sp>
+        <p:nvSpPr>
+          <p:cNvPr id="6" name="文字方塊 5">
+            <a:extLst>
+              <a:ext uri="{FF2B5EF4-FFF2-40B4-BE49-F238E27FC236}">
+                <a16:creationId xmlns:a16="http://schemas.microsoft.com/office/drawing/2014/main" id="{D576DE2C-D7FC-619A-3CA1-0942FFF4E0BB}"/>
+              </a:ext>
+            </a:extLst>
+          </p:cNvPr>
+          <p:cNvSpPr txBox="1"/>
+          <p:nvPr/>
+        </p:nvSpPr>
+        <p:spPr>
+          <a:xfrm>
+            <a:off x="2148186" y="2196351"/>
+            <a:ext cx="9153668" cy="400110"/>
+          </a:xfrm>
+          <a:prstGeom prst="rect">
+            <a:avLst/>
+          </a:prstGeom>
+          <a:noFill/>
+        </p:spPr>
+        <p:txBody>
+          <a:bodyPr wrap="square" rtlCol="0">
+            <a:spAutoFit/>
+          </a:bodyPr>
+          <a:lstStyle/>
+          <a:p>
+            <a:pPr marL="285750" indent="-285750">
+              <a:buFont typeface="Arial" panose="020B0604020202020204" pitchFamily="34" charset="0"/>
+              <a:buChar char="•"/>
+            </a:pPr>
+            <a:r>
+              <a:rPr lang="zh-TW" altLang="en-US" sz="2000" dirty="0"/>
+              <a:t>指數函數使用</a:t>
+            </a:r>
+            <a:r>
+              <a:rPr lang="en-US" altLang="zh-TW" sz="2000" dirty="0" err="1"/>
+              <a:t>Math.exp</a:t>
+            </a:r>
+            <a:r>
+              <a:rPr lang="en-US" altLang="zh-TW" sz="2000" dirty="0"/>
+              <a:t>()</a:t>
+            </a:r>
+            <a:r>
+              <a:rPr lang="zh-TW" altLang="en-US" sz="2000" dirty="0"/>
+              <a:t>計算</a:t>
+            </a:r>
+            <a:r>
+              <a:rPr lang="en-US" altLang="zh-TW" sz="2000" dirty="0"/>
+              <a:t>y</a:t>
+            </a:r>
+            <a:r>
+              <a:rPr lang="zh-TW" altLang="en-US" sz="2000" dirty="0"/>
+              <a:t>的值</a:t>
+            </a:r>
+          </a:p>
+        </p:txBody>
+      </p:sp>
+      <p:pic>
+        <p:nvPicPr>
+          <p:cNvPr id="5" name="圖片 4">
+            <a:extLst>
+              <a:ext uri="{FF2B5EF4-FFF2-40B4-BE49-F238E27FC236}">
+                <a16:creationId xmlns:a16="http://schemas.microsoft.com/office/drawing/2014/main" id="{90D9082C-5983-E4B7-67C2-B9B0592760D0}"/>
+              </a:ext>
+            </a:extLst>
+          </p:cNvPr>
+          <p:cNvPicPr>
+            <a:picLocks noChangeAspect="1"/>
+          </p:cNvPicPr>
+          <p:nvPr/>
+        </p:nvPicPr>
+        <p:blipFill>
+          <a:blip r:embed="rId2"/>
+          <a:stretch>
+            <a:fillRect/>
+          </a:stretch>
+        </p:blipFill>
+        <p:spPr>
+          <a:xfrm>
+            <a:off x="1467407" y="2824897"/>
+            <a:ext cx="4897535" cy="3750753"/>
+          </a:xfrm>
+          <a:prstGeom prst="rect">
+            <a:avLst/>
+          </a:prstGeom>
+        </p:spPr>
+      </p:pic>
+      <p:pic>
+        <p:nvPicPr>
+          <p:cNvPr id="8" name="圖片 7">
+            <a:extLst>
+              <a:ext uri="{FF2B5EF4-FFF2-40B4-BE49-F238E27FC236}">
+                <a16:creationId xmlns:a16="http://schemas.microsoft.com/office/drawing/2014/main" id="{AE894153-FAFD-92D7-14A9-6734833F3BE1}"/>
+              </a:ext>
+            </a:extLst>
+          </p:cNvPr>
+          <p:cNvPicPr>
+            <a:picLocks noChangeAspect="1"/>
+          </p:cNvPicPr>
+          <p:nvPr/>
+        </p:nvPicPr>
+        <p:blipFill rotWithShape="1">
+          <a:blip r:embed="rId3">
+            <a:extLst>
+              <a:ext uri="{28A0092B-C50C-407E-A947-70E740481C1C}">
+                <a14:useLocalDpi xmlns:a14="http://schemas.microsoft.com/office/drawing/2010/main" val="0"/>
+              </a:ext>
+            </a:extLst>
+          </a:blip>
+          <a:srcRect l="31691" t="10588" r="31985" b="21961"/>
+          <a:stretch/>
+        </p:blipFill>
+        <p:spPr>
+          <a:xfrm>
+            <a:off x="7277317" y="2637983"/>
+            <a:ext cx="3716218" cy="3881718"/>
+          </a:xfrm>
+          <a:prstGeom prst="rect">
+            <a:avLst/>
+          </a:prstGeom>
+        </p:spPr>
+      </p:pic>
+    </p:spTree>
+    <p:extLst>
+      <p:ext uri="{BB962C8B-B14F-4D97-AF65-F5344CB8AC3E}">
+        <p14:creationId xmlns:p14="http://schemas.microsoft.com/office/powerpoint/2010/main" val="77644974"/>
       </p:ext>
     </p:extLst>
   </p:cSld>

--- a/Grp_1/實習課第6組_Grp1.pptx
+++ b/Grp_1/實習課第6組_Grp1.pptx
@@ -18,7 +18,8 @@
     <p:sldId id="266" r:id="rId12"/>
     <p:sldId id="267" r:id="rId13"/>
     <p:sldId id="268" r:id="rId14"/>
-    <p:sldId id="269" r:id="rId15"/>
+    <p:sldId id="270" r:id="rId15"/>
+    <p:sldId id="269" r:id="rId16"/>
   </p:sldIdLst>
   <p:sldSz cx="12192000" cy="6858000"/>
   <p:notesSz cx="6858000" cy="9144000"/>
@@ -10357,6 +10358,385 @@
   <p:clrMapOvr>
     <a:masterClrMapping/>
   </p:clrMapOvr>
+  <mc:AlternateContent xmlns:mc="http://schemas.openxmlformats.org/markup-compatibility/2006" xmlns:p14="http://schemas.microsoft.com/office/powerpoint/2010/main">
+    <mc:Choice Requires="p14">
+      <p:transition spd="med" p14:dur="700">
+        <p:fade/>
+      </p:transition>
+    </mc:Choice>
+    <mc:Fallback xmlns="">
+      <p:transition spd="med">
+        <p:fade/>
+      </p:transition>
+    </mc:Fallback>
+  </mc:AlternateContent>
+  <p:timing>
+    <p:tnLst>
+      <p:par>
+        <p:cTn id="1" dur="indefinite" restart="never" nodeType="tmRoot">
+          <p:childTnLst>
+            <p:seq concurrent="1" nextAc="seek">
+              <p:cTn id="2" dur="indefinite" nodeType="mainSeq">
+                <p:childTnLst>
+                  <p:par>
+                    <p:cTn id="3" fill="hold">
+                      <p:stCondLst>
+                        <p:cond delay="indefinite"/>
+                        <p:cond evt="onBegin" delay="0">
+                          <p:tn val="2"/>
+                        </p:cond>
+                      </p:stCondLst>
+                      <p:childTnLst>
+                        <p:par>
+                          <p:cTn id="4" fill="hold">
+                            <p:stCondLst>
+                              <p:cond delay="0"/>
+                            </p:stCondLst>
+                            <p:childTnLst>
+                              <p:par>
+                                <p:cTn id="5" presetID="31" presetClass="entr" presetSubtype="0" fill="hold" grpId="0" nodeType="afterEffect">
+                                  <p:stCondLst>
+                                    <p:cond delay="0"/>
+                                  </p:stCondLst>
+                                  <p:childTnLst>
+                                    <p:set>
+                                      <p:cBhvr>
+                                        <p:cTn id="6" dur="1" fill="hold">
+                                          <p:stCondLst>
+                                            <p:cond delay="0"/>
+                                          </p:stCondLst>
+                                        </p:cTn>
+                                        <p:tgtEl>
+                                          <p:spTgt spid="2"/>
+                                        </p:tgtEl>
+                                        <p:attrNameLst>
+                                          <p:attrName>style.visibility</p:attrName>
+                                        </p:attrNameLst>
+                                      </p:cBhvr>
+                                      <p:to>
+                                        <p:strVal val="visible"/>
+                                      </p:to>
+                                    </p:set>
+                                    <p:anim calcmode="lin" valueType="num">
+                                      <p:cBhvr>
+                                        <p:cTn id="7" dur="1000" fill="hold"/>
+                                        <p:tgtEl>
+                                          <p:spTgt spid="2"/>
+                                        </p:tgtEl>
+                                        <p:attrNameLst>
+                                          <p:attrName>ppt_w</p:attrName>
+                                        </p:attrNameLst>
+                                      </p:cBhvr>
+                                      <p:tavLst>
+                                        <p:tav tm="0">
+                                          <p:val>
+                                            <p:fltVal val="0"/>
+                                          </p:val>
+                                        </p:tav>
+                                        <p:tav tm="100000">
+                                          <p:val>
+                                            <p:strVal val="#ppt_w"/>
+                                          </p:val>
+                                        </p:tav>
+                                      </p:tavLst>
+                                    </p:anim>
+                                    <p:anim calcmode="lin" valueType="num">
+                                      <p:cBhvr>
+                                        <p:cTn id="8" dur="1000" fill="hold"/>
+                                        <p:tgtEl>
+                                          <p:spTgt spid="2"/>
+                                        </p:tgtEl>
+                                        <p:attrNameLst>
+                                          <p:attrName>ppt_h</p:attrName>
+                                        </p:attrNameLst>
+                                      </p:cBhvr>
+                                      <p:tavLst>
+                                        <p:tav tm="0">
+                                          <p:val>
+                                            <p:fltVal val="0"/>
+                                          </p:val>
+                                        </p:tav>
+                                        <p:tav tm="100000">
+                                          <p:val>
+                                            <p:strVal val="#ppt_h"/>
+                                          </p:val>
+                                        </p:tav>
+                                      </p:tavLst>
+                                    </p:anim>
+                                    <p:anim calcmode="lin" valueType="num">
+                                      <p:cBhvr>
+                                        <p:cTn id="9" dur="1000" fill="hold"/>
+                                        <p:tgtEl>
+                                          <p:spTgt spid="2"/>
+                                        </p:tgtEl>
+                                        <p:attrNameLst>
+                                          <p:attrName>style.rotation</p:attrName>
+                                        </p:attrNameLst>
+                                      </p:cBhvr>
+                                      <p:tavLst>
+                                        <p:tav tm="0">
+                                          <p:val>
+                                            <p:fltVal val="90"/>
+                                          </p:val>
+                                        </p:tav>
+                                        <p:tav tm="100000">
+                                          <p:val>
+                                            <p:fltVal val="0"/>
+                                          </p:val>
+                                        </p:tav>
+                                      </p:tavLst>
+                                    </p:anim>
+                                    <p:animEffect transition="in" filter="fade">
+                                      <p:cBhvr>
+                                        <p:cTn id="10" dur="1000"/>
+                                        <p:tgtEl>
+                                          <p:spTgt spid="2"/>
+                                        </p:tgtEl>
+                                      </p:cBhvr>
+                                    </p:animEffect>
+                                  </p:childTnLst>
+                                </p:cTn>
+                              </p:par>
+                            </p:childTnLst>
+                          </p:cTn>
+                        </p:par>
+                        <p:par>
+                          <p:cTn id="11" fill="hold">
+                            <p:stCondLst>
+                              <p:cond delay="1000"/>
+                            </p:stCondLst>
+                            <p:childTnLst>
+                              <p:par>
+                                <p:cTn id="12" presetID="22" presetClass="entr" presetSubtype="4" fill="hold" grpId="0" nodeType="afterEffect">
+                                  <p:stCondLst>
+                                    <p:cond delay="0"/>
+                                  </p:stCondLst>
+                                  <p:childTnLst>
+                                    <p:set>
+                                      <p:cBhvr>
+                                        <p:cTn id="13" dur="1" fill="hold">
+                                          <p:stCondLst>
+                                            <p:cond delay="0"/>
+                                          </p:stCondLst>
+                                        </p:cTn>
+                                        <p:tgtEl>
+                                          <p:spTgt spid="3">
+                                            <p:txEl>
+                                              <p:pRg st="0" end="0"/>
+                                            </p:txEl>
+                                          </p:spTgt>
+                                        </p:tgtEl>
+                                        <p:attrNameLst>
+                                          <p:attrName>style.visibility</p:attrName>
+                                        </p:attrNameLst>
+                                      </p:cBhvr>
+                                      <p:to>
+                                        <p:strVal val="visible"/>
+                                      </p:to>
+                                    </p:set>
+                                    <p:animEffect transition="in" filter="wipe(down)">
+                                      <p:cBhvr>
+                                        <p:cTn id="14" dur="500"/>
+                                        <p:tgtEl>
+                                          <p:spTgt spid="3">
+                                            <p:txEl>
+                                              <p:pRg st="0" end="0"/>
+                                            </p:txEl>
+                                          </p:spTgt>
+                                        </p:tgtEl>
+                                      </p:cBhvr>
+                                    </p:animEffect>
+                                  </p:childTnLst>
+                                </p:cTn>
+                              </p:par>
+                            </p:childTnLst>
+                          </p:cTn>
+                        </p:par>
+                        <p:par>
+                          <p:cTn id="15" fill="hold">
+                            <p:stCondLst>
+                              <p:cond delay="1500"/>
+                            </p:stCondLst>
+                            <p:childTnLst>
+                              <p:par>
+                                <p:cTn id="16" presetID="22" presetClass="entr" presetSubtype="4" fill="hold" grpId="0" nodeType="afterEffect">
+                                  <p:stCondLst>
+                                    <p:cond delay="0"/>
+                                  </p:stCondLst>
+                                  <p:childTnLst>
+                                    <p:set>
+                                      <p:cBhvr>
+                                        <p:cTn id="17" dur="1" fill="hold">
+                                          <p:stCondLst>
+                                            <p:cond delay="0"/>
+                                          </p:stCondLst>
+                                        </p:cTn>
+                                        <p:tgtEl>
+                                          <p:spTgt spid="3">
+                                            <p:txEl>
+                                              <p:pRg st="1" end="1"/>
+                                            </p:txEl>
+                                          </p:spTgt>
+                                        </p:tgtEl>
+                                        <p:attrNameLst>
+                                          <p:attrName>style.visibility</p:attrName>
+                                        </p:attrNameLst>
+                                      </p:cBhvr>
+                                      <p:to>
+                                        <p:strVal val="visible"/>
+                                      </p:to>
+                                    </p:set>
+                                    <p:animEffect transition="in" filter="wipe(down)">
+                                      <p:cBhvr>
+                                        <p:cTn id="18" dur="500"/>
+                                        <p:tgtEl>
+                                          <p:spTgt spid="3">
+                                            <p:txEl>
+                                              <p:pRg st="1" end="1"/>
+                                            </p:txEl>
+                                          </p:spTgt>
+                                        </p:tgtEl>
+                                      </p:cBhvr>
+                                    </p:animEffect>
+                                  </p:childTnLst>
+                                </p:cTn>
+                              </p:par>
+                            </p:childTnLst>
+                          </p:cTn>
+                        </p:par>
+                        <p:par>
+                          <p:cTn id="19" fill="hold">
+                            <p:stCondLst>
+                              <p:cond delay="2000"/>
+                            </p:stCondLst>
+                            <p:childTnLst>
+                              <p:par>
+                                <p:cTn id="20" presetID="22" presetClass="entr" presetSubtype="4" fill="hold" grpId="0" nodeType="afterEffect">
+                                  <p:stCondLst>
+                                    <p:cond delay="0"/>
+                                  </p:stCondLst>
+                                  <p:childTnLst>
+                                    <p:set>
+                                      <p:cBhvr>
+                                        <p:cTn id="21" dur="1" fill="hold">
+                                          <p:stCondLst>
+                                            <p:cond delay="0"/>
+                                          </p:stCondLst>
+                                        </p:cTn>
+                                        <p:tgtEl>
+                                          <p:spTgt spid="3">
+                                            <p:txEl>
+                                              <p:pRg st="2" end="2"/>
+                                            </p:txEl>
+                                          </p:spTgt>
+                                        </p:tgtEl>
+                                        <p:attrNameLst>
+                                          <p:attrName>style.visibility</p:attrName>
+                                        </p:attrNameLst>
+                                      </p:cBhvr>
+                                      <p:to>
+                                        <p:strVal val="visible"/>
+                                      </p:to>
+                                    </p:set>
+                                    <p:animEffect transition="in" filter="wipe(down)">
+                                      <p:cBhvr>
+                                        <p:cTn id="22" dur="500"/>
+                                        <p:tgtEl>
+                                          <p:spTgt spid="3">
+                                            <p:txEl>
+                                              <p:pRg st="2" end="2"/>
+                                            </p:txEl>
+                                          </p:spTgt>
+                                        </p:tgtEl>
+                                      </p:cBhvr>
+                                    </p:animEffect>
+                                  </p:childTnLst>
+                                </p:cTn>
+                              </p:par>
+                            </p:childTnLst>
+                          </p:cTn>
+                        </p:par>
+                        <p:par>
+                          <p:cTn id="23" fill="hold">
+                            <p:stCondLst>
+                              <p:cond delay="2500"/>
+                            </p:stCondLst>
+                            <p:childTnLst>
+                              <p:par>
+                                <p:cTn id="24" presetID="22" presetClass="entr" presetSubtype="4" fill="hold" grpId="0" nodeType="afterEffect">
+                                  <p:stCondLst>
+                                    <p:cond delay="0"/>
+                                  </p:stCondLst>
+                                  <p:childTnLst>
+                                    <p:set>
+                                      <p:cBhvr>
+                                        <p:cTn id="25" dur="1" fill="hold">
+                                          <p:stCondLst>
+                                            <p:cond delay="0"/>
+                                          </p:stCondLst>
+                                        </p:cTn>
+                                        <p:tgtEl>
+                                          <p:spTgt spid="3">
+                                            <p:txEl>
+                                              <p:pRg st="3" end="3"/>
+                                            </p:txEl>
+                                          </p:spTgt>
+                                        </p:tgtEl>
+                                        <p:attrNameLst>
+                                          <p:attrName>style.visibility</p:attrName>
+                                        </p:attrNameLst>
+                                      </p:cBhvr>
+                                      <p:to>
+                                        <p:strVal val="visible"/>
+                                      </p:to>
+                                    </p:set>
+                                    <p:animEffect transition="in" filter="wipe(down)">
+                                      <p:cBhvr>
+                                        <p:cTn id="26" dur="500"/>
+                                        <p:tgtEl>
+                                          <p:spTgt spid="3">
+                                            <p:txEl>
+                                              <p:pRg st="3" end="3"/>
+                                            </p:txEl>
+                                          </p:spTgt>
+                                        </p:tgtEl>
+                                      </p:cBhvr>
+                                    </p:animEffect>
+                                  </p:childTnLst>
+                                </p:cTn>
+                              </p:par>
+                            </p:childTnLst>
+                          </p:cTn>
+                        </p:par>
+                      </p:childTnLst>
+                    </p:cTn>
+                  </p:par>
+                </p:childTnLst>
+              </p:cTn>
+              <p:prevCondLst>
+                <p:cond evt="onPrev" delay="0">
+                  <p:tgtEl>
+                    <p:sldTgt/>
+                  </p:tgtEl>
+                </p:cond>
+              </p:prevCondLst>
+              <p:nextCondLst>
+                <p:cond evt="onNext" delay="0">
+                  <p:tgtEl>
+                    <p:sldTgt/>
+                  </p:tgtEl>
+                </p:cond>
+              </p:nextCondLst>
+            </p:seq>
+          </p:childTnLst>
+        </p:cTn>
+      </p:par>
+    </p:tnLst>
+    <p:bldLst>
+      <p:bldP spid="2" grpId="0"/>
+      <p:bldP spid="3" grpId="0" build="p"/>
+    </p:bldLst>
+  </p:timing>
 </p:sld>
 </file>
 
@@ -10479,15 +10859,20 @@
           <p:nvPr/>
         </p:nvPicPr>
         <p:blipFill>
-          <a:blip r:embed="rId2"/>
-          <a:stretch>
-            <a:fillRect/>
-          </a:stretch>
+          <a:blip r:embed="rId2">
+            <a:extLst>
+              <a:ext uri="{28A0092B-C50C-407E-A947-70E740481C1C}">
+                <a14:useLocalDpi xmlns:a14="http://schemas.microsoft.com/office/drawing/2010/main" val="0"/>
+              </a:ext>
+            </a:extLst>
+          </a:blip>
+          <a:srcRect/>
+          <a:stretch/>
         </p:blipFill>
         <p:spPr>
           <a:xfrm>
-            <a:off x="1321881" y="2870576"/>
-            <a:ext cx="4366638" cy="3375953"/>
+            <a:off x="1966007" y="3119028"/>
+            <a:ext cx="4666500" cy="3216458"/>
           </a:xfrm>
           <a:prstGeom prst="rect">
             <a:avLst/>
@@ -10516,13 +10901,13 @@
               </a:ext>
             </a:extLst>
           </a:blip>
-          <a:srcRect l="32133" t="11503" r="32052" b="22092"/>
+          <a:srcRect t="2120" b="2120"/>
           <a:stretch/>
         </p:blipFill>
         <p:spPr>
           <a:xfrm>
-            <a:off x="7202451" y="2201286"/>
-            <a:ext cx="3878752" cy="4045243"/>
+            <a:off x="6892208" y="2196352"/>
+            <a:ext cx="3878752" cy="4139134"/>
           </a:xfrm>
           <a:prstGeom prst="rect">
             <a:avLst/>
@@ -10539,6 +10924,278 @@
   <p:clrMapOvr>
     <a:masterClrMapping/>
   </p:clrMapOvr>
+  <mc:AlternateContent xmlns:mc="http://schemas.openxmlformats.org/markup-compatibility/2006" xmlns:p14="http://schemas.microsoft.com/office/powerpoint/2010/main">
+    <mc:Choice Requires="p14">
+      <p:transition spd="med" p14:dur="700">
+        <p:fade/>
+      </p:transition>
+    </mc:Choice>
+    <mc:Fallback xmlns="">
+      <p:transition spd="med">
+        <p:fade/>
+      </p:transition>
+    </mc:Fallback>
+  </mc:AlternateContent>
+  <p:timing>
+    <p:tnLst>
+      <p:par>
+        <p:cTn id="1" dur="indefinite" restart="never" nodeType="tmRoot">
+          <p:childTnLst>
+            <p:seq concurrent="1" nextAc="seek">
+              <p:cTn id="2" dur="indefinite" nodeType="mainSeq">
+                <p:childTnLst>
+                  <p:par>
+                    <p:cTn id="3" fill="hold">
+                      <p:stCondLst>
+                        <p:cond delay="indefinite"/>
+                        <p:cond evt="onBegin" delay="0">
+                          <p:tn val="2"/>
+                        </p:cond>
+                      </p:stCondLst>
+                      <p:childTnLst>
+                        <p:par>
+                          <p:cTn id="4" fill="hold">
+                            <p:stCondLst>
+                              <p:cond delay="0"/>
+                            </p:stCondLst>
+                            <p:childTnLst>
+                              <p:par>
+                                <p:cTn id="5" presetID="2" presetClass="entr" presetSubtype="4" fill="hold" grpId="0" nodeType="afterEffect">
+                                  <p:stCondLst>
+                                    <p:cond delay="0"/>
+                                  </p:stCondLst>
+                                  <p:childTnLst>
+                                    <p:set>
+                                      <p:cBhvr>
+                                        <p:cTn id="6" dur="1" fill="hold">
+                                          <p:stCondLst>
+                                            <p:cond delay="0"/>
+                                          </p:stCondLst>
+                                        </p:cTn>
+                                        <p:tgtEl>
+                                          <p:spTgt spid="2"/>
+                                        </p:tgtEl>
+                                        <p:attrNameLst>
+                                          <p:attrName>style.visibility</p:attrName>
+                                        </p:attrNameLst>
+                                      </p:cBhvr>
+                                      <p:to>
+                                        <p:strVal val="visible"/>
+                                      </p:to>
+                                    </p:set>
+                                    <p:anim calcmode="lin" valueType="num">
+                                      <p:cBhvr additive="base">
+                                        <p:cTn id="7" dur="500" fill="hold"/>
+                                        <p:tgtEl>
+                                          <p:spTgt spid="2"/>
+                                        </p:tgtEl>
+                                        <p:attrNameLst>
+                                          <p:attrName>ppt_x</p:attrName>
+                                        </p:attrNameLst>
+                                      </p:cBhvr>
+                                      <p:tavLst>
+                                        <p:tav tm="0">
+                                          <p:val>
+                                            <p:strVal val="#ppt_x"/>
+                                          </p:val>
+                                        </p:tav>
+                                        <p:tav tm="100000">
+                                          <p:val>
+                                            <p:strVal val="#ppt_x"/>
+                                          </p:val>
+                                        </p:tav>
+                                      </p:tavLst>
+                                    </p:anim>
+                                    <p:anim calcmode="lin" valueType="num">
+                                      <p:cBhvr additive="base">
+                                        <p:cTn id="8" dur="500" fill="hold"/>
+                                        <p:tgtEl>
+                                          <p:spTgt spid="2"/>
+                                        </p:tgtEl>
+                                        <p:attrNameLst>
+                                          <p:attrName>ppt_y</p:attrName>
+                                        </p:attrNameLst>
+                                      </p:cBhvr>
+                                      <p:tavLst>
+                                        <p:tav tm="0">
+                                          <p:val>
+                                            <p:strVal val="1+#ppt_h/2"/>
+                                          </p:val>
+                                        </p:tav>
+                                        <p:tav tm="100000">
+                                          <p:val>
+                                            <p:strVal val="#ppt_y"/>
+                                          </p:val>
+                                        </p:tav>
+                                      </p:tavLst>
+                                    </p:anim>
+                                  </p:childTnLst>
+                                </p:cTn>
+                              </p:par>
+                            </p:childTnLst>
+                          </p:cTn>
+                        </p:par>
+                        <p:par>
+                          <p:cTn id="9" fill="hold">
+                            <p:stCondLst>
+                              <p:cond delay="500"/>
+                            </p:stCondLst>
+                            <p:childTnLst>
+                              <p:par>
+                                <p:cTn id="10" presetID="16" presetClass="entr" presetSubtype="21" fill="hold" grpId="0" nodeType="afterEffect">
+                                  <p:stCondLst>
+                                    <p:cond delay="0"/>
+                                  </p:stCondLst>
+                                  <p:childTnLst>
+                                    <p:set>
+                                      <p:cBhvr>
+                                        <p:cTn id="11" dur="1" fill="hold">
+                                          <p:stCondLst>
+                                            <p:cond delay="0"/>
+                                          </p:stCondLst>
+                                        </p:cTn>
+                                        <p:tgtEl>
+                                          <p:spTgt spid="6"/>
+                                        </p:tgtEl>
+                                        <p:attrNameLst>
+                                          <p:attrName>style.visibility</p:attrName>
+                                        </p:attrNameLst>
+                                      </p:cBhvr>
+                                      <p:to>
+                                        <p:strVal val="visible"/>
+                                      </p:to>
+                                    </p:set>
+                                    <p:animEffect transition="in" filter="barn(inVertical)">
+                                      <p:cBhvr>
+                                        <p:cTn id="12" dur="500"/>
+                                        <p:tgtEl>
+                                          <p:spTgt spid="6"/>
+                                        </p:tgtEl>
+                                      </p:cBhvr>
+                                    </p:animEffect>
+                                  </p:childTnLst>
+                                </p:cTn>
+                              </p:par>
+                            </p:childTnLst>
+                          </p:cTn>
+                        </p:par>
+                        <p:par>
+                          <p:cTn id="13" fill="hold">
+                            <p:stCondLst>
+                              <p:cond delay="1000"/>
+                            </p:stCondLst>
+                            <p:childTnLst>
+                              <p:par>
+                                <p:cTn id="14" presetID="16" presetClass="entr" presetSubtype="21" fill="hold" nodeType="afterEffect">
+                                  <p:stCondLst>
+                                    <p:cond delay="0"/>
+                                  </p:stCondLst>
+                                  <p:childTnLst>
+                                    <p:set>
+                                      <p:cBhvr>
+                                        <p:cTn id="15" dur="1" fill="hold">
+                                          <p:stCondLst>
+                                            <p:cond delay="0"/>
+                                          </p:stCondLst>
+                                        </p:cTn>
+                                        <p:tgtEl>
+                                          <p:spTgt spid="4"/>
+                                        </p:tgtEl>
+                                        <p:attrNameLst>
+                                          <p:attrName>style.visibility</p:attrName>
+                                        </p:attrNameLst>
+                                      </p:cBhvr>
+                                      <p:to>
+                                        <p:strVal val="visible"/>
+                                      </p:to>
+                                    </p:set>
+                                    <p:animEffect transition="in" filter="barn(inVertical)">
+                                      <p:cBhvr>
+                                        <p:cTn id="16" dur="500"/>
+                                        <p:tgtEl>
+                                          <p:spTgt spid="4"/>
+                                        </p:tgtEl>
+                                      </p:cBhvr>
+                                    </p:animEffect>
+                                  </p:childTnLst>
+                                </p:cTn>
+                              </p:par>
+                            </p:childTnLst>
+                          </p:cTn>
+                        </p:par>
+                        <p:par>
+                          <p:cTn id="17" fill="hold">
+                            <p:stCondLst>
+                              <p:cond delay="1500"/>
+                            </p:stCondLst>
+                            <p:childTnLst>
+                              <p:par>
+                                <p:cTn id="18" presetID="16" presetClass="entr" presetSubtype="21" fill="hold" nodeType="afterEffect">
+                                  <p:stCondLst>
+                                    <p:cond delay="0"/>
+                                  </p:stCondLst>
+                                  <p:childTnLst>
+                                    <p:set>
+                                      <p:cBhvr>
+                                        <p:cTn id="19" dur="1" fill="hold">
+                                          <p:stCondLst>
+                                            <p:cond delay="0"/>
+                                          </p:stCondLst>
+                                        </p:cTn>
+                                        <p:tgtEl>
+                                          <p:spTgt spid="9"/>
+                                        </p:tgtEl>
+                                        <p:attrNameLst>
+                                          <p:attrName>style.visibility</p:attrName>
+                                        </p:attrNameLst>
+                                      </p:cBhvr>
+                                      <p:to>
+                                        <p:strVal val="visible"/>
+                                      </p:to>
+                                    </p:set>
+                                    <p:animEffect transition="in" filter="barn(inVertical)">
+                                      <p:cBhvr>
+                                        <p:cTn id="20" dur="500"/>
+                                        <p:tgtEl>
+                                          <p:spTgt spid="9"/>
+                                        </p:tgtEl>
+                                      </p:cBhvr>
+                                    </p:animEffect>
+                                  </p:childTnLst>
+                                </p:cTn>
+                              </p:par>
+                            </p:childTnLst>
+                          </p:cTn>
+                        </p:par>
+                      </p:childTnLst>
+                    </p:cTn>
+                  </p:par>
+                </p:childTnLst>
+              </p:cTn>
+              <p:prevCondLst>
+                <p:cond evt="onPrev" delay="0">
+                  <p:tgtEl>
+                    <p:sldTgt/>
+                  </p:tgtEl>
+                </p:cond>
+              </p:prevCondLst>
+              <p:nextCondLst>
+                <p:cond evt="onNext" delay="0">
+                  <p:tgtEl>
+                    <p:sldTgt/>
+                  </p:tgtEl>
+                </p:cond>
+              </p:nextCondLst>
+            </p:seq>
+          </p:childTnLst>
+        </p:cTn>
+      </p:par>
+    </p:tnLst>
+    <p:bldLst>
+      <p:bldP spid="2" grpId="0"/>
+      <p:bldP spid="6" grpId="0"/>
+    </p:bldLst>
+  </p:timing>
 </p:sld>
 </file>
 
@@ -10605,7 +11262,7 @@
         </p:nvSpPr>
         <p:spPr>
           <a:xfrm>
-            <a:off x="2148186" y="2196351"/>
+            <a:off x="2148186" y="2110107"/>
             <a:ext cx="5651108" cy="707886"/>
           </a:xfrm>
           <a:prstGeom prst="rect">
@@ -10685,15 +11342,20 @@
           <p:nvPr/>
         </p:nvPicPr>
         <p:blipFill>
-          <a:blip r:embed="rId2"/>
-          <a:stretch>
-            <a:fillRect/>
-          </a:stretch>
+          <a:blip r:embed="rId2">
+            <a:extLst>
+              <a:ext uri="{28A0092B-C50C-407E-A947-70E740481C1C}">
+                <a14:useLocalDpi xmlns:a14="http://schemas.microsoft.com/office/drawing/2010/main" val="0"/>
+              </a:ext>
+            </a:extLst>
+          </a:blip>
+          <a:srcRect/>
+          <a:stretch/>
         </p:blipFill>
         <p:spPr>
           <a:xfrm>
-            <a:off x="7711392" y="1111624"/>
-            <a:ext cx="3827472" cy="5221134"/>
+            <a:off x="7482649" y="1524303"/>
+            <a:ext cx="3821846" cy="5163367"/>
           </a:xfrm>
           <a:prstGeom prst="rect">
             <a:avLst/>
@@ -10722,13 +11384,13 @@
               </a:ext>
             </a:extLst>
           </a:blip>
-          <a:srcRect l="31765" t="11242" r="31765" b="21961"/>
+          <a:srcRect t="-280" b="-89"/>
           <a:stretch/>
         </p:blipFill>
         <p:spPr>
           <a:xfrm>
-            <a:off x="3176551" y="2984591"/>
-            <a:ext cx="3594378" cy="3703079"/>
+            <a:off x="3122833" y="2904236"/>
+            <a:ext cx="3173037" cy="3830299"/>
           </a:xfrm>
           <a:prstGeom prst="rect">
             <a:avLst/>
@@ -10745,6 +11407,240 @@
   <p:clrMapOvr>
     <a:masterClrMapping/>
   </p:clrMapOvr>
+  <mc:AlternateContent xmlns:mc="http://schemas.openxmlformats.org/markup-compatibility/2006" xmlns:p14="http://schemas.microsoft.com/office/powerpoint/2010/main">
+    <mc:Choice Requires="p14">
+      <p:transition spd="med" p14:dur="700">
+        <p:fade/>
+      </p:transition>
+    </mc:Choice>
+    <mc:Fallback xmlns="">
+      <p:transition spd="med">
+        <p:fade/>
+      </p:transition>
+    </mc:Fallback>
+  </mc:AlternateContent>
+  <p:timing>
+    <p:tnLst>
+      <p:par>
+        <p:cTn id="1" dur="indefinite" restart="never" nodeType="tmRoot">
+          <p:childTnLst>
+            <p:seq concurrent="1" nextAc="seek">
+              <p:cTn id="2" dur="indefinite" nodeType="mainSeq">
+                <p:childTnLst>
+                  <p:par>
+                    <p:cTn id="3" fill="hold">
+                      <p:stCondLst>
+                        <p:cond delay="indefinite"/>
+                        <p:cond evt="onBegin" delay="0">
+                          <p:tn val="2"/>
+                        </p:cond>
+                      </p:stCondLst>
+                      <p:childTnLst>
+                        <p:par>
+                          <p:cTn id="4" fill="hold">
+                            <p:stCondLst>
+                              <p:cond delay="0"/>
+                            </p:stCondLst>
+                            <p:childTnLst>
+                              <p:par>
+                                <p:cTn id="5" presetID="16" presetClass="entr" presetSubtype="21" fill="hold" grpId="0" nodeType="afterEffect">
+                                  <p:stCondLst>
+                                    <p:cond delay="0"/>
+                                  </p:stCondLst>
+                                  <p:childTnLst>
+                                    <p:set>
+                                      <p:cBhvr>
+                                        <p:cTn id="6" dur="1" fill="hold">
+                                          <p:stCondLst>
+                                            <p:cond delay="0"/>
+                                          </p:stCondLst>
+                                        </p:cTn>
+                                        <p:tgtEl>
+                                          <p:spTgt spid="2"/>
+                                        </p:tgtEl>
+                                        <p:attrNameLst>
+                                          <p:attrName>style.visibility</p:attrName>
+                                        </p:attrNameLst>
+                                      </p:cBhvr>
+                                      <p:to>
+                                        <p:strVal val="visible"/>
+                                      </p:to>
+                                    </p:set>
+                                    <p:animEffect transition="in" filter="barn(inVertical)">
+                                      <p:cBhvr>
+                                        <p:cTn id="7" dur="500"/>
+                                        <p:tgtEl>
+                                          <p:spTgt spid="2"/>
+                                        </p:tgtEl>
+                                      </p:cBhvr>
+                                    </p:animEffect>
+                                  </p:childTnLst>
+                                </p:cTn>
+                              </p:par>
+                            </p:childTnLst>
+                          </p:cTn>
+                        </p:par>
+                        <p:par>
+                          <p:cTn id="8" fill="hold">
+                            <p:stCondLst>
+                              <p:cond delay="500"/>
+                            </p:stCondLst>
+                            <p:childTnLst>
+                              <p:par>
+                                <p:cTn id="9" presetID="16" presetClass="entr" presetSubtype="21" fill="hold" nodeType="afterEffect">
+                                  <p:stCondLst>
+                                    <p:cond delay="0"/>
+                                  </p:stCondLst>
+                                  <p:childTnLst>
+                                    <p:set>
+                                      <p:cBhvr>
+                                        <p:cTn id="10" dur="1" fill="hold">
+                                          <p:stCondLst>
+                                            <p:cond delay="0"/>
+                                          </p:stCondLst>
+                                        </p:cTn>
+                                        <p:tgtEl>
+                                          <p:spTgt spid="8"/>
+                                        </p:tgtEl>
+                                        <p:attrNameLst>
+                                          <p:attrName>style.visibility</p:attrName>
+                                        </p:attrNameLst>
+                                      </p:cBhvr>
+                                      <p:to>
+                                        <p:strVal val="visible"/>
+                                      </p:to>
+                                    </p:set>
+                                    <p:animEffect transition="in" filter="barn(inVertical)">
+                                      <p:cBhvr>
+                                        <p:cTn id="11" dur="500"/>
+                                        <p:tgtEl>
+                                          <p:spTgt spid="8"/>
+                                        </p:tgtEl>
+                                      </p:cBhvr>
+                                    </p:animEffect>
+                                  </p:childTnLst>
+                                </p:cTn>
+                              </p:par>
+                            </p:childTnLst>
+                          </p:cTn>
+                        </p:par>
+                        <p:par>
+                          <p:cTn id="12" fill="hold">
+                            <p:stCondLst>
+                              <p:cond delay="1000"/>
+                            </p:stCondLst>
+                            <p:childTnLst>
+                              <p:par>
+                                <p:cTn id="13" presetID="16" presetClass="entr" presetSubtype="21" fill="hold" nodeType="afterEffect">
+                                  <p:stCondLst>
+                                    <p:cond delay="0"/>
+                                  </p:stCondLst>
+                                  <p:childTnLst>
+                                    <p:set>
+                                      <p:cBhvr>
+                                        <p:cTn id="14" dur="1" fill="hold">
+                                          <p:stCondLst>
+                                            <p:cond delay="0"/>
+                                          </p:stCondLst>
+                                        </p:cTn>
+                                        <p:tgtEl>
+                                          <p:spTgt spid="5"/>
+                                        </p:tgtEl>
+                                        <p:attrNameLst>
+                                          <p:attrName>style.visibility</p:attrName>
+                                        </p:attrNameLst>
+                                      </p:cBhvr>
+                                      <p:to>
+                                        <p:strVal val="visible"/>
+                                      </p:to>
+                                    </p:set>
+                                    <p:animEffect transition="in" filter="barn(inVertical)">
+                                      <p:cBhvr>
+                                        <p:cTn id="15" dur="500"/>
+                                        <p:tgtEl>
+                                          <p:spTgt spid="5"/>
+                                        </p:tgtEl>
+                                      </p:cBhvr>
+                                    </p:animEffect>
+                                  </p:childTnLst>
+                                </p:cTn>
+                              </p:par>
+                            </p:childTnLst>
+                          </p:cTn>
+                        </p:par>
+                        <p:par>
+                          <p:cTn id="16" fill="hold">
+                            <p:stCondLst>
+                              <p:cond delay="1500"/>
+                            </p:stCondLst>
+                            <p:childTnLst>
+                              <p:par>
+                                <p:cTn id="17" presetID="16" presetClass="entr" presetSubtype="21" fill="hold" grpId="0" nodeType="afterEffect">
+                                  <p:stCondLst>
+                                    <p:cond delay="0"/>
+                                  </p:stCondLst>
+                                  <p:childTnLst>
+                                    <p:set>
+                                      <p:cBhvr>
+                                        <p:cTn id="18" dur="1" fill="hold">
+                                          <p:stCondLst>
+                                            <p:cond delay="0"/>
+                                          </p:stCondLst>
+                                        </p:cTn>
+                                        <p:tgtEl>
+                                          <p:spTgt spid="6"/>
+                                        </p:tgtEl>
+                                        <p:attrNameLst>
+                                          <p:attrName>style.visibility</p:attrName>
+                                        </p:attrNameLst>
+                                      </p:cBhvr>
+                                      <p:to>
+                                        <p:strVal val="visible"/>
+                                      </p:to>
+                                    </p:set>
+                                    <p:animEffect transition="in" filter="barn(inVertical)">
+                                      <p:cBhvr>
+                                        <p:cTn id="19" dur="500"/>
+                                        <p:tgtEl>
+                                          <p:spTgt spid="6"/>
+                                        </p:tgtEl>
+                                      </p:cBhvr>
+                                    </p:animEffect>
+                                  </p:childTnLst>
+                                </p:cTn>
+                              </p:par>
+                            </p:childTnLst>
+                          </p:cTn>
+                        </p:par>
+                      </p:childTnLst>
+                    </p:cTn>
+                  </p:par>
+                </p:childTnLst>
+              </p:cTn>
+              <p:prevCondLst>
+                <p:cond evt="onPrev" delay="0">
+                  <p:tgtEl>
+                    <p:sldTgt/>
+                  </p:tgtEl>
+                </p:cond>
+              </p:prevCondLst>
+              <p:nextCondLst>
+                <p:cond evt="onNext" delay="0">
+                  <p:tgtEl>
+                    <p:sldTgt/>
+                  </p:tgtEl>
+                </p:cond>
+              </p:nextCondLst>
+            </p:seq>
+          </p:childTnLst>
+        </p:cTn>
+      </p:par>
+    </p:tnLst>
+    <p:bldLst>
+      <p:bldP spid="2" grpId="0"/>
+      <p:bldP spid="6" grpId="0"/>
+    </p:bldLst>
+  </p:timing>
 </p:sld>
 </file>
 
@@ -10811,7 +11707,7 @@
         </p:nvSpPr>
         <p:spPr>
           <a:xfrm>
-            <a:off x="2148186" y="2196351"/>
+            <a:off x="2148186" y="2082979"/>
             <a:ext cx="5229767" cy="1015663"/>
           </a:xfrm>
           <a:prstGeom prst="rect">
@@ -10891,15 +11787,20 @@
           <p:nvPr/>
         </p:nvPicPr>
         <p:blipFill>
-          <a:blip r:embed="rId2"/>
-          <a:stretch>
-            <a:fillRect/>
-          </a:stretch>
+          <a:blip r:embed="rId2">
+            <a:extLst>
+              <a:ext uri="{28A0092B-C50C-407E-A947-70E740481C1C}">
+                <a14:useLocalDpi xmlns:a14="http://schemas.microsoft.com/office/drawing/2010/main" val="0"/>
+              </a:ext>
+            </a:extLst>
+          </a:blip>
+          <a:srcRect/>
+          <a:stretch/>
         </p:blipFill>
         <p:spPr>
           <a:xfrm>
-            <a:off x="7656109" y="789288"/>
-            <a:ext cx="3913035" cy="5673901"/>
+            <a:off x="7504848" y="959587"/>
+            <a:ext cx="4137846" cy="5745779"/>
           </a:xfrm>
           <a:prstGeom prst="rect">
             <a:avLst/>
@@ -10928,13 +11829,13 @@
               </a:ext>
             </a:extLst>
           </a:blip>
-          <a:srcRect l="31250" t="11509" r="32574" b="22222"/>
+          <a:srcRect t="-108" b="246"/>
           <a:stretch/>
         </p:blipFill>
         <p:spPr>
           <a:xfrm>
-            <a:off x="3219160" y="3319589"/>
-            <a:ext cx="3329617" cy="3430833"/>
+            <a:off x="3323145" y="3194591"/>
+            <a:ext cx="2728015" cy="3547608"/>
           </a:xfrm>
           <a:prstGeom prst="rect">
             <a:avLst/>
@@ -10951,6 +11852,278 @@
   <p:clrMapOvr>
     <a:masterClrMapping/>
   </p:clrMapOvr>
+  <mc:AlternateContent xmlns:mc="http://schemas.openxmlformats.org/markup-compatibility/2006" xmlns:p14="http://schemas.microsoft.com/office/powerpoint/2010/main">
+    <mc:Choice Requires="p14">
+      <p:transition spd="med" p14:dur="700">
+        <p:fade/>
+      </p:transition>
+    </mc:Choice>
+    <mc:Fallback xmlns="">
+      <p:transition spd="med">
+        <p:fade/>
+      </p:transition>
+    </mc:Fallback>
+  </mc:AlternateContent>
+  <p:timing>
+    <p:tnLst>
+      <p:par>
+        <p:cTn id="1" dur="indefinite" restart="never" nodeType="tmRoot">
+          <p:childTnLst>
+            <p:seq concurrent="1" nextAc="seek">
+              <p:cTn id="2" dur="indefinite" nodeType="mainSeq">
+                <p:childTnLst>
+                  <p:par>
+                    <p:cTn id="3" fill="hold">
+                      <p:stCondLst>
+                        <p:cond delay="indefinite"/>
+                        <p:cond evt="onBegin" delay="0">
+                          <p:tn val="2"/>
+                        </p:cond>
+                      </p:stCondLst>
+                      <p:childTnLst>
+                        <p:par>
+                          <p:cTn id="4" fill="hold">
+                            <p:stCondLst>
+                              <p:cond delay="0"/>
+                            </p:stCondLst>
+                            <p:childTnLst>
+                              <p:par>
+                                <p:cTn id="5" presetID="2" presetClass="entr" presetSubtype="4" fill="hold" grpId="0" nodeType="afterEffect">
+                                  <p:stCondLst>
+                                    <p:cond delay="0"/>
+                                  </p:stCondLst>
+                                  <p:childTnLst>
+                                    <p:set>
+                                      <p:cBhvr>
+                                        <p:cTn id="6" dur="1" fill="hold">
+                                          <p:stCondLst>
+                                            <p:cond delay="0"/>
+                                          </p:stCondLst>
+                                        </p:cTn>
+                                        <p:tgtEl>
+                                          <p:spTgt spid="2"/>
+                                        </p:tgtEl>
+                                        <p:attrNameLst>
+                                          <p:attrName>style.visibility</p:attrName>
+                                        </p:attrNameLst>
+                                      </p:cBhvr>
+                                      <p:to>
+                                        <p:strVal val="visible"/>
+                                      </p:to>
+                                    </p:set>
+                                    <p:anim calcmode="lin" valueType="num">
+                                      <p:cBhvr additive="base">
+                                        <p:cTn id="7" dur="500" fill="hold"/>
+                                        <p:tgtEl>
+                                          <p:spTgt spid="2"/>
+                                        </p:tgtEl>
+                                        <p:attrNameLst>
+                                          <p:attrName>ppt_x</p:attrName>
+                                        </p:attrNameLst>
+                                      </p:cBhvr>
+                                      <p:tavLst>
+                                        <p:tav tm="0">
+                                          <p:val>
+                                            <p:strVal val="#ppt_x"/>
+                                          </p:val>
+                                        </p:tav>
+                                        <p:tav tm="100000">
+                                          <p:val>
+                                            <p:strVal val="#ppt_x"/>
+                                          </p:val>
+                                        </p:tav>
+                                      </p:tavLst>
+                                    </p:anim>
+                                    <p:anim calcmode="lin" valueType="num">
+                                      <p:cBhvr additive="base">
+                                        <p:cTn id="8" dur="500" fill="hold"/>
+                                        <p:tgtEl>
+                                          <p:spTgt spid="2"/>
+                                        </p:tgtEl>
+                                        <p:attrNameLst>
+                                          <p:attrName>ppt_y</p:attrName>
+                                        </p:attrNameLst>
+                                      </p:cBhvr>
+                                      <p:tavLst>
+                                        <p:tav tm="0">
+                                          <p:val>
+                                            <p:strVal val="1+#ppt_h/2"/>
+                                          </p:val>
+                                        </p:tav>
+                                        <p:tav tm="100000">
+                                          <p:val>
+                                            <p:strVal val="#ppt_y"/>
+                                          </p:val>
+                                        </p:tav>
+                                      </p:tavLst>
+                                    </p:anim>
+                                  </p:childTnLst>
+                                </p:cTn>
+                              </p:par>
+                            </p:childTnLst>
+                          </p:cTn>
+                        </p:par>
+                        <p:par>
+                          <p:cTn id="9" fill="hold">
+                            <p:stCondLst>
+                              <p:cond delay="500"/>
+                            </p:stCondLst>
+                            <p:childTnLst>
+                              <p:par>
+                                <p:cTn id="10" presetID="16" presetClass="entr" presetSubtype="21" fill="hold" grpId="0" nodeType="afterEffect">
+                                  <p:stCondLst>
+                                    <p:cond delay="0"/>
+                                  </p:stCondLst>
+                                  <p:childTnLst>
+                                    <p:set>
+                                      <p:cBhvr>
+                                        <p:cTn id="11" dur="1" fill="hold">
+                                          <p:stCondLst>
+                                            <p:cond delay="0"/>
+                                          </p:stCondLst>
+                                        </p:cTn>
+                                        <p:tgtEl>
+                                          <p:spTgt spid="6"/>
+                                        </p:tgtEl>
+                                        <p:attrNameLst>
+                                          <p:attrName>style.visibility</p:attrName>
+                                        </p:attrNameLst>
+                                      </p:cBhvr>
+                                      <p:to>
+                                        <p:strVal val="visible"/>
+                                      </p:to>
+                                    </p:set>
+                                    <p:animEffect transition="in" filter="barn(inVertical)">
+                                      <p:cBhvr>
+                                        <p:cTn id="12" dur="500"/>
+                                        <p:tgtEl>
+                                          <p:spTgt spid="6"/>
+                                        </p:tgtEl>
+                                      </p:cBhvr>
+                                    </p:animEffect>
+                                  </p:childTnLst>
+                                </p:cTn>
+                              </p:par>
+                            </p:childTnLst>
+                          </p:cTn>
+                        </p:par>
+                        <p:par>
+                          <p:cTn id="13" fill="hold">
+                            <p:stCondLst>
+                              <p:cond delay="1000"/>
+                            </p:stCondLst>
+                            <p:childTnLst>
+                              <p:par>
+                                <p:cTn id="14" presetID="16" presetClass="entr" presetSubtype="21" fill="hold" nodeType="afterEffect">
+                                  <p:stCondLst>
+                                    <p:cond delay="0"/>
+                                  </p:stCondLst>
+                                  <p:childTnLst>
+                                    <p:set>
+                                      <p:cBhvr>
+                                        <p:cTn id="15" dur="1" fill="hold">
+                                          <p:stCondLst>
+                                            <p:cond delay="0"/>
+                                          </p:stCondLst>
+                                        </p:cTn>
+                                        <p:tgtEl>
+                                          <p:spTgt spid="9"/>
+                                        </p:tgtEl>
+                                        <p:attrNameLst>
+                                          <p:attrName>style.visibility</p:attrName>
+                                        </p:attrNameLst>
+                                      </p:cBhvr>
+                                      <p:to>
+                                        <p:strVal val="visible"/>
+                                      </p:to>
+                                    </p:set>
+                                    <p:animEffect transition="in" filter="barn(inVertical)">
+                                      <p:cBhvr>
+                                        <p:cTn id="16" dur="500"/>
+                                        <p:tgtEl>
+                                          <p:spTgt spid="9"/>
+                                        </p:tgtEl>
+                                      </p:cBhvr>
+                                    </p:animEffect>
+                                  </p:childTnLst>
+                                </p:cTn>
+                              </p:par>
+                            </p:childTnLst>
+                          </p:cTn>
+                        </p:par>
+                        <p:par>
+                          <p:cTn id="17" fill="hold">
+                            <p:stCondLst>
+                              <p:cond delay="1500"/>
+                            </p:stCondLst>
+                            <p:childTnLst>
+                              <p:par>
+                                <p:cTn id="18" presetID="16" presetClass="entr" presetSubtype="21" fill="hold" nodeType="afterEffect">
+                                  <p:stCondLst>
+                                    <p:cond delay="0"/>
+                                  </p:stCondLst>
+                                  <p:childTnLst>
+                                    <p:set>
+                                      <p:cBhvr>
+                                        <p:cTn id="19" dur="1" fill="hold">
+                                          <p:stCondLst>
+                                            <p:cond delay="0"/>
+                                          </p:stCondLst>
+                                        </p:cTn>
+                                        <p:tgtEl>
+                                          <p:spTgt spid="4"/>
+                                        </p:tgtEl>
+                                        <p:attrNameLst>
+                                          <p:attrName>style.visibility</p:attrName>
+                                        </p:attrNameLst>
+                                      </p:cBhvr>
+                                      <p:to>
+                                        <p:strVal val="visible"/>
+                                      </p:to>
+                                    </p:set>
+                                    <p:animEffect transition="in" filter="barn(inVertical)">
+                                      <p:cBhvr>
+                                        <p:cTn id="20" dur="500"/>
+                                        <p:tgtEl>
+                                          <p:spTgt spid="4"/>
+                                        </p:tgtEl>
+                                      </p:cBhvr>
+                                    </p:animEffect>
+                                  </p:childTnLst>
+                                </p:cTn>
+                              </p:par>
+                            </p:childTnLst>
+                          </p:cTn>
+                        </p:par>
+                      </p:childTnLst>
+                    </p:cTn>
+                  </p:par>
+                </p:childTnLst>
+              </p:cTn>
+              <p:prevCondLst>
+                <p:cond evt="onPrev" delay="0">
+                  <p:tgtEl>
+                    <p:sldTgt/>
+                  </p:tgtEl>
+                </p:cond>
+              </p:prevCondLst>
+              <p:nextCondLst>
+                <p:cond evt="onNext" delay="0">
+                  <p:tgtEl>
+                    <p:sldTgt/>
+                  </p:tgtEl>
+                </p:cond>
+              </p:nextCondLst>
+            </p:seq>
+          </p:childTnLst>
+        </p:cTn>
+      </p:par>
+    </p:tnLst>
+    <p:bldLst>
+      <p:bldP spid="2" grpId="0"/>
+      <p:bldP spid="6" grpId="0"/>
+    </p:bldLst>
+  </p:timing>
 </p:sld>
 </file>
 
@@ -11096,8 +12269,8 @@
         </p:blipFill>
         <p:spPr>
           <a:xfrm>
-            <a:off x="2705547" y="3645987"/>
-            <a:ext cx="4430451" cy="395577"/>
+            <a:off x="2148186" y="3645987"/>
+            <a:ext cx="4345463" cy="395577"/>
           </a:xfrm>
           <a:prstGeom prst="rect">
             <a:avLst/>
@@ -11126,7 +12299,7 @@
         </p:blipFill>
         <p:spPr>
           <a:xfrm>
-            <a:off x="7262859" y="3036395"/>
+            <a:off x="6879053" y="3036395"/>
             <a:ext cx="4345462" cy="3595484"/>
           </a:xfrm>
           <a:prstGeom prst="rect">
@@ -11144,10 +12317,659 @@
   <p:clrMapOvr>
     <a:masterClrMapping/>
   </p:clrMapOvr>
+  <mc:AlternateContent xmlns:mc="http://schemas.openxmlformats.org/markup-compatibility/2006" xmlns:p14="http://schemas.microsoft.com/office/powerpoint/2010/main">
+    <mc:Choice Requires="p14">
+      <p:transition spd="med" p14:dur="700">
+        <p:fade/>
+      </p:transition>
+    </mc:Choice>
+    <mc:Fallback xmlns="">
+      <p:transition spd="med">
+        <p:fade/>
+      </p:transition>
+    </mc:Fallback>
+  </mc:AlternateContent>
+  <p:timing>
+    <p:tnLst>
+      <p:par>
+        <p:cTn id="1" dur="indefinite" restart="never" nodeType="tmRoot">
+          <p:childTnLst>
+            <p:seq concurrent="1" nextAc="seek">
+              <p:cTn id="2" dur="indefinite" nodeType="mainSeq">
+                <p:childTnLst>
+                  <p:par>
+                    <p:cTn id="3" fill="hold">
+                      <p:stCondLst>
+                        <p:cond delay="indefinite"/>
+                        <p:cond evt="onBegin" delay="0">
+                          <p:tn val="2"/>
+                        </p:cond>
+                      </p:stCondLst>
+                      <p:childTnLst>
+                        <p:par>
+                          <p:cTn id="4" fill="hold">
+                            <p:stCondLst>
+                              <p:cond delay="0"/>
+                            </p:stCondLst>
+                            <p:childTnLst>
+                              <p:par>
+                                <p:cTn id="5" presetID="2" presetClass="entr" presetSubtype="4" fill="hold" grpId="0" nodeType="afterEffect">
+                                  <p:stCondLst>
+                                    <p:cond delay="0"/>
+                                  </p:stCondLst>
+                                  <p:childTnLst>
+                                    <p:set>
+                                      <p:cBhvr>
+                                        <p:cTn id="6" dur="1" fill="hold">
+                                          <p:stCondLst>
+                                            <p:cond delay="0"/>
+                                          </p:stCondLst>
+                                        </p:cTn>
+                                        <p:tgtEl>
+                                          <p:spTgt spid="2"/>
+                                        </p:tgtEl>
+                                        <p:attrNameLst>
+                                          <p:attrName>style.visibility</p:attrName>
+                                        </p:attrNameLst>
+                                      </p:cBhvr>
+                                      <p:to>
+                                        <p:strVal val="visible"/>
+                                      </p:to>
+                                    </p:set>
+                                    <p:anim calcmode="lin" valueType="num">
+                                      <p:cBhvr additive="base">
+                                        <p:cTn id="7" dur="500" fill="hold"/>
+                                        <p:tgtEl>
+                                          <p:spTgt spid="2"/>
+                                        </p:tgtEl>
+                                        <p:attrNameLst>
+                                          <p:attrName>ppt_x</p:attrName>
+                                        </p:attrNameLst>
+                                      </p:cBhvr>
+                                      <p:tavLst>
+                                        <p:tav tm="0">
+                                          <p:val>
+                                            <p:strVal val="#ppt_x"/>
+                                          </p:val>
+                                        </p:tav>
+                                        <p:tav tm="100000">
+                                          <p:val>
+                                            <p:strVal val="#ppt_x"/>
+                                          </p:val>
+                                        </p:tav>
+                                      </p:tavLst>
+                                    </p:anim>
+                                    <p:anim calcmode="lin" valueType="num">
+                                      <p:cBhvr additive="base">
+                                        <p:cTn id="8" dur="500" fill="hold"/>
+                                        <p:tgtEl>
+                                          <p:spTgt spid="2"/>
+                                        </p:tgtEl>
+                                        <p:attrNameLst>
+                                          <p:attrName>ppt_y</p:attrName>
+                                        </p:attrNameLst>
+                                      </p:cBhvr>
+                                      <p:tavLst>
+                                        <p:tav tm="0">
+                                          <p:val>
+                                            <p:strVal val="1+#ppt_h/2"/>
+                                          </p:val>
+                                        </p:tav>
+                                        <p:tav tm="100000">
+                                          <p:val>
+                                            <p:strVal val="#ppt_y"/>
+                                          </p:val>
+                                        </p:tav>
+                                      </p:tavLst>
+                                    </p:anim>
+                                  </p:childTnLst>
+                                </p:cTn>
+                              </p:par>
+                            </p:childTnLst>
+                          </p:cTn>
+                        </p:par>
+                        <p:par>
+                          <p:cTn id="9" fill="hold">
+                            <p:stCondLst>
+                              <p:cond delay="500"/>
+                            </p:stCondLst>
+                            <p:childTnLst>
+                              <p:par>
+                                <p:cTn id="10" presetID="16" presetClass="entr" presetSubtype="21" fill="hold" grpId="0" nodeType="afterEffect">
+                                  <p:stCondLst>
+                                    <p:cond delay="0"/>
+                                  </p:stCondLst>
+                                  <p:childTnLst>
+                                    <p:set>
+                                      <p:cBhvr>
+                                        <p:cTn id="11" dur="1" fill="hold">
+                                          <p:stCondLst>
+                                            <p:cond delay="0"/>
+                                          </p:stCondLst>
+                                        </p:cTn>
+                                        <p:tgtEl>
+                                          <p:spTgt spid="6"/>
+                                        </p:tgtEl>
+                                        <p:attrNameLst>
+                                          <p:attrName>style.visibility</p:attrName>
+                                        </p:attrNameLst>
+                                      </p:cBhvr>
+                                      <p:to>
+                                        <p:strVal val="visible"/>
+                                      </p:to>
+                                    </p:set>
+                                    <p:animEffect transition="in" filter="barn(inVertical)">
+                                      <p:cBhvr>
+                                        <p:cTn id="12" dur="500"/>
+                                        <p:tgtEl>
+                                          <p:spTgt spid="6"/>
+                                        </p:tgtEl>
+                                      </p:cBhvr>
+                                    </p:animEffect>
+                                  </p:childTnLst>
+                                </p:cTn>
+                              </p:par>
+                            </p:childTnLst>
+                          </p:cTn>
+                        </p:par>
+                        <p:par>
+                          <p:cTn id="13" fill="hold">
+                            <p:stCondLst>
+                              <p:cond delay="1000"/>
+                            </p:stCondLst>
+                            <p:childTnLst>
+                              <p:par>
+                                <p:cTn id="14" presetID="16" presetClass="entr" presetSubtype="21" fill="hold" nodeType="afterEffect">
+                                  <p:stCondLst>
+                                    <p:cond delay="0"/>
+                                  </p:stCondLst>
+                                  <p:childTnLst>
+                                    <p:set>
+                                      <p:cBhvr>
+                                        <p:cTn id="15" dur="1" fill="hold">
+                                          <p:stCondLst>
+                                            <p:cond delay="0"/>
+                                          </p:stCondLst>
+                                        </p:cTn>
+                                        <p:tgtEl>
+                                          <p:spTgt spid="5"/>
+                                        </p:tgtEl>
+                                        <p:attrNameLst>
+                                          <p:attrName>style.visibility</p:attrName>
+                                        </p:attrNameLst>
+                                      </p:cBhvr>
+                                      <p:to>
+                                        <p:strVal val="visible"/>
+                                      </p:to>
+                                    </p:set>
+                                    <p:animEffect transition="in" filter="barn(inVertical)">
+                                      <p:cBhvr>
+                                        <p:cTn id="16" dur="500"/>
+                                        <p:tgtEl>
+                                          <p:spTgt spid="5"/>
+                                        </p:tgtEl>
+                                      </p:cBhvr>
+                                    </p:animEffect>
+                                  </p:childTnLst>
+                                </p:cTn>
+                              </p:par>
+                            </p:childTnLst>
+                          </p:cTn>
+                        </p:par>
+                        <p:par>
+                          <p:cTn id="17" fill="hold">
+                            <p:stCondLst>
+                              <p:cond delay="1500"/>
+                            </p:stCondLst>
+                            <p:childTnLst>
+                              <p:par>
+                                <p:cTn id="18" presetID="16" presetClass="entr" presetSubtype="21" fill="hold" nodeType="afterEffect">
+                                  <p:stCondLst>
+                                    <p:cond delay="0"/>
+                                  </p:stCondLst>
+                                  <p:childTnLst>
+                                    <p:set>
+                                      <p:cBhvr>
+                                        <p:cTn id="19" dur="1" fill="hold">
+                                          <p:stCondLst>
+                                            <p:cond delay="0"/>
+                                          </p:stCondLst>
+                                        </p:cTn>
+                                        <p:tgtEl>
+                                          <p:spTgt spid="8"/>
+                                        </p:tgtEl>
+                                        <p:attrNameLst>
+                                          <p:attrName>style.visibility</p:attrName>
+                                        </p:attrNameLst>
+                                      </p:cBhvr>
+                                      <p:to>
+                                        <p:strVal val="visible"/>
+                                      </p:to>
+                                    </p:set>
+                                    <p:animEffect transition="in" filter="barn(inVertical)">
+                                      <p:cBhvr>
+                                        <p:cTn id="20" dur="500"/>
+                                        <p:tgtEl>
+                                          <p:spTgt spid="8"/>
+                                        </p:tgtEl>
+                                      </p:cBhvr>
+                                    </p:animEffect>
+                                  </p:childTnLst>
+                                </p:cTn>
+                              </p:par>
+                            </p:childTnLst>
+                          </p:cTn>
+                        </p:par>
+                      </p:childTnLst>
+                    </p:cTn>
+                  </p:par>
+                </p:childTnLst>
+              </p:cTn>
+              <p:prevCondLst>
+                <p:cond evt="onPrev" delay="0">
+                  <p:tgtEl>
+                    <p:sldTgt/>
+                  </p:tgtEl>
+                </p:cond>
+              </p:prevCondLst>
+              <p:nextCondLst>
+                <p:cond evt="onNext" delay="0">
+                  <p:tgtEl>
+                    <p:sldTgt/>
+                  </p:tgtEl>
+                </p:cond>
+              </p:nextCondLst>
+            </p:seq>
+          </p:childTnLst>
+        </p:cTn>
+      </p:par>
+    </p:tnLst>
+    <p:bldLst>
+      <p:bldP spid="2" grpId="0"/>
+      <p:bldP spid="6" grpId="0"/>
+    </p:bldLst>
+  </p:timing>
 </p:sld>
 </file>
 
 <file path=ppt/slides/slide14.xml><?xml version="1.0" encoding="utf-8"?>
+<p:sld xmlns:a="http://schemas.openxmlformats.org/drawingml/2006/main" xmlns:r="http://schemas.openxmlformats.org/officeDocument/2006/relationships" xmlns:p="http://schemas.openxmlformats.org/presentationml/2006/main">
+  <p:cSld>
+    <p:spTree>
+      <p:nvGrpSpPr>
+        <p:cNvPr id="1" name=""/>
+        <p:cNvGrpSpPr/>
+        <p:nvPr/>
+      </p:nvGrpSpPr>
+      <p:grpSpPr>
+        <a:xfrm>
+          <a:off x="0" y="0"/>
+          <a:ext cx="0" cy="0"/>
+          <a:chOff x="0" y="0"/>
+          <a:chExt cx="0" cy="0"/>
+        </a:xfrm>
+      </p:grpSpPr>
+      <p:sp>
+        <p:nvSpPr>
+          <p:cNvPr id="2" name="標題 1">
+            <a:extLst>
+              <a:ext uri="{FF2B5EF4-FFF2-40B4-BE49-F238E27FC236}">
+                <a16:creationId xmlns:a16="http://schemas.microsoft.com/office/drawing/2014/main" id="{4E41317D-3CC2-1C33-C8AD-88FB42B1BA28}"/>
+              </a:ext>
+            </a:extLst>
+          </p:cNvPr>
+          <p:cNvSpPr>
+            <a:spLocks noGrp="1"/>
+          </p:cNvSpPr>
+          <p:nvPr>
+            <p:ph type="title"/>
+          </p:nvPr>
+        </p:nvSpPr>
+        <p:spPr/>
+        <p:txBody>
+          <a:bodyPr/>
+          <a:lstStyle/>
+          <a:p>
+            <a:r>
+              <a:rPr lang="en-US" altLang="zh-TW" b="1" dirty="0"/>
+              <a:t>Java Script</a:t>
+            </a:r>
+            <a:r>
+              <a:rPr lang="zh-TW" altLang="en-US" b="1" dirty="0"/>
+              <a:t>程式碼</a:t>
+            </a:r>
+          </a:p>
+        </p:txBody>
+      </p:sp>
+      <p:sp>
+        <p:nvSpPr>
+          <p:cNvPr id="6" name="文字方塊 5">
+            <a:extLst>
+              <a:ext uri="{FF2B5EF4-FFF2-40B4-BE49-F238E27FC236}">
+                <a16:creationId xmlns:a16="http://schemas.microsoft.com/office/drawing/2014/main" id="{D576DE2C-D7FC-619A-3CA1-0942FFF4E0BB}"/>
+              </a:ext>
+            </a:extLst>
+          </p:cNvPr>
+          <p:cNvSpPr txBox="1"/>
+          <p:nvPr/>
+        </p:nvSpPr>
+        <p:spPr>
+          <a:xfrm>
+            <a:off x="2148186" y="2196351"/>
+            <a:ext cx="9076329" cy="400110"/>
+          </a:xfrm>
+          <a:prstGeom prst="rect">
+            <a:avLst/>
+          </a:prstGeom>
+          <a:noFill/>
+        </p:spPr>
+        <p:txBody>
+          <a:bodyPr wrap="square" rtlCol="0">
+            <a:spAutoFit/>
+          </a:bodyPr>
+          <a:lstStyle/>
+          <a:p>
+            <a:pPr marL="285750" indent="-285750">
+              <a:buFont typeface="Arial" panose="020B0604020202020204" pitchFamily="34" charset="0"/>
+              <a:buChar char="•"/>
+            </a:pPr>
+            <a:r>
+              <a:rPr lang="en-US" altLang="zh-TW" sz="2000" dirty="0" err="1"/>
+              <a:t>ClearPrint</a:t>
+            </a:r>
+            <a:r>
+              <a:rPr lang="en-US" altLang="zh-TW" sz="2000" dirty="0"/>
+              <a:t>()</a:t>
+            </a:r>
+            <a:r>
+              <a:rPr lang="zh-TW" altLang="en-US" sz="2000" dirty="0"/>
+              <a:t>：清除顯示數學方程式的</a:t>
+            </a:r>
+            <a:r>
+              <a:rPr lang="en-US" altLang="zh-TW" sz="2000" dirty="0"/>
+              <a:t>&lt;p&gt;</a:t>
+            </a:r>
+            <a:endParaRPr lang="zh-TW" altLang="en-US" sz="2000" dirty="0"/>
+          </a:p>
+        </p:txBody>
+      </p:sp>
+      <p:pic>
+        <p:nvPicPr>
+          <p:cNvPr id="5" name="圖片 4">
+            <a:extLst>
+              <a:ext uri="{FF2B5EF4-FFF2-40B4-BE49-F238E27FC236}">
+                <a16:creationId xmlns:a16="http://schemas.microsoft.com/office/drawing/2014/main" id="{7C729457-9FD6-5642-B4C1-FD53DB4D9EB7}"/>
+              </a:ext>
+            </a:extLst>
+          </p:cNvPr>
+          <p:cNvPicPr>
+            <a:picLocks noChangeAspect="1"/>
+          </p:cNvPicPr>
+          <p:nvPr/>
+        </p:nvPicPr>
+        <p:blipFill>
+          <a:blip r:embed="rId2">
+            <a:extLst>
+              <a:ext uri="{28A0092B-C50C-407E-A947-70E740481C1C}">
+                <a14:useLocalDpi xmlns:a14="http://schemas.microsoft.com/office/drawing/2010/main" val="0"/>
+              </a:ext>
+            </a:extLst>
+          </a:blip>
+          <a:srcRect/>
+          <a:stretch/>
+        </p:blipFill>
+        <p:spPr>
+          <a:xfrm>
+            <a:off x="3305517" y="3429000"/>
+            <a:ext cx="6162282" cy="1498610"/>
+          </a:xfrm>
+          <a:prstGeom prst="rect">
+            <a:avLst/>
+          </a:prstGeom>
+        </p:spPr>
+      </p:pic>
+    </p:spTree>
+    <p:extLst>
+      <p:ext uri="{BB962C8B-B14F-4D97-AF65-F5344CB8AC3E}">
+        <p14:creationId xmlns:p14="http://schemas.microsoft.com/office/powerpoint/2010/main" val="1517962052"/>
+      </p:ext>
+    </p:extLst>
+  </p:cSld>
+  <p:clrMapOvr>
+    <a:masterClrMapping/>
+  </p:clrMapOvr>
+  <mc:AlternateContent xmlns:mc="http://schemas.openxmlformats.org/markup-compatibility/2006" xmlns:p14="http://schemas.microsoft.com/office/powerpoint/2010/main">
+    <mc:Choice Requires="p14">
+      <p:transition spd="med" p14:dur="700">
+        <p:fade/>
+      </p:transition>
+    </mc:Choice>
+    <mc:Fallback xmlns="">
+      <p:transition spd="med">
+        <p:fade/>
+      </p:transition>
+    </mc:Fallback>
+  </mc:AlternateContent>
+  <p:timing>
+    <p:tnLst>
+      <p:par>
+        <p:cTn id="1" dur="indefinite" restart="never" nodeType="tmRoot">
+          <p:childTnLst>
+            <p:seq concurrent="1" nextAc="seek">
+              <p:cTn id="2" dur="indefinite" nodeType="mainSeq">
+                <p:childTnLst>
+                  <p:par>
+                    <p:cTn id="3" fill="hold">
+                      <p:stCondLst>
+                        <p:cond delay="indefinite"/>
+                        <p:cond evt="onBegin" delay="0">
+                          <p:tn val="2"/>
+                        </p:cond>
+                      </p:stCondLst>
+                      <p:childTnLst>
+                        <p:par>
+                          <p:cTn id="4" fill="hold">
+                            <p:stCondLst>
+                              <p:cond delay="0"/>
+                            </p:stCondLst>
+                            <p:childTnLst>
+                              <p:par>
+                                <p:cTn id="5" presetID="2" presetClass="entr" presetSubtype="4" fill="hold" grpId="0" nodeType="afterEffect">
+                                  <p:stCondLst>
+                                    <p:cond delay="0"/>
+                                  </p:stCondLst>
+                                  <p:childTnLst>
+                                    <p:set>
+                                      <p:cBhvr>
+                                        <p:cTn id="6" dur="1" fill="hold">
+                                          <p:stCondLst>
+                                            <p:cond delay="0"/>
+                                          </p:stCondLst>
+                                        </p:cTn>
+                                        <p:tgtEl>
+                                          <p:spTgt spid="2"/>
+                                        </p:tgtEl>
+                                        <p:attrNameLst>
+                                          <p:attrName>style.visibility</p:attrName>
+                                        </p:attrNameLst>
+                                      </p:cBhvr>
+                                      <p:to>
+                                        <p:strVal val="visible"/>
+                                      </p:to>
+                                    </p:set>
+                                    <p:anim calcmode="lin" valueType="num">
+                                      <p:cBhvr additive="base">
+                                        <p:cTn id="7" dur="500" fill="hold"/>
+                                        <p:tgtEl>
+                                          <p:spTgt spid="2"/>
+                                        </p:tgtEl>
+                                        <p:attrNameLst>
+                                          <p:attrName>ppt_x</p:attrName>
+                                        </p:attrNameLst>
+                                      </p:cBhvr>
+                                      <p:tavLst>
+                                        <p:tav tm="0">
+                                          <p:val>
+                                            <p:strVal val="#ppt_x"/>
+                                          </p:val>
+                                        </p:tav>
+                                        <p:tav tm="100000">
+                                          <p:val>
+                                            <p:strVal val="#ppt_x"/>
+                                          </p:val>
+                                        </p:tav>
+                                      </p:tavLst>
+                                    </p:anim>
+                                    <p:anim calcmode="lin" valueType="num">
+                                      <p:cBhvr additive="base">
+                                        <p:cTn id="8" dur="500" fill="hold"/>
+                                        <p:tgtEl>
+                                          <p:spTgt spid="2"/>
+                                        </p:tgtEl>
+                                        <p:attrNameLst>
+                                          <p:attrName>ppt_y</p:attrName>
+                                        </p:attrNameLst>
+                                      </p:cBhvr>
+                                      <p:tavLst>
+                                        <p:tav tm="0">
+                                          <p:val>
+                                            <p:strVal val="1+#ppt_h/2"/>
+                                          </p:val>
+                                        </p:tav>
+                                        <p:tav tm="100000">
+                                          <p:val>
+                                            <p:strVal val="#ppt_y"/>
+                                          </p:val>
+                                        </p:tav>
+                                      </p:tavLst>
+                                    </p:anim>
+                                  </p:childTnLst>
+                                </p:cTn>
+                              </p:par>
+                            </p:childTnLst>
+                          </p:cTn>
+                        </p:par>
+                        <p:par>
+                          <p:cTn id="9" fill="hold">
+                            <p:stCondLst>
+                              <p:cond delay="500"/>
+                            </p:stCondLst>
+                            <p:childTnLst>
+                              <p:par>
+                                <p:cTn id="10" presetID="16" presetClass="entr" presetSubtype="21" fill="hold" grpId="0" nodeType="afterEffect">
+                                  <p:stCondLst>
+                                    <p:cond delay="0"/>
+                                  </p:stCondLst>
+                                  <p:childTnLst>
+                                    <p:set>
+                                      <p:cBhvr>
+                                        <p:cTn id="11" dur="1" fill="hold">
+                                          <p:stCondLst>
+                                            <p:cond delay="0"/>
+                                          </p:stCondLst>
+                                        </p:cTn>
+                                        <p:tgtEl>
+                                          <p:spTgt spid="6"/>
+                                        </p:tgtEl>
+                                        <p:attrNameLst>
+                                          <p:attrName>style.visibility</p:attrName>
+                                        </p:attrNameLst>
+                                      </p:cBhvr>
+                                      <p:to>
+                                        <p:strVal val="visible"/>
+                                      </p:to>
+                                    </p:set>
+                                    <p:animEffect transition="in" filter="barn(inVertical)">
+                                      <p:cBhvr>
+                                        <p:cTn id="12" dur="500"/>
+                                        <p:tgtEl>
+                                          <p:spTgt spid="6"/>
+                                        </p:tgtEl>
+                                      </p:cBhvr>
+                                    </p:animEffect>
+                                  </p:childTnLst>
+                                </p:cTn>
+                              </p:par>
+                            </p:childTnLst>
+                          </p:cTn>
+                        </p:par>
+                        <p:par>
+                          <p:cTn id="13" fill="hold">
+                            <p:stCondLst>
+                              <p:cond delay="1000"/>
+                            </p:stCondLst>
+                            <p:childTnLst>
+                              <p:par>
+                                <p:cTn id="14" presetID="16" presetClass="entr" presetSubtype="21" fill="hold" nodeType="afterEffect">
+                                  <p:stCondLst>
+                                    <p:cond delay="0"/>
+                                  </p:stCondLst>
+                                  <p:childTnLst>
+                                    <p:set>
+                                      <p:cBhvr>
+                                        <p:cTn id="15" dur="1" fill="hold">
+                                          <p:stCondLst>
+                                            <p:cond delay="0"/>
+                                          </p:stCondLst>
+                                        </p:cTn>
+                                        <p:tgtEl>
+                                          <p:spTgt spid="5"/>
+                                        </p:tgtEl>
+                                        <p:attrNameLst>
+                                          <p:attrName>style.visibility</p:attrName>
+                                        </p:attrNameLst>
+                                      </p:cBhvr>
+                                      <p:to>
+                                        <p:strVal val="visible"/>
+                                      </p:to>
+                                    </p:set>
+                                    <p:animEffect transition="in" filter="barn(inVertical)">
+                                      <p:cBhvr>
+                                        <p:cTn id="16" dur="500"/>
+                                        <p:tgtEl>
+                                          <p:spTgt spid="5"/>
+                                        </p:tgtEl>
+                                      </p:cBhvr>
+                                    </p:animEffect>
+                                  </p:childTnLst>
+                                </p:cTn>
+                              </p:par>
+                            </p:childTnLst>
+                          </p:cTn>
+                        </p:par>
+                      </p:childTnLst>
+                    </p:cTn>
+                  </p:par>
+                </p:childTnLst>
+              </p:cTn>
+              <p:prevCondLst>
+                <p:cond evt="onPrev" delay="0">
+                  <p:tgtEl>
+                    <p:sldTgt/>
+                  </p:tgtEl>
+                </p:cond>
+              </p:prevCondLst>
+              <p:nextCondLst>
+                <p:cond evt="onNext" delay="0">
+                  <p:tgtEl>
+                    <p:sldTgt/>
+                  </p:tgtEl>
+                </p:cond>
+              </p:nextCondLst>
+            </p:seq>
+          </p:childTnLst>
+        </p:cTn>
+      </p:par>
+    </p:tnLst>
+    <p:bldLst>
+      <p:bldP spid="2" grpId="0"/>
+      <p:bldP spid="6" grpId="0"/>
+    </p:bldLst>
+  </p:timing>
+</p:sld>
+</file>
+
+<file path=ppt/slides/slide15.xml><?xml version="1.0" encoding="utf-8"?>
 <p:sld xmlns:a="http://schemas.openxmlformats.org/drawingml/2006/main" xmlns:r="http://schemas.openxmlformats.org/officeDocument/2006/relationships" xmlns:p="http://schemas.openxmlformats.org/presentationml/2006/main">
   <p:cSld>
     <p:spTree>
@@ -11231,6 +13053,283 @@
   <p:clrMapOvr>
     <a:masterClrMapping/>
   </p:clrMapOvr>
+  <mc:AlternateContent xmlns:mc="http://schemas.openxmlformats.org/markup-compatibility/2006" xmlns:p14="http://schemas.microsoft.com/office/powerpoint/2010/main">
+    <mc:Choice Requires="p14">
+      <p:transition spd="med" p14:dur="700">
+        <p:fade/>
+      </p:transition>
+    </mc:Choice>
+    <mc:Fallback xmlns="">
+      <p:transition spd="med">
+        <p:fade/>
+      </p:transition>
+    </mc:Fallback>
+  </mc:AlternateContent>
+  <p:timing>
+    <p:tnLst>
+      <p:par>
+        <p:cTn id="1" dur="indefinite" restart="never" nodeType="tmRoot">
+          <p:childTnLst>
+            <p:seq concurrent="1" nextAc="seek">
+              <p:cTn id="2" dur="indefinite" nodeType="mainSeq">
+                <p:childTnLst>
+                  <p:par>
+                    <p:cTn id="3" fill="hold">
+                      <p:stCondLst>
+                        <p:cond delay="indefinite"/>
+                        <p:cond evt="onBegin" delay="0">
+                          <p:tn val="2"/>
+                        </p:cond>
+                      </p:stCondLst>
+                      <p:childTnLst>
+                        <p:par>
+                          <p:cTn id="4" fill="hold">
+                            <p:stCondLst>
+                              <p:cond delay="0"/>
+                            </p:stCondLst>
+                            <p:childTnLst>
+                              <p:par>
+                                <p:cTn id="5" presetID="31" presetClass="entr" presetSubtype="0" fill="hold" grpId="0" nodeType="afterEffect">
+                                  <p:stCondLst>
+                                    <p:cond delay="0"/>
+                                  </p:stCondLst>
+                                  <p:childTnLst>
+                                    <p:set>
+                                      <p:cBhvr>
+                                        <p:cTn id="6" dur="1" fill="hold">
+                                          <p:stCondLst>
+                                            <p:cond delay="0"/>
+                                          </p:stCondLst>
+                                        </p:cTn>
+                                        <p:tgtEl>
+                                          <p:spTgt spid="2"/>
+                                        </p:tgtEl>
+                                        <p:attrNameLst>
+                                          <p:attrName>style.visibility</p:attrName>
+                                        </p:attrNameLst>
+                                      </p:cBhvr>
+                                      <p:to>
+                                        <p:strVal val="visible"/>
+                                      </p:to>
+                                    </p:set>
+                                    <p:anim calcmode="lin" valueType="num">
+                                      <p:cBhvr>
+                                        <p:cTn id="7" dur="1000" fill="hold"/>
+                                        <p:tgtEl>
+                                          <p:spTgt spid="2"/>
+                                        </p:tgtEl>
+                                        <p:attrNameLst>
+                                          <p:attrName>ppt_w</p:attrName>
+                                        </p:attrNameLst>
+                                      </p:cBhvr>
+                                      <p:tavLst>
+                                        <p:tav tm="0">
+                                          <p:val>
+                                            <p:fltVal val="0"/>
+                                          </p:val>
+                                        </p:tav>
+                                        <p:tav tm="100000">
+                                          <p:val>
+                                            <p:strVal val="#ppt_w"/>
+                                          </p:val>
+                                        </p:tav>
+                                      </p:tavLst>
+                                    </p:anim>
+                                    <p:anim calcmode="lin" valueType="num">
+                                      <p:cBhvr>
+                                        <p:cTn id="8" dur="1000" fill="hold"/>
+                                        <p:tgtEl>
+                                          <p:spTgt spid="2"/>
+                                        </p:tgtEl>
+                                        <p:attrNameLst>
+                                          <p:attrName>ppt_h</p:attrName>
+                                        </p:attrNameLst>
+                                      </p:cBhvr>
+                                      <p:tavLst>
+                                        <p:tav tm="0">
+                                          <p:val>
+                                            <p:fltVal val="0"/>
+                                          </p:val>
+                                        </p:tav>
+                                        <p:tav tm="100000">
+                                          <p:val>
+                                            <p:strVal val="#ppt_h"/>
+                                          </p:val>
+                                        </p:tav>
+                                      </p:tavLst>
+                                    </p:anim>
+                                    <p:anim calcmode="lin" valueType="num">
+                                      <p:cBhvr>
+                                        <p:cTn id="9" dur="1000" fill="hold"/>
+                                        <p:tgtEl>
+                                          <p:spTgt spid="2"/>
+                                        </p:tgtEl>
+                                        <p:attrNameLst>
+                                          <p:attrName>style.rotation</p:attrName>
+                                        </p:attrNameLst>
+                                      </p:cBhvr>
+                                      <p:tavLst>
+                                        <p:tav tm="0">
+                                          <p:val>
+                                            <p:fltVal val="90"/>
+                                          </p:val>
+                                        </p:tav>
+                                        <p:tav tm="100000">
+                                          <p:val>
+                                            <p:fltVal val="0"/>
+                                          </p:val>
+                                        </p:tav>
+                                      </p:tavLst>
+                                    </p:anim>
+                                    <p:animEffect transition="in" filter="fade">
+                                      <p:cBhvr>
+                                        <p:cTn id="10" dur="1000"/>
+                                        <p:tgtEl>
+                                          <p:spTgt spid="2"/>
+                                        </p:tgtEl>
+                                      </p:cBhvr>
+                                    </p:animEffect>
+                                  </p:childTnLst>
+                                </p:cTn>
+                              </p:par>
+                            </p:childTnLst>
+                          </p:cTn>
+                        </p:par>
+                        <p:par>
+                          <p:cTn id="11" fill="hold">
+                            <p:stCondLst>
+                              <p:cond delay="1000"/>
+                            </p:stCondLst>
+                            <p:childTnLst>
+                              <p:par>
+                                <p:cTn id="12" presetID="45" presetClass="entr" presetSubtype="0" fill="hold" grpId="0" nodeType="afterEffect">
+                                  <p:stCondLst>
+                                    <p:cond delay="0"/>
+                                  </p:stCondLst>
+                                  <p:childTnLst>
+                                    <p:set>
+                                      <p:cBhvr>
+                                        <p:cTn id="13" dur="1" fill="hold">
+                                          <p:stCondLst>
+                                            <p:cond delay="0"/>
+                                          </p:stCondLst>
+                                        </p:cTn>
+                                        <p:tgtEl>
+                                          <p:spTgt spid="3">
+                                            <p:txEl>
+                                              <p:pRg st="0" end="0"/>
+                                            </p:txEl>
+                                          </p:spTgt>
+                                        </p:tgtEl>
+                                        <p:attrNameLst>
+                                          <p:attrName>style.visibility</p:attrName>
+                                        </p:attrNameLst>
+                                      </p:cBhvr>
+                                      <p:to>
+                                        <p:strVal val="visible"/>
+                                      </p:to>
+                                    </p:set>
+                                    <p:animEffect transition="in" filter="fade">
+                                      <p:cBhvr>
+                                        <p:cTn id="14" dur="10000"/>
+                                        <p:tgtEl>
+                                          <p:spTgt spid="3">
+                                            <p:txEl>
+                                              <p:pRg st="0" end="0"/>
+                                            </p:txEl>
+                                          </p:spTgt>
+                                        </p:tgtEl>
+                                      </p:cBhvr>
+                                    </p:animEffect>
+                                    <p:anim calcmode="lin" valueType="num">
+                                      <p:cBhvr>
+                                        <p:cTn id="15" dur="10000" fill="hold"/>
+                                        <p:tgtEl>
+                                          <p:spTgt spid="3">
+                                            <p:txEl>
+                                              <p:pRg st="0" end="0"/>
+                                            </p:txEl>
+                                          </p:spTgt>
+                                        </p:tgtEl>
+                                        <p:attrNameLst>
+                                          <p:attrName>ppt_w</p:attrName>
+                                        </p:attrNameLst>
+                                      </p:cBhvr>
+                                      <p:tavLst>
+                                        <p:tav tm="0" fmla="#ppt_w*sin(2.5*pi*$)">
+                                          <p:val>
+                                            <p:fltVal val="0"/>
+                                          </p:val>
+                                        </p:tav>
+                                        <p:tav tm="100000">
+                                          <p:val>
+                                            <p:fltVal val="1"/>
+                                          </p:val>
+                                        </p:tav>
+                                      </p:tavLst>
+                                    </p:anim>
+                                    <p:anim calcmode="lin" valueType="num">
+                                      <p:cBhvr>
+                                        <p:cTn id="16" dur="10000" fill="hold"/>
+                                        <p:tgtEl>
+                                          <p:spTgt spid="3">
+                                            <p:txEl>
+                                              <p:pRg st="0" end="0"/>
+                                            </p:txEl>
+                                          </p:spTgt>
+                                        </p:tgtEl>
+                                        <p:attrNameLst>
+                                          <p:attrName>ppt_h</p:attrName>
+                                        </p:attrNameLst>
+                                      </p:cBhvr>
+                                      <p:tavLst>
+                                        <p:tav tm="0">
+                                          <p:val>
+                                            <p:strVal val="#ppt_h"/>
+                                          </p:val>
+                                        </p:tav>
+                                        <p:tav tm="100000">
+                                          <p:val>
+                                            <p:strVal val="#ppt_h"/>
+                                          </p:val>
+                                        </p:tav>
+                                      </p:tavLst>
+                                    </p:anim>
+                                  </p:childTnLst>
+                                </p:cTn>
+                              </p:par>
+                            </p:childTnLst>
+                          </p:cTn>
+                        </p:par>
+                      </p:childTnLst>
+                    </p:cTn>
+                  </p:par>
+                </p:childTnLst>
+              </p:cTn>
+              <p:prevCondLst>
+                <p:cond evt="onPrev" delay="0">
+                  <p:tgtEl>
+                    <p:sldTgt/>
+                  </p:tgtEl>
+                </p:cond>
+              </p:prevCondLst>
+              <p:nextCondLst>
+                <p:cond evt="onNext" delay="0">
+                  <p:tgtEl>
+                    <p:sldTgt/>
+                  </p:tgtEl>
+                </p:cond>
+              </p:nextCondLst>
+            </p:seq>
+          </p:childTnLst>
+        </p:cTn>
+      </p:par>
+    </p:tnLst>
+    <p:bldLst>
+      <p:bldP spid="2" grpId="0"/>
+      <p:bldP spid="3" grpId="0" build="p"/>
+    </p:bldLst>
+  </p:timing>
 </p:sld>
 </file>
 
@@ -11357,6 +13456,624 @@
   <p:clrMapOvr>
     <a:masterClrMapping/>
   </p:clrMapOvr>
+  <mc:AlternateContent xmlns:mc="http://schemas.openxmlformats.org/markup-compatibility/2006" xmlns:p14="http://schemas.microsoft.com/office/powerpoint/2010/main">
+    <mc:Choice Requires="p14">
+      <p:transition spd="med" p14:dur="700">
+        <p:fade/>
+      </p:transition>
+    </mc:Choice>
+    <mc:Fallback xmlns="">
+      <p:transition spd="med">
+        <p:fade/>
+      </p:transition>
+    </mc:Fallback>
+  </mc:AlternateContent>
+  <p:timing>
+    <p:tnLst>
+      <p:par>
+        <p:cTn id="1" dur="indefinite" restart="never" nodeType="tmRoot">
+          <p:childTnLst>
+            <p:seq concurrent="1" nextAc="seek">
+              <p:cTn id="2" dur="indefinite" nodeType="mainSeq">
+                <p:childTnLst>
+                  <p:par>
+                    <p:cTn id="3" fill="hold">
+                      <p:stCondLst>
+                        <p:cond delay="indefinite"/>
+                        <p:cond evt="onBegin" delay="0">
+                          <p:tn val="2"/>
+                        </p:cond>
+                      </p:stCondLst>
+                      <p:childTnLst>
+                        <p:par>
+                          <p:cTn id="4" fill="hold">
+                            <p:stCondLst>
+                              <p:cond delay="0"/>
+                            </p:stCondLst>
+                            <p:childTnLst>
+                              <p:par>
+                                <p:cTn id="5" presetID="42" presetClass="entr" presetSubtype="0" fill="hold" grpId="0" nodeType="afterEffect">
+                                  <p:stCondLst>
+                                    <p:cond delay="0"/>
+                                  </p:stCondLst>
+                                  <p:childTnLst>
+                                    <p:set>
+                                      <p:cBhvr>
+                                        <p:cTn id="6" dur="1" fill="hold">
+                                          <p:stCondLst>
+                                            <p:cond delay="0"/>
+                                          </p:stCondLst>
+                                        </p:cTn>
+                                        <p:tgtEl>
+                                          <p:spTgt spid="2"/>
+                                        </p:tgtEl>
+                                        <p:attrNameLst>
+                                          <p:attrName>style.visibility</p:attrName>
+                                        </p:attrNameLst>
+                                      </p:cBhvr>
+                                      <p:to>
+                                        <p:strVal val="visible"/>
+                                      </p:to>
+                                    </p:set>
+                                    <p:animEffect transition="in" filter="fade">
+                                      <p:cBhvr>
+                                        <p:cTn id="7" dur="1000"/>
+                                        <p:tgtEl>
+                                          <p:spTgt spid="2"/>
+                                        </p:tgtEl>
+                                      </p:cBhvr>
+                                    </p:animEffect>
+                                    <p:anim calcmode="lin" valueType="num">
+                                      <p:cBhvr>
+                                        <p:cTn id="8" dur="1000" fill="hold"/>
+                                        <p:tgtEl>
+                                          <p:spTgt spid="2"/>
+                                        </p:tgtEl>
+                                        <p:attrNameLst>
+                                          <p:attrName>ppt_x</p:attrName>
+                                        </p:attrNameLst>
+                                      </p:cBhvr>
+                                      <p:tavLst>
+                                        <p:tav tm="0">
+                                          <p:val>
+                                            <p:strVal val="#ppt_x"/>
+                                          </p:val>
+                                        </p:tav>
+                                        <p:tav tm="100000">
+                                          <p:val>
+                                            <p:strVal val="#ppt_x"/>
+                                          </p:val>
+                                        </p:tav>
+                                      </p:tavLst>
+                                    </p:anim>
+                                    <p:anim calcmode="lin" valueType="num">
+                                      <p:cBhvr>
+                                        <p:cTn id="9" dur="1000" fill="hold"/>
+                                        <p:tgtEl>
+                                          <p:spTgt spid="2"/>
+                                        </p:tgtEl>
+                                        <p:attrNameLst>
+                                          <p:attrName>ppt_y</p:attrName>
+                                        </p:attrNameLst>
+                                      </p:cBhvr>
+                                      <p:tavLst>
+                                        <p:tav tm="0">
+                                          <p:val>
+                                            <p:strVal val="#ppt_y+.1"/>
+                                          </p:val>
+                                        </p:tav>
+                                        <p:tav tm="100000">
+                                          <p:val>
+                                            <p:strVal val="#ppt_y"/>
+                                          </p:val>
+                                        </p:tav>
+                                      </p:tavLst>
+                                    </p:anim>
+                                  </p:childTnLst>
+                                </p:cTn>
+                              </p:par>
+                            </p:childTnLst>
+                          </p:cTn>
+                        </p:par>
+                        <p:par>
+                          <p:cTn id="10" fill="hold">
+                            <p:stCondLst>
+                              <p:cond delay="1000"/>
+                            </p:stCondLst>
+                            <p:childTnLst>
+                              <p:par>
+                                <p:cTn id="11" presetID="2" presetClass="entr" presetSubtype="4" fill="hold" grpId="0" nodeType="afterEffect">
+                                  <p:stCondLst>
+                                    <p:cond delay="0"/>
+                                  </p:stCondLst>
+                                  <p:childTnLst>
+                                    <p:set>
+                                      <p:cBhvr>
+                                        <p:cTn id="12" dur="1" fill="hold">
+                                          <p:stCondLst>
+                                            <p:cond delay="0"/>
+                                          </p:stCondLst>
+                                        </p:cTn>
+                                        <p:tgtEl>
+                                          <p:spTgt spid="3">
+                                            <p:txEl>
+                                              <p:pRg st="0" end="0"/>
+                                            </p:txEl>
+                                          </p:spTgt>
+                                        </p:tgtEl>
+                                        <p:attrNameLst>
+                                          <p:attrName>style.visibility</p:attrName>
+                                        </p:attrNameLst>
+                                      </p:cBhvr>
+                                      <p:to>
+                                        <p:strVal val="visible"/>
+                                      </p:to>
+                                    </p:set>
+                                    <p:anim calcmode="lin" valueType="num">
+                                      <p:cBhvr additive="base">
+                                        <p:cTn id="13" dur="500" fill="hold"/>
+                                        <p:tgtEl>
+                                          <p:spTgt spid="3">
+                                            <p:txEl>
+                                              <p:pRg st="0" end="0"/>
+                                            </p:txEl>
+                                          </p:spTgt>
+                                        </p:tgtEl>
+                                        <p:attrNameLst>
+                                          <p:attrName>ppt_x</p:attrName>
+                                        </p:attrNameLst>
+                                      </p:cBhvr>
+                                      <p:tavLst>
+                                        <p:tav tm="0">
+                                          <p:val>
+                                            <p:strVal val="#ppt_x"/>
+                                          </p:val>
+                                        </p:tav>
+                                        <p:tav tm="100000">
+                                          <p:val>
+                                            <p:strVal val="#ppt_x"/>
+                                          </p:val>
+                                        </p:tav>
+                                      </p:tavLst>
+                                    </p:anim>
+                                    <p:anim calcmode="lin" valueType="num">
+                                      <p:cBhvr additive="base">
+                                        <p:cTn id="14" dur="500" fill="hold"/>
+                                        <p:tgtEl>
+                                          <p:spTgt spid="3">
+                                            <p:txEl>
+                                              <p:pRg st="0" end="0"/>
+                                            </p:txEl>
+                                          </p:spTgt>
+                                        </p:tgtEl>
+                                        <p:attrNameLst>
+                                          <p:attrName>ppt_y</p:attrName>
+                                        </p:attrNameLst>
+                                      </p:cBhvr>
+                                      <p:tavLst>
+                                        <p:tav tm="0">
+                                          <p:val>
+                                            <p:strVal val="1+#ppt_h/2"/>
+                                          </p:val>
+                                        </p:tav>
+                                        <p:tav tm="100000">
+                                          <p:val>
+                                            <p:strVal val="#ppt_y"/>
+                                          </p:val>
+                                        </p:tav>
+                                      </p:tavLst>
+                                    </p:anim>
+                                  </p:childTnLst>
+                                </p:cTn>
+                              </p:par>
+                            </p:childTnLst>
+                          </p:cTn>
+                        </p:par>
+                        <p:par>
+                          <p:cTn id="15" fill="hold">
+                            <p:stCondLst>
+                              <p:cond delay="1500"/>
+                            </p:stCondLst>
+                            <p:childTnLst>
+                              <p:par>
+                                <p:cTn id="16" presetID="2" presetClass="entr" presetSubtype="4" fill="hold" grpId="0" nodeType="afterEffect">
+                                  <p:stCondLst>
+                                    <p:cond delay="0"/>
+                                  </p:stCondLst>
+                                  <p:childTnLst>
+                                    <p:set>
+                                      <p:cBhvr>
+                                        <p:cTn id="17" dur="1" fill="hold">
+                                          <p:stCondLst>
+                                            <p:cond delay="0"/>
+                                          </p:stCondLst>
+                                        </p:cTn>
+                                        <p:tgtEl>
+                                          <p:spTgt spid="3">
+                                            <p:txEl>
+                                              <p:pRg st="1" end="1"/>
+                                            </p:txEl>
+                                          </p:spTgt>
+                                        </p:tgtEl>
+                                        <p:attrNameLst>
+                                          <p:attrName>style.visibility</p:attrName>
+                                        </p:attrNameLst>
+                                      </p:cBhvr>
+                                      <p:to>
+                                        <p:strVal val="visible"/>
+                                      </p:to>
+                                    </p:set>
+                                    <p:anim calcmode="lin" valueType="num">
+                                      <p:cBhvr additive="base">
+                                        <p:cTn id="18" dur="500" fill="hold"/>
+                                        <p:tgtEl>
+                                          <p:spTgt spid="3">
+                                            <p:txEl>
+                                              <p:pRg st="1" end="1"/>
+                                            </p:txEl>
+                                          </p:spTgt>
+                                        </p:tgtEl>
+                                        <p:attrNameLst>
+                                          <p:attrName>ppt_x</p:attrName>
+                                        </p:attrNameLst>
+                                      </p:cBhvr>
+                                      <p:tavLst>
+                                        <p:tav tm="0">
+                                          <p:val>
+                                            <p:strVal val="#ppt_x"/>
+                                          </p:val>
+                                        </p:tav>
+                                        <p:tav tm="100000">
+                                          <p:val>
+                                            <p:strVal val="#ppt_x"/>
+                                          </p:val>
+                                        </p:tav>
+                                      </p:tavLst>
+                                    </p:anim>
+                                    <p:anim calcmode="lin" valueType="num">
+                                      <p:cBhvr additive="base">
+                                        <p:cTn id="19" dur="500" fill="hold"/>
+                                        <p:tgtEl>
+                                          <p:spTgt spid="3">
+                                            <p:txEl>
+                                              <p:pRg st="1" end="1"/>
+                                            </p:txEl>
+                                          </p:spTgt>
+                                        </p:tgtEl>
+                                        <p:attrNameLst>
+                                          <p:attrName>ppt_y</p:attrName>
+                                        </p:attrNameLst>
+                                      </p:cBhvr>
+                                      <p:tavLst>
+                                        <p:tav tm="0">
+                                          <p:val>
+                                            <p:strVal val="1+#ppt_h/2"/>
+                                          </p:val>
+                                        </p:tav>
+                                        <p:tav tm="100000">
+                                          <p:val>
+                                            <p:strVal val="#ppt_y"/>
+                                          </p:val>
+                                        </p:tav>
+                                      </p:tavLst>
+                                    </p:anim>
+                                  </p:childTnLst>
+                                </p:cTn>
+                              </p:par>
+                            </p:childTnLst>
+                          </p:cTn>
+                        </p:par>
+                        <p:par>
+                          <p:cTn id="20" fill="hold">
+                            <p:stCondLst>
+                              <p:cond delay="2000"/>
+                            </p:stCondLst>
+                            <p:childTnLst>
+                              <p:par>
+                                <p:cTn id="21" presetID="2" presetClass="entr" presetSubtype="4" fill="hold" grpId="0" nodeType="afterEffect">
+                                  <p:stCondLst>
+                                    <p:cond delay="0"/>
+                                  </p:stCondLst>
+                                  <p:childTnLst>
+                                    <p:set>
+                                      <p:cBhvr>
+                                        <p:cTn id="22" dur="1" fill="hold">
+                                          <p:stCondLst>
+                                            <p:cond delay="0"/>
+                                          </p:stCondLst>
+                                        </p:cTn>
+                                        <p:tgtEl>
+                                          <p:spTgt spid="3">
+                                            <p:txEl>
+                                              <p:pRg st="2" end="2"/>
+                                            </p:txEl>
+                                          </p:spTgt>
+                                        </p:tgtEl>
+                                        <p:attrNameLst>
+                                          <p:attrName>style.visibility</p:attrName>
+                                        </p:attrNameLst>
+                                      </p:cBhvr>
+                                      <p:to>
+                                        <p:strVal val="visible"/>
+                                      </p:to>
+                                    </p:set>
+                                    <p:anim calcmode="lin" valueType="num">
+                                      <p:cBhvr additive="base">
+                                        <p:cTn id="23" dur="500" fill="hold"/>
+                                        <p:tgtEl>
+                                          <p:spTgt spid="3">
+                                            <p:txEl>
+                                              <p:pRg st="2" end="2"/>
+                                            </p:txEl>
+                                          </p:spTgt>
+                                        </p:tgtEl>
+                                        <p:attrNameLst>
+                                          <p:attrName>ppt_x</p:attrName>
+                                        </p:attrNameLst>
+                                      </p:cBhvr>
+                                      <p:tavLst>
+                                        <p:tav tm="0">
+                                          <p:val>
+                                            <p:strVal val="#ppt_x"/>
+                                          </p:val>
+                                        </p:tav>
+                                        <p:tav tm="100000">
+                                          <p:val>
+                                            <p:strVal val="#ppt_x"/>
+                                          </p:val>
+                                        </p:tav>
+                                      </p:tavLst>
+                                    </p:anim>
+                                    <p:anim calcmode="lin" valueType="num">
+                                      <p:cBhvr additive="base">
+                                        <p:cTn id="24" dur="500" fill="hold"/>
+                                        <p:tgtEl>
+                                          <p:spTgt spid="3">
+                                            <p:txEl>
+                                              <p:pRg st="2" end="2"/>
+                                            </p:txEl>
+                                          </p:spTgt>
+                                        </p:tgtEl>
+                                        <p:attrNameLst>
+                                          <p:attrName>ppt_y</p:attrName>
+                                        </p:attrNameLst>
+                                      </p:cBhvr>
+                                      <p:tavLst>
+                                        <p:tav tm="0">
+                                          <p:val>
+                                            <p:strVal val="1+#ppt_h/2"/>
+                                          </p:val>
+                                        </p:tav>
+                                        <p:tav tm="100000">
+                                          <p:val>
+                                            <p:strVal val="#ppt_y"/>
+                                          </p:val>
+                                        </p:tav>
+                                      </p:tavLst>
+                                    </p:anim>
+                                  </p:childTnLst>
+                                </p:cTn>
+                              </p:par>
+                            </p:childTnLst>
+                          </p:cTn>
+                        </p:par>
+                        <p:par>
+                          <p:cTn id="25" fill="hold">
+                            <p:stCondLst>
+                              <p:cond delay="2500"/>
+                            </p:stCondLst>
+                            <p:childTnLst>
+                              <p:par>
+                                <p:cTn id="26" presetID="2" presetClass="entr" presetSubtype="4" fill="hold" grpId="0" nodeType="afterEffect">
+                                  <p:stCondLst>
+                                    <p:cond delay="0"/>
+                                  </p:stCondLst>
+                                  <p:childTnLst>
+                                    <p:set>
+                                      <p:cBhvr>
+                                        <p:cTn id="27" dur="1" fill="hold">
+                                          <p:stCondLst>
+                                            <p:cond delay="0"/>
+                                          </p:stCondLst>
+                                        </p:cTn>
+                                        <p:tgtEl>
+                                          <p:spTgt spid="3">
+                                            <p:txEl>
+                                              <p:pRg st="3" end="3"/>
+                                            </p:txEl>
+                                          </p:spTgt>
+                                        </p:tgtEl>
+                                        <p:attrNameLst>
+                                          <p:attrName>style.visibility</p:attrName>
+                                        </p:attrNameLst>
+                                      </p:cBhvr>
+                                      <p:to>
+                                        <p:strVal val="visible"/>
+                                      </p:to>
+                                    </p:set>
+                                    <p:anim calcmode="lin" valueType="num">
+                                      <p:cBhvr additive="base">
+                                        <p:cTn id="28" dur="500" fill="hold"/>
+                                        <p:tgtEl>
+                                          <p:spTgt spid="3">
+                                            <p:txEl>
+                                              <p:pRg st="3" end="3"/>
+                                            </p:txEl>
+                                          </p:spTgt>
+                                        </p:tgtEl>
+                                        <p:attrNameLst>
+                                          <p:attrName>ppt_x</p:attrName>
+                                        </p:attrNameLst>
+                                      </p:cBhvr>
+                                      <p:tavLst>
+                                        <p:tav tm="0">
+                                          <p:val>
+                                            <p:strVal val="#ppt_x"/>
+                                          </p:val>
+                                        </p:tav>
+                                        <p:tav tm="100000">
+                                          <p:val>
+                                            <p:strVal val="#ppt_x"/>
+                                          </p:val>
+                                        </p:tav>
+                                      </p:tavLst>
+                                    </p:anim>
+                                    <p:anim calcmode="lin" valueType="num">
+                                      <p:cBhvr additive="base">
+                                        <p:cTn id="29" dur="500" fill="hold"/>
+                                        <p:tgtEl>
+                                          <p:spTgt spid="3">
+                                            <p:txEl>
+                                              <p:pRg st="3" end="3"/>
+                                            </p:txEl>
+                                          </p:spTgt>
+                                        </p:tgtEl>
+                                        <p:attrNameLst>
+                                          <p:attrName>ppt_y</p:attrName>
+                                        </p:attrNameLst>
+                                      </p:cBhvr>
+                                      <p:tavLst>
+                                        <p:tav tm="0">
+                                          <p:val>
+                                            <p:strVal val="1+#ppt_h/2"/>
+                                          </p:val>
+                                        </p:tav>
+                                        <p:tav tm="100000">
+                                          <p:val>
+                                            <p:strVal val="#ppt_y"/>
+                                          </p:val>
+                                        </p:tav>
+                                      </p:tavLst>
+                                    </p:anim>
+                                  </p:childTnLst>
+                                </p:cTn>
+                              </p:par>
+                            </p:childTnLst>
+                          </p:cTn>
+                        </p:par>
+                        <p:par>
+                          <p:cTn id="30" fill="hold">
+                            <p:stCondLst>
+                              <p:cond delay="3000"/>
+                            </p:stCondLst>
+                            <p:childTnLst>
+                              <p:par>
+                                <p:cTn id="31" presetID="2" presetClass="entr" presetSubtype="4" fill="hold" grpId="0" nodeType="afterEffect">
+                                  <p:stCondLst>
+                                    <p:cond delay="0"/>
+                                  </p:stCondLst>
+                                  <p:childTnLst>
+                                    <p:set>
+                                      <p:cBhvr>
+                                        <p:cTn id="32" dur="1" fill="hold">
+                                          <p:stCondLst>
+                                            <p:cond delay="0"/>
+                                          </p:stCondLst>
+                                        </p:cTn>
+                                        <p:tgtEl>
+                                          <p:spTgt spid="3">
+                                            <p:txEl>
+                                              <p:pRg st="4" end="4"/>
+                                            </p:txEl>
+                                          </p:spTgt>
+                                        </p:tgtEl>
+                                        <p:attrNameLst>
+                                          <p:attrName>style.visibility</p:attrName>
+                                        </p:attrNameLst>
+                                      </p:cBhvr>
+                                      <p:to>
+                                        <p:strVal val="visible"/>
+                                      </p:to>
+                                    </p:set>
+                                    <p:anim calcmode="lin" valueType="num">
+                                      <p:cBhvr additive="base">
+                                        <p:cTn id="33" dur="500" fill="hold"/>
+                                        <p:tgtEl>
+                                          <p:spTgt spid="3">
+                                            <p:txEl>
+                                              <p:pRg st="4" end="4"/>
+                                            </p:txEl>
+                                          </p:spTgt>
+                                        </p:tgtEl>
+                                        <p:attrNameLst>
+                                          <p:attrName>ppt_x</p:attrName>
+                                        </p:attrNameLst>
+                                      </p:cBhvr>
+                                      <p:tavLst>
+                                        <p:tav tm="0">
+                                          <p:val>
+                                            <p:strVal val="#ppt_x"/>
+                                          </p:val>
+                                        </p:tav>
+                                        <p:tav tm="100000">
+                                          <p:val>
+                                            <p:strVal val="#ppt_x"/>
+                                          </p:val>
+                                        </p:tav>
+                                      </p:tavLst>
+                                    </p:anim>
+                                    <p:anim calcmode="lin" valueType="num">
+                                      <p:cBhvr additive="base">
+                                        <p:cTn id="34" dur="500" fill="hold"/>
+                                        <p:tgtEl>
+                                          <p:spTgt spid="3">
+                                            <p:txEl>
+                                              <p:pRg st="4" end="4"/>
+                                            </p:txEl>
+                                          </p:spTgt>
+                                        </p:tgtEl>
+                                        <p:attrNameLst>
+                                          <p:attrName>ppt_y</p:attrName>
+                                        </p:attrNameLst>
+                                      </p:cBhvr>
+                                      <p:tavLst>
+                                        <p:tav tm="0">
+                                          <p:val>
+                                            <p:strVal val="1+#ppt_h/2"/>
+                                          </p:val>
+                                        </p:tav>
+                                        <p:tav tm="100000">
+                                          <p:val>
+                                            <p:strVal val="#ppt_y"/>
+                                          </p:val>
+                                        </p:tav>
+                                      </p:tavLst>
+                                    </p:anim>
+                                  </p:childTnLst>
+                                </p:cTn>
+                              </p:par>
+                            </p:childTnLst>
+                          </p:cTn>
+                        </p:par>
+                      </p:childTnLst>
+                    </p:cTn>
+                  </p:par>
+                </p:childTnLst>
+              </p:cTn>
+              <p:prevCondLst>
+                <p:cond evt="onPrev" delay="0">
+                  <p:tgtEl>
+                    <p:sldTgt/>
+                  </p:tgtEl>
+                </p:cond>
+              </p:prevCondLst>
+              <p:nextCondLst>
+                <p:cond evt="onNext" delay="0">
+                  <p:tgtEl>
+                    <p:sldTgt/>
+                  </p:tgtEl>
+                </p:cond>
+              </p:nextCondLst>
+            </p:seq>
+          </p:childTnLst>
+        </p:cTn>
+      </p:par>
+    </p:tnLst>
+    <p:bldLst>
+      <p:bldP spid="2" grpId="0"/>
+      <p:bldP spid="3" grpId="0" build="p"/>
+    </p:bldLst>
+  </p:timing>
 </p:sld>
 </file>
 
@@ -11445,6 +14162,151 @@
   <p:clrMapOvr>
     <a:masterClrMapping/>
   </p:clrMapOvr>
+  <mc:AlternateContent xmlns:mc="http://schemas.openxmlformats.org/markup-compatibility/2006" xmlns:p14="http://schemas.microsoft.com/office/powerpoint/2010/main">
+    <mc:Choice Requires="p14">
+      <p:transition spd="med" p14:dur="700">
+        <p:fade/>
+      </p:transition>
+    </mc:Choice>
+    <mc:Fallback xmlns="">
+      <p:transition spd="med">
+        <p:fade/>
+      </p:transition>
+    </mc:Fallback>
+  </mc:AlternateContent>
+  <p:timing>
+    <p:tnLst>
+      <p:par>
+        <p:cTn id="1" dur="indefinite" restart="never" nodeType="tmRoot">
+          <p:childTnLst>
+            <p:seq concurrent="1" nextAc="seek">
+              <p:cTn id="2" dur="indefinite" nodeType="mainSeq">
+                <p:childTnLst>
+                  <p:par>
+                    <p:cTn id="3" fill="hold">
+                      <p:stCondLst>
+                        <p:cond delay="indefinite"/>
+                        <p:cond evt="onBegin" delay="0">
+                          <p:tn val="2"/>
+                        </p:cond>
+                      </p:stCondLst>
+                      <p:childTnLst>
+                        <p:par>
+                          <p:cTn id="4" fill="hold">
+                            <p:stCondLst>
+                              <p:cond delay="0"/>
+                            </p:stCondLst>
+                            <p:childTnLst>
+                              <p:par>
+                                <p:cTn id="5" presetID="16" presetClass="entr" presetSubtype="21" fill="hold" grpId="0" nodeType="afterEffect">
+                                  <p:stCondLst>
+                                    <p:cond delay="0"/>
+                                  </p:stCondLst>
+                                  <p:childTnLst>
+                                    <p:set>
+                                      <p:cBhvr>
+                                        <p:cTn id="6" dur="1" fill="hold">
+                                          <p:stCondLst>
+                                            <p:cond delay="0"/>
+                                          </p:stCondLst>
+                                        </p:cTn>
+                                        <p:tgtEl>
+                                          <p:spTgt spid="2"/>
+                                        </p:tgtEl>
+                                        <p:attrNameLst>
+                                          <p:attrName>style.visibility</p:attrName>
+                                        </p:attrNameLst>
+                                      </p:cBhvr>
+                                      <p:to>
+                                        <p:strVal val="visible"/>
+                                      </p:to>
+                                    </p:set>
+                                    <p:animEffect transition="in" filter="barn(inVertical)">
+                                      <p:cBhvr>
+                                        <p:cTn id="7" dur="500"/>
+                                        <p:tgtEl>
+                                          <p:spTgt spid="2"/>
+                                        </p:tgtEl>
+                                      </p:cBhvr>
+                                    </p:animEffect>
+                                  </p:childTnLst>
+                                </p:cTn>
+                              </p:par>
+                            </p:childTnLst>
+                          </p:cTn>
+                        </p:par>
+                        <p:par>
+                          <p:cTn id="8" fill="hold">
+                            <p:stCondLst>
+                              <p:cond delay="500"/>
+                            </p:stCondLst>
+                            <p:childTnLst>
+                              <p:par>
+                                <p:cTn id="9" presetID="16" presetClass="entr" presetSubtype="21" fill="hold" nodeType="afterEffect">
+                                  <p:stCondLst>
+                                    <p:cond delay="0"/>
+                                  </p:stCondLst>
+                                  <p:childTnLst>
+                                    <p:set>
+                                      <p:cBhvr>
+                                        <p:cTn id="10" dur="1" fill="hold">
+                                          <p:stCondLst>
+                                            <p:cond delay="0"/>
+                                          </p:stCondLst>
+                                        </p:cTn>
+                                        <p:tgtEl>
+                                          <p:spTgt spid="3"/>
+                                        </p:tgtEl>
+                                        <p:attrNameLst>
+                                          <p:attrName>style.visibility</p:attrName>
+                                        </p:attrNameLst>
+                                      </p:cBhvr>
+                                      <p:to>
+                                        <p:strVal val="visible"/>
+                                      </p:to>
+                                    </p:set>
+                                    <p:animEffect transition="in" filter="barn(inVertical)">
+                                      <p:cBhvr>
+                                        <p:cTn id="11" dur="500"/>
+                                        <p:tgtEl>
+                                          <p:spTgt spid="3"/>
+                                        </p:tgtEl>
+                                      </p:cBhvr>
+                                    </p:animEffect>
+                                  </p:childTnLst>
+                                </p:cTn>
+                              </p:par>
+                            </p:childTnLst>
+                          </p:cTn>
+                        </p:par>
+                      </p:childTnLst>
+                    </p:cTn>
+                  </p:par>
+                </p:childTnLst>
+              </p:cTn>
+              <p:prevCondLst>
+                <p:cond evt="onPrev" delay="0">
+                  <p:tgtEl>
+                    <p:sldTgt/>
+                  </p:tgtEl>
+                </p:cond>
+              </p:prevCondLst>
+              <p:nextCondLst>
+                <p:cond evt="onNext" delay="0">
+                  <p:tgtEl>
+                    <p:sldTgt/>
+                  </p:tgtEl>
+                </p:cond>
+              </p:nextCondLst>
+            </p:seq>
+          </p:childTnLst>
+        </p:cTn>
+      </p:par>
+    </p:tnLst>
+    <p:bldLst>
+      <p:bldP spid="2" grpId="0"/>
+    </p:bldLst>
+  </p:timing>
 </p:sld>
 </file>
 
@@ -11519,8 +14381,8 @@
         </p:blipFill>
         <p:spPr>
           <a:xfrm>
-            <a:off x="1097578" y="3834921"/>
-            <a:ext cx="10427013" cy="1803790"/>
+            <a:off x="2148186" y="3428999"/>
+            <a:ext cx="9076329" cy="1600201"/>
           </a:xfrm>
           <a:prstGeom prst="rect">
             <a:avLst/>
@@ -11584,6 +14446,311 @@
   <p:clrMapOvr>
     <a:masterClrMapping/>
   </p:clrMapOvr>
+  <mc:AlternateContent xmlns:mc="http://schemas.openxmlformats.org/markup-compatibility/2006" xmlns:p14="http://schemas.microsoft.com/office/powerpoint/2010/main">
+    <mc:Choice Requires="p14">
+      <p:transition spd="med" p14:dur="700">
+        <p:fade/>
+      </p:transition>
+    </mc:Choice>
+    <mc:Fallback xmlns="">
+      <p:transition spd="med">
+        <p:fade/>
+      </p:transition>
+    </mc:Fallback>
+  </mc:AlternateContent>
+  <p:timing>
+    <p:tnLst>
+      <p:par>
+        <p:cTn id="1" dur="indefinite" restart="never" nodeType="tmRoot">
+          <p:childTnLst>
+            <p:seq concurrent="1" nextAc="seek">
+              <p:cTn id="2" dur="indefinite" nodeType="mainSeq">
+                <p:childTnLst>
+                  <p:par>
+                    <p:cTn id="3" fill="hold">
+                      <p:stCondLst>
+                        <p:cond delay="indefinite"/>
+                        <p:cond evt="onBegin" delay="0">
+                          <p:tn val="2"/>
+                        </p:cond>
+                      </p:stCondLst>
+                      <p:childTnLst>
+                        <p:par>
+                          <p:cTn id="4" fill="hold">
+                            <p:stCondLst>
+                              <p:cond delay="0"/>
+                            </p:stCondLst>
+                            <p:childTnLst>
+                              <p:par>
+                                <p:cTn id="5" presetID="42" presetClass="entr" presetSubtype="0" fill="hold" grpId="0" nodeType="afterEffect">
+                                  <p:stCondLst>
+                                    <p:cond delay="0"/>
+                                  </p:stCondLst>
+                                  <p:childTnLst>
+                                    <p:set>
+                                      <p:cBhvr>
+                                        <p:cTn id="6" dur="1" fill="hold">
+                                          <p:stCondLst>
+                                            <p:cond delay="0"/>
+                                          </p:stCondLst>
+                                        </p:cTn>
+                                        <p:tgtEl>
+                                          <p:spTgt spid="2"/>
+                                        </p:tgtEl>
+                                        <p:attrNameLst>
+                                          <p:attrName>style.visibility</p:attrName>
+                                        </p:attrNameLst>
+                                      </p:cBhvr>
+                                      <p:to>
+                                        <p:strVal val="visible"/>
+                                      </p:to>
+                                    </p:set>
+                                    <p:animEffect transition="in" filter="fade">
+                                      <p:cBhvr>
+                                        <p:cTn id="7" dur="1000"/>
+                                        <p:tgtEl>
+                                          <p:spTgt spid="2"/>
+                                        </p:tgtEl>
+                                      </p:cBhvr>
+                                    </p:animEffect>
+                                    <p:anim calcmode="lin" valueType="num">
+                                      <p:cBhvr>
+                                        <p:cTn id="8" dur="1000" fill="hold"/>
+                                        <p:tgtEl>
+                                          <p:spTgt spid="2"/>
+                                        </p:tgtEl>
+                                        <p:attrNameLst>
+                                          <p:attrName>ppt_x</p:attrName>
+                                        </p:attrNameLst>
+                                      </p:cBhvr>
+                                      <p:tavLst>
+                                        <p:tav tm="0">
+                                          <p:val>
+                                            <p:strVal val="#ppt_x"/>
+                                          </p:val>
+                                        </p:tav>
+                                        <p:tav tm="100000">
+                                          <p:val>
+                                            <p:strVal val="#ppt_x"/>
+                                          </p:val>
+                                        </p:tav>
+                                      </p:tavLst>
+                                    </p:anim>
+                                    <p:anim calcmode="lin" valueType="num">
+                                      <p:cBhvr>
+                                        <p:cTn id="9" dur="1000" fill="hold"/>
+                                        <p:tgtEl>
+                                          <p:spTgt spid="2"/>
+                                        </p:tgtEl>
+                                        <p:attrNameLst>
+                                          <p:attrName>ppt_y</p:attrName>
+                                        </p:attrNameLst>
+                                      </p:cBhvr>
+                                      <p:tavLst>
+                                        <p:tav tm="0">
+                                          <p:val>
+                                            <p:strVal val="#ppt_y+.1"/>
+                                          </p:val>
+                                        </p:tav>
+                                        <p:tav tm="100000">
+                                          <p:val>
+                                            <p:strVal val="#ppt_y"/>
+                                          </p:val>
+                                        </p:tav>
+                                      </p:tavLst>
+                                    </p:anim>
+                                  </p:childTnLst>
+                                </p:cTn>
+                              </p:par>
+                            </p:childTnLst>
+                          </p:cTn>
+                        </p:par>
+                        <p:par>
+                          <p:cTn id="10" fill="hold">
+                            <p:stCondLst>
+                              <p:cond delay="1000"/>
+                            </p:stCondLst>
+                            <p:childTnLst>
+                              <p:par>
+                                <p:cTn id="11" presetID="31" presetClass="entr" presetSubtype="0" fill="hold" grpId="0" nodeType="afterEffect">
+                                  <p:stCondLst>
+                                    <p:cond delay="0"/>
+                                  </p:stCondLst>
+                                  <p:childTnLst>
+                                    <p:set>
+                                      <p:cBhvr>
+                                        <p:cTn id="12" dur="1" fill="hold">
+                                          <p:stCondLst>
+                                            <p:cond delay="0"/>
+                                          </p:stCondLst>
+                                        </p:cTn>
+                                        <p:tgtEl>
+                                          <p:spTgt spid="6"/>
+                                        </p:tgtEl>
+                                        <p:attrNameLst>
+                                          <p:attrName>style.visibility</p:attrName>
+                                        </p:attrNameLst>
+                                      </p:cBhvr>
+                                      <p:to>
+                                        <p:strVal val="visible"/>
+                                      </p:to>
+                                    </p:set>
+                                    <p:anim calcmode="lin" valueType="num">
+                                      <p:cBhvr>
+                                        <p:cTn id="13" dur="1000" fill="hold"/>
+                                        <p:tgtEl>
+                                          <p:spTgt spid="6"/>
+                                        </p:tgtEl>
+                                        <p:attrNameLst>
+                                          <p:attrName>ppt_w</p:attrName>
+                                        </p:attrNameLst>
+                                      </p:cBhvr>
+                                      <p:tavLst>
+                                        <p:tav tm="0">
+                                          <p:val>
+                                            <p:fltVal val="0"/>
+                                          </p:val>
+                                        </p:tav>
+                                        <p:tav tm="100000">
+                                          <p:val>
+                                            <p:strVal val="#ppt_w"/>
+                                          </p:val>
+                                        </p:tav>
+                                      </p:tavLst>
+                                    </p:anim>
+                                    <p:anim calcmode="lin" valueType="num">
+                                      <p:cBhvr>
+                                        <p:cTn id="14" dur="1000" fill="hold"/>
+                                        <p:tgtEl>
+                                          <p:spTgt spid="6"/>
+                                        </p:tgtEl>
+                                        <p:attrNameLst>
+                                          <p:attrName>ppt_h</p:attrName>
+                                        </p:attrNameLst>
+                                      </p:cBhvr>
+                                      <p:tavLst>
+                                        <p:tav tm="0">
+                                          <p:val>
+                                            <p:fltVal val="0"/>
+                                          </p:val>
+                                        </p:tav>
+                                        <p:tav tm="100000">
+                                          <p:val>
+                                            <p:strVal val="#ppt_h"/>
+                                          </p:val>
+                                        </p:tav>
+                                      </p:tavLst>
+                                    </p:anim>
+                                    <p:anim calcmode="lin" valueType="num">
+                                      <p:cBhvr>
+                                        <p:cTn id="15" dur="1000" fill="hold"/>
+                                        <p:tgtEl>
+                                          <p:spTgt spid="6"/>
+                                        </p:tgtEl>
+                                        <p:attrNameLst>
+                                          <p:attrName>style.rotation</p:attrName>
+                                        </p:attrNameLst>
+                                      </p:cBhvr>
+                                      <p:tavLst>
+                                        <p:tav tm="0">
+                                          <p:val>
+                                            <p:fltVal val="90"/>
+                                          </p:val>
+                                        </p:tav>
+                                        <p:tav tm="100000">
+                                          <p:val>
+                                            <p:fltVal val="0"/>
+                                          </p:val>
+                                        </p:tav>
+                                      </p:tavLst>
+                                    </p:anim>
+                                    <p:animEffect transition="in" filter="fade">
+                                      <p:cBhvr>
+                                        <p:cTn id="16" dur="1000"/>
+                                        <p:tgtEl>
+                                          <p:spTgt spid="6"/>
+                                        </p:tgtEl>
+                                      </p:cBhvr>
+                                    </p:animEffect>
+                                  </p:childTnLst>
+                                </p:cTn>
+                              </p:par>
+                            </p:childTnLst>
+                          </p:cTn>
+                        </p:par>
+                        <p:par>
+                          <p:cTn id="17" fill="hold">
+                            <p:stCondLst>
+                              <p:cond delay="2000"/>
+                            </p:stCondLst>
+                            <p:childTnLst>
+                              <p:par>
+                                <p:cTn id="18" presetID="22" presetClass="entr" presetSubtype="4" fill="hold" nodeType="afterEffect">
+                                  <p:stCondLst>
+                                    <p:cond delay="0"/>
+                                  </p:stCondLst>
+                                  <p:childTnLst>
+                                    <p:set>
+                                      <p:cBhvr>
+                                        <p:cTn id="19" dur="1" fill="hold">
+                                          <p:stCondLst>
+                                            <p:cond delay="0"/>
+                                          </p:stCondLst>
+                                        </p:cTn>
+                                        <p:tgtEl>
+                                          <p:spTgt spid="5"/>
+                                        </p:tgtEl>
+                                        <p:attrNameLst>
+                                          <p:attrName>style.visibility</p:attrName>
+                                        </p:attrNameLst>
+                                      </p:cBhvr>
+                                      <p:to>
+                                        <p:strVal val="visible"/>
+                                      </p:to>
+                                    </p:set>
+                                    <p:animEffect transition="in" filter="wipe(down)">
+                                      <p:cBhvr>
+                                        <p:cTn id="20" dur="500"/>
+                                        <p:tgtEl>
+                                          <p:spTgt spid="5"/>
+                                        </p:tgtEl>
+                                      </p:cBhvr>
+                                    </p:animEffect>
+                                  </p:childTnLst>
+                                </p:cTn>
+                              </p:par>
+                            </p:childTnLst>
+                          </p:cTn>
+                        </p:par>
+                      </p:childTnLst>
+                    </p:cTn>
+                  </p:par>
+                </p:childTnLst>
+              </p:cTn>
+              <p:prevCondLst>
+                <p:cond evt="onPrev" delay="0">
+                  <p:tgtEl>
+                    <p:sldTgt/>
+                  </p:tgtEl>
+                </p:cond>
+              </p:prevCondLst>
+              <p:nextCondLst>
+                <p:cond evt="onNext" delay="0">
+                  <p:tgtEl>
+                    <p:sldTgt/>
+                  </p:tgtEl>
+                </p:cond>
+              </p:nextCondLst>
+            </p:seq>
+          </p:childTnLst>
+        </p:cTn>
+      </p:par>
+    </p:tnLst>
+    <p:bldLst>
+      <p:bldP spid="2" grpId="0"/>
+      <p:bldP spid="6" grpId="0"/>
+    </p:bldLst>
+  </p:timing>
 </p:sld>
 </file>
 
@@ -11701,17 +14868,17 @@
             </a:r>
             <a:r>
               <a:rPr lang="zh-TW" altLang="en-US" sz="2000" dirty="0"/>
-              <a:t>畫布畫出該函數的圖形</a:t>
+              <a:t>畫布畫出該函數的圖形並顯示該圖形的數學方程式</a:t>
             </a:r>
           </a:p>
         </p:txBody>
       </p:sp>
       <p:pic>
         <p:nvPicPr>
-          <p:cNvPr id="8" name="圖片 7">
+          <p:cNvPr id="4" name="圖片 3">
             <a:extLst>
               <a:ext uri="{FF2B5EF4-FFF2-40B4-BE49-F238E27FC236}">
-                <a16:creationId xmlns:a16="http://schemas.microsoft.com/office/drawing/2014/main" id="{14CA4B75-CEFB-3F72-A30C-F37C6F431DB3}"/>
+                <a16:creationId xmlns:a16="http://schemas.microsoft.com/office/drawing/2014/main" id="{9F614038-EE70-C574-BE07-6061ADE34172}"/>
               </a:ext>
             </a:extLst>
           </p:cNvPr>
@@ -11728,8 +14895,8 @@
         </p:blipFill>
         <p:spPr>
           <a:xfrm>
-            <a:off x="2094964" y="3547375"/>
-            <a:ext cx="9129551" cy="2751058"/>
+            <a:off x="2155867" y="3525692"/>
+            <a:ext cx="9060965" cy="2926334"/>
           </a:xfrm>
           <a:prstGeom prst="rect">
             <a:avLst/>
@@ -11746,6 +14913,196 @@
   <p:clrMapOvr>
     <a:masterClrMapping/>
   </p:clrMapOvr>
+  <mc:AlternateContent xmlns:mc="http://schemas.openxmlformats.org/markup-compatibility/2006" xmlns:p14="http://schemas.microsoft.com/office/powerpoint/2010/main">
+    <mc:Choice Requires="p14">
+      <p:transition spd="med" p14:dur="700">
+        <p:fade/>
+      </p:transition>
+    </mc:Choice>
+    <mc:Fallback xmlns="">
+      <p:transition spd="med">
+        <p:fade/>
+      </p:transition>
+    </mc:Fallback>
+  </mc:AlternateContent>
+  <p:timing>
+    <p:tnLst>
+      <p:par>
+        <p:cTn id="1" dur="indefinite" restart="never" nodeType="tmRoot">
+          <p:childTnLst>
+            <p:seq concurrent="1" nextAc="seek">
+              <p:cTn id="2" dur="indefinite" nodeType="mainSeq">
+                <p:childTnLst>
+                  <p:par>
+                    <p:cTn id="3" fill="hold">
+                      <p:stCondLst>
+                        <p:cond delay="indefinite"/>
+                        <p:cond evt="onBegin" delay="0">
+                          <p:tn val="2"/>
+                        </p:cond>
+                      </p:stCondLst>
+                      <p:childTnLst>
+                        <p:par>
+                          <p:cTn id="4" fill="hold">
+                            <p:stCondLst>
+                              <p:cond delay="0"/>
+                            </p:stCondLst>
+                            <p:childTnLst>
+                              <p:par>
+                                <p:cTn id="5" presetID="21" presetClass="entr" presetSubtype="1" fill="hold" grpId="0" nodeType="afterEffect">
+                                  <p:stCondLst>
+                                    <p:cond delay="0"/>
+                                  </p:stCondLst>
+                                  <p:childTnLst>
+                                    <p:set>
+                                      <p:cBhvr>
+                                        <p:cTn id="6" dur="1" fill="hold">
+                                          <p:stCondLst>
+                                            <p:cond delay="0"/>
+                                          </p:stCondLst>
+                                        </p:cTn>
+                                        <p:tgtEl>
+                                          <p:spTgt spid="2"/>
+                                        </p:tgtEl>
+                                        <p:attrNameLst>
+                                          <p:attrName>style.visibility</p:attrName>
+                                        </p:attrNameLst>
+                                      </p:cBhvr>
+                                      <p:to>
+                                        <p:strVal val="visible"/>
+                                      </p:to>
+                                    </p:set>
+                                    <p:animEffect transition="in" filter="wheel(1)">
+                                      <p:cBhvr>
+                                        <p:cTn id="7" dur="2000"/>
+                                        <p:tgtEl>
+                                          <p:spTgt spid="2"/>
+                                        </p:tgtEl>
+                                      </p:cBhvr>
+                                    </p:animEffect>
+                                  </p:childTnLst>
+                                </p:cTn>
+                              </p:par>
+                            </p:childTnLst>
+                          </p:cTn>
+                        </p:par>
+                        <p:par>
+                          <p:cTn id="8" fill="hold">
+                            <p:stCondLst>
+                              <p:cond delay="2000"/>
+                            </p:stCondLst>
+                            <p:childTnLst>
+                              <p:par>
+                                <p:cTn id="9" presetID="22" presetClass="entr" presetSubtype="4" fill="hold" grpId="0" nodeType="afterEffect">
+                                  <p:stCondLst>
+                                    <p:cond delay="0"/>
+                                  </p:stCondLst>
+                                  <p:childTnLst>
+                                    <p:set>
+                                      <p:cBhvr>
+                                        <p:cTn id="10" dur="1" fill="hold">
+                                          <p:stCondLst>
+                                            <p:cond delay="0"/>
+                                          </p:stCondLst>
+                                        </p:cTn>
+                                        <p:tgtEl>
+                                          <p:spTgt spid="6"/>
+                                        </p:tgtEl>
+                                        <p:attrNameLst>
+                                          <p:attrName>style.visibility</p:attrName>
+                                        </p:attrNameLst>
+                                      </p:cBhvr>
+                                      <p:to>
+                                        <p:strVal val="visible"/>
+                                      </p:to>
+                                    </p:set>
+                                    <p:animEffect transition="in" filter="wipe(down)">
+                                      <p:cBhvr>
+                                        <p:cTn id="11" dur="500"/>
+                                        <p:tgtEl>
+                                          <p:spTgt spid="6"/>
+                                        </p:tgtEl>
+                                      </p:cBhvr>
+                                    </p:animEffect>
+                                  </p:childTnLst>
+                                </p:cTn>
+                              </p:par>
+                            </p:childTnLst>
+                          </p:cTn>
+                        </p:par>
+                        <p:par>
+                          <p:cTn id="12" fill="hold">
+                            <p:stCondLst>
+                              <p:cond delay="2500"/>
+                            </p:stCondLst>
+                            <p:childTnLst>
+                              <p:par>
+                                <p:cTn id="13" presetID="22" presetClass="entr" presetSubtype="4" fill="hold" nodeType="afterEffect">
+                                  <p:stCondLst>
+                                    <p:cond delay="0"/>
+                                  </p:stCondLst>
+                                  <p:childTnLst>
+                                    <p:set>
+                                      <p:cBhvr>
+                                        <p:cTn id="14" dur="1" fill="hold">
+                                          <p:stCondLst>
+                                            <p:cond delay="0"/>
+                                          </p:stCondLst>
+                                        </p:cTn>
+                                        <p:tgtEl>
+                                          <p:spTgt spid="4"/>
+                                        </p:tgtEl>
+                                        <p:attrNameLst>
+                                          <p:attrName>style.visibility</p:attrName>
+                                        </p:attrNameLst>
+                                      </p:cBhvr>
+                                      <p:to>
+                                        <p:strVal val="visible"/>
+                                      </p:to>
+                                    </p:set>
+                                    <p:animEffect transition="in" filter="wipe(down)">
+                                      <p:cBhvr>
+                                        <p:cTn id="15" dur="500"/>
+                                        <p:tgtEl>
+                                          <p:spTgt spid="4"/>
+                                        </p:tgtEl>
+                                      </p:cBhvr>
+                                    </p:animEffect>
+                                  </p:childTnLst>
+                                </p:cTn>
+                              </p:par>
+                            </p:childTnLst>
+                          </p:cTn>
+                        </p:par>
+                      </p:childTnLst>
+                    </p:cTn>
+                  </p:par>
+                </p:childTnLst>
+              </p:cTn>
+              <p:prevCondLst>
+                <p:cond evt="onPrev" delay="0">
+                  <p:tgtEl>
+                    <p:sldTgt/>
+                  </p:tgtEl>
+                </p:cond>
+              </p:prevCondLst>
+              <p:nextCondLst>
+                <p:cond evt="onNext" delay="0">
+                  <p:tgtEl>
+                    <p:sldTgt/>
+                  </p:tgtEl>
+                </p:cond>
+              </p:nextCondLst>
+            </p:seq>
+          </p:childTnLst>
+        </p:cTn>
+      </p:par>
+    </p:tnLst>
+    <p:bldLst>
+      <p:bldP spid="2" grpId="0"/>
+      <p:bldP spid="6" grpId="0"/>
+    </p:bldLst>
+  </p:timing>
 </p:sld>
 </file>
 
@@ -11859,8 +15216,8 @@
         </p:blipFill>
         <p:spPr>
           <a:xfrm>
-            <a:off x="3131281" y="2841813"/>
-            <a:ext cx="5929438" cy="3630706"/>
+            <a:off x="3384226" y="2661495"/>
+            <a:ext cx="6604248" cy="4043905"/>
           </a:xfrm>
           <a:prstGeom prst="rect">
             <a:avLst/>
@@ -11877,6 +15234,310 @@
   <p:clrMapOvr>
     <a:masterClrMapping/>
   </p:clrMapOvr>
+  <mc:AlternateContent xmlns:mc="http://schemas.openxmlformats.org/markup-compatibility/2006" xmlns:p14="http://schemas.microsoft.com/office/powerpoint/2010/main">
+    <mc:Choice Requires="p14">
+      <p:transition spd="med" p14:dur="700">
+        <p:fade/>
+      </p:transition>
+    </mc:Choice>
+    <mc:Fallback xmlns="">
+      <p:transition spd="med">
+        <p:fade/>
+      </p:transition>
+    </mc:Fallback>
+  </mc:AlternateContent>
+  <p:timing>
+    <p:tnLst>
+      <p:par>
+        <p:cTn id="1" dur="indefinite" restart="never" nodeType="tmRoot">
+          <p:childTnLst>
+            <p:seq concurrent="1" nextAc="seek">
+              <p:cTn id="2" dur="indefinite" nodeType="mainSeq">
+                <p:childTnLst>
+                  <p:par>
+                    <p:cTn id="3" fill="hold">
+                      <p:stCondLst>
+                        <p:cond delay="indefinite"/>
+                        <p:cond evt="onBegin" delay="0">
+                          <p:tn val="2"/>
+                        </p:cond>
+                      </p:stCondLst>
+                      <p:childTnLst>
+                        <p:par>
+                          <p:cTn id="4" fill="hold">
+                            <p:stCondLst>
+                              <p:cond delay="0"/>
+                            </p:stCondLst>
+                            <p:childTnLst>
+                              <p:par>
+                                <p:cTn id="5" presetID="2" presetClass="entr" presetSubtype="4" fill="hold" grpId="0" nodeType="afterEffect">
+                                  <p:stCondLst>
+                                    <p:cond delay="0"/>
+                                  </p:stCondLst>
+                                  <p:childTnLst>
+                                    <p:set>
+                                      <p:cBhvr>
+                                        <p:cTn id="6" dur="1" fill="hold">
+                                          <p:stCondLst>
+                                            <p:cond delay="0"/>
+                                          </p:stCondLst>
+                                        </p:cTn>
+                                        <p:tgtEl>
+                                          <p:spTgt spid="2"/>
+                                        </p:tgtEl>
+                                        <p:attrNameLst>
+                                          <p:attrName>style.visibility</p:attrName>
+                                        </p:attrNameLst>
+                                      </p:cBhvr>
+                                      <p:to>
+                                        <p:strVal val="visible"/>
+                                      </p:to>
+                                    </p:set>
+                                    <p:anim calcmode="lin" valueType="num">
+                                      <p:cBhvr additive="base">
+                                        <p:cTn id="7" dur="500" fill="hold"/>
+                                        <p:tgtEl>
+                                          <p:spTgt spid="2"/>
+                                        </p:tgtEl>
+                                        <p:attrNameLst>
+                                          <p:attrName>ppt_x</p:attrName>
+                                        </p:attrNameLst>
+                                      </p:cBhvr>
+                                      <p:tavLst>
+                                        <p:tav tm="0">
+                                          <p:val>
+                                            <p:strVal val="#ppt_x"/>
+                                          </p:val>
+                                        </p:tav>
+                                        <p:tav tm="100000">
+                                          <p:val>
+                                            <p:strVal val="#ppt_x"/>
+                                          </p:val>
+                                        </p:tav>
+                                      </p:tavLst>
+                                    </p:anim>
+                                    <p:anim calcmode="lin" valueType="num">
+                                      <p:cBhvr additive="base">
+                                        <p:cTn id="8" dur="500" fill="hold"/>
+                                        <p:tgtEl>
+                                          <p:spTgt spid="2"/>
+                                        </p:tgtEl>
+                                        <p:attrNameLst>
+                                          <p:attrName>ppt_y</p:attrName>
+                                        </p:attrNameLst>
+                                      </p:cBhvr>
+                                      <p:tavLst>
+                                        <p:tav tm="0">
+                                          <p:val>
+                                            <p:strVal val="1+#ppt_h/2"/>
+                                          </p:val>
+                                        </p:tav>
+                                        <p:tav tm="100000">
+                                          <p:val>
+                                            <p:strVal val="#ppt_y"/>
+                                          </p:val>
+                                        </p:tav>
+                                      </p:tavLst>
+                                    </p:anim>
+                                  </p:childTnLst>
+                                </p:cTn>
+                              </p:par>
+                            </p:childTnLst>
+                          </p:cTn>
+                        </p:par>
+                        <p:par>
+                          <p:cTn id="9" fill="hold">
+                            <p:stCondLst>
+                              <p:cond delay="500"/>
+                            </p:stCondLst>
+                            <p:childTnLst>
+                              <p:par>
+                                <p:cTn id="10" presetID="2" presetClass="entr" presetSubtype="4" fill="hold" grpId="0" nodeType="afterEffect">
+                                  <p:stCondLst>
+                                    <p:cond delay="0"/>
+                                  </p:stCondLst>
+                                  <p:childTnLst>
+                                    <p:set>
+                                      <p:cBhvr>
+                                        <p:cTn id="11" dur="1" fill="hold">
+                                          <p:stCondLst>
+                                            <p:cond delay="0"/>
+                                          </p:stCondLst>
+                                        </p:cTn>
+                                        <p:tgtEl>
+                                          <p:spTgt spid="6"/>
+                                        </p:tgtEl>
+                                        <p:attrNameLst>
+                                          <p:attrName>style.visibility</p:attrName>
+                                        </p:attrNameLst>
+                                      </p:cBhvr>
+                                      <p:to>
+                                        <p:strVal val="visible"/>
+                                      </p:to>
+                                    </p:set>
+                                    <p:anim calcmode="lin" valueType="num">
+                                      <p:cBhvr additive="base">
+                                        <p:cTn id="12" dur="500" fill="hold"/>
+                                        <p:tgtEl>
+                                          <p:spTgt spid="6"/>
+                                        </p:tgtEl>
+                                        <p:attrNameLst>
+                                          <p:attrName>ppt_x</p:attrName>
+                                        </p:attrNameLst>
+                                      </p:cBhvr>
+                                      <p:tavLst>
+                                        <p:tav tm="0">
+                                          <p:val>
+                                            <p:strVal val="#ppt_x"/>
+                                          </p:val>
+                                        </p:tav>
+                                        <p:tav tm="100000">
+                                          <p:val>
+                                            <p:strVal val="#ppt_x"/>
+                                          </p:val>
+                                        </p:tav>
+                                      </p:tavLst>
+                                    </p:anim>
+                                    <p:anim calcmode="lin" valueType="num">
+                                      <p:cBhvr additive="base">
+                                        <p:cTn id="13" dur="500" fill="hold"/>
+                                        <p:tgtEl>
+                                          <p:spTgt spid="6"/>
+                                        </p:tgtEl>
+                                        <p:attrNameLst>
+                                          <p:attrName>ppt_y</p:attrName>
+                                        </p:attrNameLst>
+                                      </p:cBhvr>
+                                      <p:tavLst>
+                                        <p:tav tm="0">
+                                          <p:val>
+                                            <p:strVal val="1+#ppt_h/2"/>
+                                          </p:val>
+                                        </p:tav>
+                                        <p:tav tm="100000">
+                                          <p:val>
+                                            <p:strVal val="#ppt_y"/>
+                                          </p:val>
+                                        </p:tav>
+                                      </p:tavLst>
+                                    </p:anim>
+                                  </p:childTnLst>
+                                </p:cTn>
+                              </p:par>
+                            </p:childTnLst>
+                          </p:cTn>
+                        </p:par>
+                        <p:par>
+                          <p:cTn id="14" fill="hold">
+                            <p:stCondLst>
+                              <p:cond delay="1000"/>
+                            </p:stCondLst>
+                            <p:childTnLst>
+                              <p:par>
+                                <p:cTn id="15" presetID="2" presetClass="entr" presetSubtype="4" fill="hold" nodeType="afterEffect">
+                                  <p:stCondLst>
+                                    <p:cond delay="0"/>
+                                  </p:stCondLst>
+                                  <p:childTnLst>
+                                    <p:set>
+                                      <p:cBhvr>
+                                        <p:cTn id="16" dur="1" fill="hold">
+                                          <p:stCondLst>
+                                            <p:cond delay="0"/>
+                                          </p:stCondLst>
+                                        </p:cTn>
+                                        <p:tgtEl>
+                                          <p:spTgt spid="4"/>
+                                        </p:tgtEl>
+                                        <p:attrNameLst>
+                                          <p:attrName>style.visibility</p:attrName>
+                                        </p:attrNameLst>
+                                      </p:cBhvr>
+                                      <p:to>
+                                        <p:strVal val="visible"/>
+                                      </p:to>
+                                    </p:set>
+                                    <p:anim calcmode="lin" valueType="num">
+                                      <p:cBhvr additive="base">
+                                        <p:cTn id="17" dur="500" fill="hold"/>
+                                        <p:tgtEl>
+                                          <p:spTgt spid="4"/>
+                                        </p:tgtEl>
+                                        <p:attrNameLst>
+                                          <p:attrName>ppt_x</p:attrName>
+                                        </p:attrNameLst>
+                                      </p:cBhvr>
+                                      <p:tavLst>
+                                        <p:tav tm="0">
+                                          <p:val>
+                                            <p:strVal val="#ppt_x"/>
+                                          </p:val>
+                                        </p:tav>
+                                        <p:tav tm="100000">
+                                          <p:val>
+                                            <p:strVal val="#ppt_x"/>
+                                          </p:val>
+                                        </p:tav>
+                                      </p:tavLst>
+                                    </p:anim>
+                                    <p:anim calcmode="lin" valueType="num">
+                                      <p:cBhvr additive="base">
+                                        <p:cTn id="18" dur="500" fill="hold"/>
+                                        <p:tgtEl>
+                                          <p:spTgt spid="4"/>
+                                        </p:tgtEl>
+                                        <p:attrNameLst>
+                                          <p:attrName>ppt_y</p:attrName>
+                                        </p:attrNameLst>
+                                      </p:cBhvr>
+                                      <p:tavLst>
+                                        <p:tav tm="0">
+                                          <p:val>
+                                            <p:strVal val="1+#ppt_h/2"/>
+                                          </p:val>
+                                        </p:tav>
+                                        <p:tav tm="100000">
+                                          <p:val>
+                                            <p:strVal val="#ppt_y"/>
+                                          </p:val>
+                                        </p:tav>
+                                      </p:tavLst>
+                                    </p:anim>
+                                  </p:childTnLst>
+                                </p:cTn>
+                              </p:par>
+                            </p:childTnLst>
+                          </p:cTn>
+                        </p:par>
+                      </p:childTnLst>
+                    </p:cTn>
+                  </p:par>
+                </p:childTnLst>
+              </p:cTn>
+              <p:prevCondLst>
+                <p:cond evt="onPrev" delay="0">
+                  <p:tgtEl>
+                    <p:sldTgt/>
+                  </p:tgtEl>
+                </p:cond>
+              </p:prevCondLst>
+              <p:nextCondLst>
+                <p:cond evt="onNext" delay="0">
+                  <p:tgtEl>
+                    <p:sldTgt/>
+                  </p:tgtEl>
+                </p:cond>
+              </p:nextCondLst>
+            </p:seq>
+          </p:childTnLst>
+        </p:cTn>
+      </p:par>
+    </p:tnLst>
+    <p:bldLst>
+      <p:bldP spid="2" grpId="0"/>
+      <p:bldP spid="6" grpId="0"/>
+    </p:bldLst>
+  </p:timing>
 </p:sld>
 </file>
 
@@ -12026,7 +15687,7 @@
         </p:blipFill>
         <p:spPr>
           <a:xfrm>
-            <a:off x="3549677" y="3558989"/>
+            <a:off x="2148186" y="3779424"/>
             <a:ext cx="6555949" cy="2662517"/>
           </a:xfrm>
           <a:prstGeom prst="rect">
@@ -12044,6 +15705,234 @@
   <p:clrMapOvr>
     <a:masterClrMapping/>
   </p:clrMapOvr>
+  <mc:AlternateContent xmlns:mc="http://schemas.openxmlformats.org/markup-compatibility/2006" xmlns:p14="http://schemas.microsoft.com/office/powerpoint/2010/main">
+    <mc:Choice Requires="p14">
+      <p:transition spd="med" p14:dur="700">
+        <p:fade/>
+      </p:transition>
+    </mc:Choice>
+    <mc:Fallback xmlns="">
+      <p:transition spd="med">
+        <p:fade/>
+      </p:transition>
+    </mc:Fallback>
+  </mc:AlternateContent>
+  <p:timing>
+    <p:tnLst>
+      <p:par>
+        <p:cTn id="1" dur="indefinite" restart="never" nodeType="tmRoot">
+          <p:childTnLst>
+            <p:seq concurrent="1" nextAc="seek">
+              <p:cTn id="2" dur="indefinite" nodeType="mainSeq">
+                <p:childTnLst>
+                  <p:par>
+                    <p:cTn id="3" fill="hold">
+                      <p:stCondLst>
+                        <p:cond delay="indefinite"/>
+                        <p:cond evt="onBegin" delay="0">
+                          <p:tn val="2"/>
+                        </p:cond>
+                      </p:stCondLst>
+                      <p:childTnLst>
+                        <p:par>
+                          <p:cTn id="4" fill="hold">
+                            <p:stCondLst>
+                              <p:cond delay="0"/>
+                            </p:stCondLst>
+                            <p:childTnLst>
+                              <p:par>
+                                <p:cTn id="5" presetID="2" presetClass="entr" presetSubtype="4" fill="hold" grpId="0" nodeType="afterEffect">
+                                  <p:stCondLst>
+                                    <p:cond delay="0"/>
+                                  </p:stCondLst>
+                                  <p:childTnLst>
+                                    <p:set>
+                                      <p:cBhvr>
+                                        <p:cTn id="6" dur="1" fill="hold">
+                                          <p:stCondLst>
+                                            <p:cond delay="0"/>
+                                          </p:stCondLst>
+                                        </p:cTn>
+                                        <p:tgtEl>
+                                          <p:spTgt spid="2"/>
+                                        </p:tgtEl>
+                                        <p:attrNameLst>
+                                          <p:attrName>style.visibility</p:attrName>
+                                        </p:attrNameLst>
+                                      </p:cBhvr>
+                                      <p:to>
+                                        <p:strVal val="visible"/>
+                                      </p:to>
+                                    </p:set>
+                                    <p:anim calcmode="lin" valueType="num">
+                                      <p:cBhvr additive="base">
+                                        <p:cTn id="7" dur="500" fill="hold"/>
+                                        <p:tgtEl>
+                                          <p:spTgt spid="2"/>
+                                        </p:tgtEl>
+                                        <p:attrNameLst>
+                                          <p:attrName>ppt_x</p:attrName>
+                                        </p:attrNameLst>
+                                      </p:cBhvr>
+                                      <p:tavLst>
+                                        <p:tav tm="0">
+                                          <p:val>
+                                            <p:strVal val="#ppt_x"/>
+                                          </p:val>
+                                        </p:tav>
+                                        <p:tav tm="100000">
+                                          <p:val>
+                                            <p:strVal val="#ppt_x"/>
+                                          </p:val>
+                                        </p:tav>
+                                      </p:tavLst>
+                                    </p:anim>
+                                    <p:anim calcmode="lin" valueType="num">
+                                      <p:cBhvr additive="base">
+                                        <p:cTn id="8" dur="500" fill="hold"/>
+                                        <p:tgtEl>
+                                          <p:spTgt spid="2"/>
+                                        </p:tgtEl>
+                                        <p:attrNameLst>
+                                          <p:attrName>ppt_y</p:attrName>
+                                        </p:attrNameLst>
+                                      </p:cBhvr>
+                                      <p:tavLst>
+                                        <p:tav tm="0">
+                                          <p:val>
+                                            <p:strVal val="1+#ppt_h/2"/>
+                                          </p:val>
+                                        </p:tav>
+                                        <p:tav tm="100000">
+                                          <p:val>
+                                            <p:strVal val="#ppt_y"/>
+                                          </p:val>
+                                        </p:tav>
+                                      </p:tavLst>
+                                    </p:anim>
+                                  </p:childTnLst>
+                                </p:cTn>
+                              </p:par>
+                            </p:childTnLst>
+                          </p:cTn>
+                        </p:par>
+                        <p:par>
+                          <p:cTn id="9" fill="hold">
+                            <p:stCondLst>
+                              <p:cond delay="500"/>
+                            </p:stCondLst>
+                            <p:childTnLst>
+                              <p:par>
+                                <p:cTn id="10" presetID="16" presetClass="entr" presetSubtype="21" fill="hold" grpId="0" nodeType="afterEffect">
+                                  <p:stCondLst>
+                                    <p:cond delay="0"/>
+                                  </p:stCondLst>
+                                  <p:childTnLst>
+                                    <p:set>
+                                      <p:cBhvr>
+                                        <p:cTn id="11" dur="1" fill="hold">
+                                          <p:stCondLst>
+                                            <p:cond delay="0"/>
+                                          </p:stCondLst>
+                                        </p:cTn>
+                                        <p:tgtEl>
+                                          <p:spTgt spid="6"/>
+                                        </p:tgtEl>
+                                        <p:attrNameLst>
+                                          <p:attrName>style.visibility</p:attrName>
+                                        </p:attrNameLst>
+                                      </p:cBhvr>
+                                      <p:to>
+                                        <p:strVal val="visible"/>
+                                      </p:to>
+                                    </p:set>
+                                    <p:animEffect transition="in" filter="barn(inVertical)">
+                                      <p:cBhvr>
+                                        <p:cTn id="12" dur="500"/>
+                                        <p:tgtEl>
+                                          <p:spTgt spid="6"/>
+                                        </p:tgtEl>
+                                      </p:cBhvr>
+                                    </p:animEffect>
+                                  </p:childTnLst>
+                                </p:cTn>
+                              </p:par>
+                            </p:childTnLst>
+                          </p:cTn>
+                        </p:par>
+                        <p:par>
+                          <p:cTn id="13" fill="hold">
+                            <p:stCondLst>
+                              <p:cond delay="1000"/>
+                            </p:stCondLst>
+                            <p:childTnLst>
+                              <p:par>
+                                <p:cTn id="14" presetID="16" presetClass="entr" presetSubtype="21" fill="hold" nodeType="afterEffect">
+                                  <p:stCondLst>
+                                    <p:cond delay="0"/>
+                                  </p:stCondLst>
+                                  <p:childTnLst>
+                                    <p:set>
+                                      <p:cBhvr>
+                                        <p:cTn id="15" dur="1" fill="hold">
+                                          <p:stCondLst>
+                                            <p:cond delay="0"/>
+                                          </p:stCondLst>
+                                        </p:cTn>
+                                        <p:tgtEl>
+                                          <p:spTgt spid="5"/>
+                                        </p:tgtEl>
+                                        <p:attrNameLst>
+                                          <p:attrName>style.visibility</p:attrName>
+                                        </p:attrNameLst>
+                                      </p:cBhvr>
+                                      <p:to>
+                                        <p:strVal val="visible"/>
+                                      </p:to>
+                                    </p:set>
+                                    <p:animEffect transition="in" filter="barn(inVertical)">
+                                      <p:cBhvr>
+                                        <p:cTn id="16" dur="500"/>
+                                        <p:tgtEl>
+                                          <p:spTgt spid="5"/>
+                                        </p:tgtEl>
+                                      </p:cBhvr>
+                                    </p:animEffect>
+                                  </p:childTnLst>
+                                </p:cTn>
+                              </p:par>
+                            </p:childTnLst>
+                          </p:cTn>
+                        </p:par>
+                      </p:childTnLst>
+                    </p:cTn>
+                  </p:par>
+                </p:childTnLst>
+              </p:cTn>
+              <p:prevCondLst>
+                <p:cond evt="onPrev" delay="0">
+                  <p:tgtEl>
+                    <p:sldTgt/>
+                  </p:tgtEl>
+                </p:cond>
+              </p:prevCondLst>
+              <p:nextCondLst>
+                <p:cond evt="onNext" delay="0">
+                  <p:tgtEl>
+                    <p:sldTgt/>
+                  </p:tgtEl>
+                </p:cond>
+              </p:nextCondLst>
+            </p:seq>
+          </p:childTnLst>
+        </p:cTn>
+      </p:par>
+    </p:tnLst>
+    <p:bldLst>
+      <p:bldP spid="2" grpId="0"/>
+      <p:bldP spid="6" grpId="0"/>
+    </p:bldLst>
+  </p:timing>
 </p:sld>
 </file>
 
@@ -12197,15 +16086,20 @@
           <p:nvPr/>
         </p:nvPicPr>
         <p:blipFill>
-          <a:blip r:embed="rId2"/>
-          <a:stretch>
-            <a:fillRect/>
-          </a:stretch>
+          <a:blip r:embed="rId2">
+            <a:extLst>
+              <a:ext uri="{28A0092B-C50C-407E-A947-70E740481C1C}">
+                <a14:useLocalDpi xmlns:a14="http://schemas.microsoft.com/office/drawing/2010/main" val="0"/>
+              </a:ext>
+            </a:extLst>
+          </a:blip>
+          <a:srcRect/>
+          <a:stretch/>
         </p:blipFill>
         <p:spPr>
           <a:xfrm>
-            <a:off x="559160" y="3175336"/>
-            <a:ext cx="6050804" cy="3368332"/>
+            <a:off x="2008094" y="3156694"/>
+            <a:ext cx="5135077" cy="3210239"/>
           </a:xfrm>
           <a:prstGeom prst="rect">
             <a:avLst/>
@@ -12234,13 +16128,13 @@
               </a:ext>
             </a:extLst>
           </a:blip>
-          <a:srcRect l="30956" t="10719" r="30735" b="20523"/>
+          <a:srcRect l="1018" r="1018"/>
           <a:stretch/>
         </p:blipFill>
         <p:spPr>
           <a:xfrm>
-            <a:off x="7212226" y="2814918"/>
-            <a:ext cx="3808740" cy="3845292"/>
+            <a:off x="7285705" y="2669723"/>
+            <a:ext cx="3808740" cy="3949667"/>
           </a:xfrm>
           <a:prstGeom prst="rect">
             <a:avLst/>
@@ -12257,6 +16151,278 @@
   <p:clrMapOvr>
     <a:masterClrMapping/>
   </p:clrMapOvr>
+  <mc:AlternateContent xmlns:mc="http://schemas.openxmlformats.org/markup-compatibility/2006" xmlns:p14="http://schemas.microsoft.com/office/powerpoint/2010/main">
+    <mc:Choice Requires="p14">
+      <p:transition spd="med" p14:dur="700">
+        <p:fade/>
+      </p:transition>
+    </mc:Choice>
+    <mc:Fallback xmlns="">
+      <p:transition spd="med">
+        <p:fade/>
+      </p:transition>
+    </mc:Fallback>
+  </mc:AlternateContent>
+  <p:timing>
+    <p:tnLst>
+      <p:par>
+        <p:cTn id="1" dur="indefinite" restart="never" nodeType="tmRoot">
+          <p:childTnLst>
+            <p:seq concurrent="1" nextAc="seek">
+              <p:cTn id="2" dur="indefinite" nodeType="mainSeq">
+                <p:childTnLst>
+                  <p:par>
+                    <p:cTn id="3" fill="hold">
+                      <p:stCondLst>
+                        <p:cond delay="indefinite"/>
+                        <p:cond evt="onBegin" delay="0">
+                          <p:tn val="2"/>
+                        </p:cond>
+                      </p:stCondLst>
+                      <p:childTnLst>
+                        <p:par>
+                          <p:cTn id="4" fill="hold">
+                            <p:stCondLst>
+                              <p:cond delay="0"/>
+                            </p:stCondLst>
+                            <p:childTnLst>
+                              <p:par>
+                                <p:cTn id="5" presetID="2" presetClass="entr" presetSubtype="4" fill="hold" grpId="0" nodeType="afterEffect">
+                                  <p:stCondLst>
+                                    <p:cond delay="0"/>
+                                  </p:stCondLst>
+                                  <p:childTnLst>
+                                    <p:set>
+                                      <p:cBhvr>
+                                        <p:cTn id="6" dur="1" fill="hold">
+                                          <p:stCondLst>
+                                            <p:cond delay="0"/>
+                                          </p:stCondLst>
+                                        </p:cTn>
+                                        <p:tgtEl>
+                                          <p:spTgt spid="2"/>
+                                        </p:tgtEl>
+                                        <p:attrNameLst>
+                                          <p:attrName>style.visibility</p:attrName>
+                                        </p:attrNameLst>
+                                      </p:cBhvr>
+                                      <p:to>
+                                        <p:strVal val="visible"/>
+                                      </p:to>
+                                    </p:set>
+                                    <p:anim calcmode="lin" valueType="num">
+                                      <p:cBhvr additive="base">
+                                        <p:cTn id="7" dur="500" fill="hold"/>
+                                        <p:tgtEl>
+                                          <p:spTgt spid="2"/>
+                                        </p:tgtEl>
+                                        <p:attrNameLst>
+                                          <p:attrName>ppt_x</p:attrName>
+                                        </p:attrNameLst>
+                                      </p:cBhvr>
+                                      <p:tavLst>
+                                        <p:tav tm="0">
+                                          <p:val>
+                                            <p:strVal val="#ppt_x"/>
+                                          </p:val>
+                                        </p:tav>
+                                        <p:tav tm="100000">
+                                          <p:val>
+                                            <p:strVal val="#ppt_x"/>
+                                          </p:val>
+                                        </p:tav>
+                                      </p:tavLst>
+                                    </p:anim>
+                                    <p:anim calcmode="lin" valueType="num">
+                                      <p:cBhvr additive="base">
+                                        <p:cTn id="8" dur="500" fill="hold"/>
+                                        <p:tgtEl>
+                                          <p:spTgt spid="2"/>
+                                        </p:tgtEl>
+                                        <p:attrNameLst>
+                                          <p:attrName>ppt_y</p:attrName>
+                                        </p:attrNameLst>
+                                      </p:cBhvr>
+                                      <p:tavLst>
+                                        <p:tav tm="0">
+                                          <p:val>
+                                            <p:strVal val="1+#ppt_h/2"/>
+                                          </p:val>
+                                        </p:tav>
+                                        <p:tav tm="100000">
+                                          <p:val>
+                                            <p:strVal val="#ppt_y"/>
+                                          </p:val>
+                                        </p:tav>
+                                      </p:tavLst>
+                                    </p:anim>
+                                  </p:childTnLst>
+                                </p:cTn>
+                              </p:par>
+                            </p:childTnLst>
+                          </p:cTn>
+                        </p:par>
+                        <p:par>
+                          <p:cTn id="9" fill="hold">
+                            <p:stCondLst>
+                              <p:cond delay="500"/>
+                            </p:stCondLst>
+                            <p:childTnLst>
+                              <p:par>
+                                <p:cTn id="10" presetID="16" presetClass="entr" presetSubtype="21" fill="hold" grpId="0" nodeType="afterEffect">
+                                  <p:stCondLst>
+                                    <p:cond delay="0"/>
+                                  </p:stCondLst>
+                                  <p:childTnLst>
+                                    <p:set>
+                                      <p:cBhvr>
+                                        <p:cTn id="11" dur="1" fill="hold">
+                                          <p:stCondLst>
+                                            <p:cond delay="0"/>
+                                          </p:stCondLst>
+                                        </p:cTn>
+                                        <p:tgtEl>
+                                          <p:spTgt spid="6"/>
+                                        </p:tgtEl>
+                                        <p:attrNameLst>
+                                          <p:attrName>style.visibility</p:attrName>
+                                        </p:attrNameLst>
+                                      </p:cBhvr>
+                                      <p:to>
+                                        <p:strVal val="visible"/>
+                                      </p:to>
+                                    </p:set>
+                                    <p:animEffect transition="in" filter="barn(inVertical)">
+                                      <p:cBhvr>
+                                        <p:cTn id="12" dur="500"/>
+                                        <p:tgtEl>
+                                          <p:spTgt spid="6"/>
+                                        </p:tgtEl>
+                                      </p:cBhvr>
+                                    </p:animEffect>
+                                  </p:childTnLst>
+                                </p:cTn>
+                              </p:par>
+                            </p:childTnLst>
+                          </p:cTn>
+                        </p:par>
+                        <p:par>
+                          <p:cTn id="13" fill="hold">
+                            <p:stCondLst>
+                              <p:cond delay="1000"/>
+                            </p:stCondLst>
+                            <p:childTnLst>
+                              <p:par>
+                                <p:cTn id="14" presetID="16" presetClass="entr" presetSubtype="21" fill="hold" nodeType="afterEffect">
+                                  <p:stCondLst>
+                                    <p:cond delay="0"/>
+                                  </p:stCondLst>
+                                  <p:childTnLst>
+                                    <p:set>
+                                      <p:cBhvr>
+                                        <p:cTn id="15" dur="1" fill="hold">
+                                          <p:stCondLst>
+                                            <p:cond delay="0"/>
+                                          </p:stCondLst>
+                                        </p:cTn>
+                                        <p:tgtEl>
+                                          <p:spTgt spid="4"/>
+                                        </p:tgtEl>
+                                        <p:attrNameLst>
+                                          <p:attrName>style.visibility</p:attrName>
+                                        </p:attrNameLst>
+                                      </p:cBhvr>
+                                      <p:to>
+                                        <p:strVal val="visible"/>
+                                      </p:to>
+                                    </p:set>
+                                    <p:animEffect transition="in" filter="barn(inVertical)">
+                                      <p:cBhvr>
+                                        <p:cTn id="16" dur="500"/>
+                                        <p:tgtEl>
+                                          <p:spTgt spid="4"/>
+                                        </p:tgtEl>
+                                      </p:cBhvr>
+                                    </p:animEffect>
+                                  </p:childTnLst>
+                                </p:cTn>
+                              </p:par>
+                            </p:childTnLst>
+                          </p:cTn>
+                        </p:par>
+                        <p:par>
+                          <p:cTn id="17" fill="hold">
+                            <p:stCondLst>
+                              <p:cond delay="1500"/>
+                            </p:stCondLst>
+                            <p:childTnLst>
+                              <p:par>
+                                <p:cTn id="18" presetID="16" presetClass="entr" presetSubtype="21" fill="hold" nodeType="afterEffect">
+                                  <p:stCondLst>
+                                    <p:cond delay="0"/>
+                                  </p:stCondLst>
+                                  <p:childTnLst>
+                                    <p:set>
+                                      <p:cBhvr>
+                                        <p:cTn id="19" dur="1" fill="hold">
+                                          <p:stCondLst>
+                                            <p:cond delay="0"/>
+                                          </p:stCondLst>
+                                        </p:cTn>
+                                        <p:tgtEl>
+                                          <p:spTgt spid="8"/>
+                                        </p:tgtEl>
+                                        <p:attrNameLst>
+                                          <p:attrName>style.visibility</p:attrName>
+                                        </p:attrNameLst>
+                                      </p:cBhvr>
+                                      <p:to>
+                                        <p:strVal val="visible"/>
+                                      </p:to>
+                                    </p:set>
+                                    <p:animEffect transition="in" filter="barn(inVertical)">
+                                      <p:cBhvr>
+                                        <p:cTn id="20" dur="500"/>
+                                        <p:tgtEl>
+                                          <p:spTgt spid="8"/>
+                                        </p:tgtEl>
+                                      </p:cBhvr>
+                                    </p:animEffect>
+                                  </p:childTnLst>
+                                </p:cTn>
+                              </p:par>
+                            </p:childTnLst>
+                          </p:cTn>
+                        </p:par>
+                      </p:childTnLst>
+                    </p:cTn>
+                  </p:par>
+                </p:childTnLst>
+              </p:cTn>
+              <p:prevCondLst>
+                <p:cond evt="onPrev" delay="0">
+                  <p:tgtEl>
+                    <p:sldTgt/>
+                  </p:tgtEl>
+                </p:cond>
+              </p:prevCondLst>
+              <p:nextCondLst>
+                <p:cond evt="onNext" delay="0">
+                  <p:tgtEl>
+                    <p:sldTgt/>
+                  </p:tgtEl>
+                </p:cond>
+              </p:nextCondLst>
+            </p:seq>
+          </p:childTnLst>
+        </p:cTn>
+      </p:par>
+    </p:tnLst>
+    <p:bldLst>
+      <p:bldP spid="2" grpId="0"/>
+      <p:bldP spid="6" grpId="0"/>
+    </p:bldLst>
+  </p:timing>
 </p:sld>
 </file>
 
@@ -12383,15 +16549,20 @@
           <p:nvPr/>
         </p:nvPicPr>
         <p:blipFill>
-          <a:blip r:embed="rId2"/>
-          <a:stretch>
-            <a:fillRect/>
-          </a:stretch>
+          <a:blip r:embed="rId2">
+            <a:extLst>
+              <a:ext uri="{28A0092B-C50C-407E-A947-70E740481C1C}">
+                <a14:useLocalDpi xmlns:a14="http://schemas.microsoft.com/office/drawing/2010/main" val="0"/>
+              </a:ext>
+            </a:extLst>
+          </a:blip>
+          <a:srcRect/>
+          <a:stretch/>
         </p:blipFill>
         <p:spPr>
           <a:xfrm>
-            <a:off x="1467407" y="2824897"/>
-            <a:ext cx="4897535" cy="3750753"/>
+            <a:off x="2291627" y="2768948"/>
+            <a:ext cx="4563071" cy="3679405"/>
           </a:xfrm>
           <a:prstGeom prst="rect">
             <a:avLst/>
@@ -12420,13 +16591,13 @@
               </a:ext>
             </a:extLst>
           </a:blip>
-          <a:srcRect l="31691" t="10588" r="31985" b="21961"/>
+          <a:srcRect l="3169" r="3169"/>
           <a:stretch/>
         </p:blipFill>
         <p:spPr>
           <a:xfrm>
-            <a:off x="7277317" y="2637983"/>
-            <a:ext cx="3716218" cy="3881718"/>
+            <a:off x="7220167" y="2396406"/>
+            <a:ext cx="3716218" cy="4086744"/>
           </a:xfrm>
           <a:prstGeom prst="rect">
             <a:avLst/>
@@ -12443,6 +16614,278 @@
   <p:clrMapOvr>
     <a:masterClrMapping/>
   </p:clrMapOvr>
+  <mc:AlternateContent xmlns:mc="http://schemas.openxmlformats.org/markup-compatibility/2006" xmlns:p14="http://schemas.microsoft.com/office/powerpoint/2010/main">
+    <mc:Choice Requires="p14">
+      <p:transition spd="med" p14:dur="700">
+        <p:fade/>
+      </p:transition>
+    </mc:Choice>
+    <mc:Fallback xmlns="">
+      <p:transition spd="med">
+        <p:fade/>
+      </p:transition>
+    </mc:Fallback>
+  </mc:AlternateContent>
+  <p:timing>
+    <p:tnLst>
+      <p:par>
+        <p:cTn id="1" dur="indefinite" restart="never" nodeType="tmRoot">
+          <p:childTnLst>
+            <p:seq concurrent="1" nextAc="seek">
+              <p:cTn id="2" dur="indefinite" nodeType="mainSeq">
+                <p:childTnLst>
+                  <p:par>
+                    <p:cTn id="3" fill="hold">
+                      <p:stCondLst>
+                        <p:cond delay="indefinite"/>
+                        <p:cond evt="onBegin" delay="0">
+                          <p:tn val="2"/>
+                        </p:cond>
+                      </p:stCondLst>
+                      <p:childTnLst>
+                        <p:par>
+                          <p:cTn id="4" fill="hold">
+                            <p:stCondLst>
+                              <p:cond delay="0"/>
+                            </p:stCondLst>
+                            <p:childTnLst>
+                              <p:par>
+                                <p:cTn id="5" presetID="2" presetClass="entr" presetSubtype="4" fill="hold" grpId="0" nodeType="afterEffect">
+                                  <p:stCondLst>
+                                    <p:cond delay="0"/>
+                                  </p:stCondLst>
+                                  <p:childTnLst>
+                                    <p:set>
+                                      <p:cBhvr>
+                                        <p:cTn id="6" dur="1" fill="hold">
+                                          <p:stCondLst>
+                                            <p:cond delay="0"/>
+                                          </p:stCondLst>
+                                        </p:cTn>
+                                        <p:tgtEl>
+                                          <p:spTgt spid="2"/>
+                                        </p:tgtEl>
+                                        <p:attrNameLst>
+                                          <p:attrName>style.visibility</p:attrName>
+                                        </p:attrNameLst>
+                                      </p:cBhvr>
+                                      <p:to>
+                                        <p:strVal val="visible"/>
+                                      </p:to>
+                                    </p:set>
+                                    <p:anim calcmode="lin" valueType="num">
+                                      <p:cBhvr additive="base">
+                                        <p:cTn id="7" dur="500" fill="hold"/>
+                                        <p:tgtEl>
+                                          <p:spTgt spid="2"/>
+                                        </p:tgtEl>
+                                        <p:attrNameLst>
+                                          <p:attrName>ppt_x</p:attrName>
+                                        </p:attrNameLst>
+                                      </p:cBhvr>
+                                      <p:tavLst>
+                                        <p:tav tm="0">
+                                          <p:val>
+                                            <p:strVal val="#ppt_x"/>
+                                          </p:val>
+                                        </p:tav>
+                                        <p:tav tm="100000">
+                                          <p:val>
+                                            <p:strVal val="#ppt_x"/>
+                                          </p:val>
+                                        </p:tav>
+                                      </p:tavLst>
+                                    </p:anim>
+                                    <p:anim calcmode="lin" valueType="num">
+                                      <p:cBhvr additive="base">
+                                        <p:cTn id="8" dur="500" fill="hold"/>
+                                        <p:tgtEl>
+                                          <p:spTgt spid="2"/>
+                                        </p:tgtEl>
+                                        <p:attrNameLst>
+                                          <p:attrName>ppt_y</p:attrName>
+                                        </p:attrNameLst>
+                                      </p:cBhvr>
+                                      <p:tavLst>
+                                        <p:tav tm="0">
+                                          <p:val>
+                                            <p:strVal val="1+#ppt_h/2"/>
+                                          </p:val>
+                                        </p:tav>
+                                        <p:tav tm="100000">
+                                          <p:val>
+                                            <p:strVal val="#ppt_y"/>
+                                          </p:val>
+                                        </p:tav>
+                                      </p:tavLst>
+                                    </p:anim>
+                                  </p:childTnLst>
+                                </p:cTn>
+                              </p:par>
+                            </p:childTnLst>
+                          </p:cTn>
+                        </p:par>
+                        <p:par>
+                          <p:cTn id="9" fill="hold">
+                            <p:stCondLst>
+                              <p:cond delay="500"/>
+                            </p:stCondLst>
+                            <p:childTnLst>
+                              <p:par>
+                                <p:cTn id="10" presetID="22" presetClass="entr" presetSubtype="4" fill="hold" grpId="0" nodeType="afterEffect">
+                                  <p:stCondLst>
+                                    <p:cond delay="0"/>
+                                  </p:stCondLst>
+                                  <p:childTnLst>
+                                    <p:set>
+                                      <p:cBhvr>
+                                        <p:cTn id="11" dur="1" fill="hold">
+                                          <p:stCondLst>
+                                            <p:cond delay="0"/>
+                                          </p:stCondLst>
+                                        </p:cTn>
+                                        <p:tgtEl>
+                                          <p:spTgt spid="6"/>
+                                        </p:tgtEl>
+                                        <p:attrNameLst>
+                                          <p:attrName>style.visibility</p:attrName>
+                                        </p:attrNameLst>
+                                      </p:cBhvr>
+                                      <p:to>
+                                        <p:strVal val="visible"/>
+                                      </p:to>
+                                    </p:set>
+                                    <p:animEffect transition="in" filter="wipe(down)">
+                                      <p:cBhvr>
+                                        <p:cTn id="12" dur="500"/>
+                                        <p:tgtEl>
+                                          <p:spTgt spid="6"/>
+                                        </p:tgtEl>
+                                      </p:cBhvr>
+                                    </p:animEffect>
+                                  </p:childTnLst>
+                                </p:cTn>
+                              </p:par>
+                            </p:childTnLst>
+                          </p:cTn>
+                        </p:par>
+                        <p:par>
+                          <p:cTn id="13" fill="hold">
+                            <p:stCondLst>
+                              <p:cond delay="1000"/>
+                            </p:stCondLst>
+                            <p:childTnLst>
+                              <p:par>
+                                <p:cTn id="14" presetID="16" presetClass="entr" presetSubtype="21" fill="hold" nodeType="afterEffect">
+                                  <p:stCondLst>
+                                    <p:cond delay="0"/>
+                                  </p:stCondLst>
+                                  <p:childTnLst>
+                                    <p:set>
+                                      <p:cBhvr>
+                                        <p:cTn id="15" dur="1" fill="hold">
+                                          <p:stCondLst>
+                                            <p:cond delay="0"/>
+                                          </p:stCondLst>
+                                        </p:cTn>
+                                        <p:tgtEl>
+                                          <p:spTgt spid="5"/>
+                                        </p:tgtEl>
+                                        <p:attrNameLst>
+                                          <p:attrName>style.visibility</p:attrName>
+                                        </p:attrNameLst>
+                                      </p:cBhvr>
+                                      <p:to>
+                                        <p:strVal val="visible"/>
+                                      </p:to>
+                                    </p:set>
+                                    <p:animEffect transition="in" filter="barn(inVertical)">
+                                      <p:cBhvr>
+                                        <p:cTn id="16" dur="500"/>
+                                        <p:tgtEl>
+                                          <p:spTgt spid="5"/>
+                                        </p:tgtEl>
+                                      </p:cBhvr>
+                                    </p:animEffect>
+                                  </p:childTnLst>
+                                </p:cTn>
+                              </p:par>
+                            </p:childTnLst>
+                          </p:cTn>
+                        </p:par>
+                        <p:par>
+                          <p:cTn id="17" fill="hold">
+                            <p:stCondLst>
+                              <p:cond delay="1500"/>
+                            </p:stCondLst>
+                            <p:childTnLst>
+                              <p:par>
+                                <p:cTn id="18" presetID="16" presetClass="entr" presetSubtype="21" fill="hold" nodeType="afterEffect">
+                                  <p:stCondLst>
+                                    <p:cond delay="0"/>
+                                  </p:stCondLst>
+                                  <p:childTnLst>
+                                    <p:set>
+                                      <p:cBhvr>
+                                        <p:cTn id="19" dur="1" fill="hold">
+                                          <p:stCondLst>
+                                            <p:cond delay="0"/>
+                                          </p:stCondLst>
+                                        </p:cTn>
+                                        <p:tgtEl>
+                                          <p:spTgt spid="8"/>
+                                        </p:tgtEl>
+                                        <p:attrNameLst>
+                                          <p:attrName>style.visibility</p:attrName>
+                                        </p:attrNameLst>
+                                      </p:cBhvr>
+                                      <p:to>
+                                        <p:strVal val="visible"/>
+                                      </p:to>
+                                    </p:set>
+                                    <p:animEffect transition="in" filter="barn(inVertical)">
+                                      <p:cBhvr>
+                                        <p:cTn id="20" dur="500"/>
+                                        <p:tgtEl>
+                                          <p:spTgt spid="8"/>
+                                        </p:tgtEl>
+                                      </p:cBhvr>
+                                    </p:animEffect>
+                                  </p:childTnLst>
+                                </p:cTn>
+                              </p:par>
+                            </p:childTnLst>
+                          </p:cTn>
+                        </p:par>
+                      </p:childTnLst>
+                    </p:cTn>
+                  </p:par>
+                </p:childTnLst>
+              </p:cTn>
+              <p:prevCondLst>
+                <p:cond evt="onPrev" delay="0">
+                  <p:tgtEl>
+                    <p:sldTgt/>
+                  </p:tgtEl>
+                </p:cond>
+              </p:prevCondLst>
+              <p:nextCondLst>
+                <p:cond evt="onNext" delay="0">
+                  <p:tgtEl>
+                    <p:sldTgt/>
+                  </p:tgtEl>
+                </p:cond>
+              </p:nextCondLst>
+            </p:seq>
+          </p:childTnLst>
+        </p:cTn>
+      </p:par>
+    </p:tnLst>
+    <p:bldLst>
+      <p:bldP spid="2" grpId="0"/>
+      <p:bldP spid="6" grpId="0"/>
+    </p:bldLst>
+  </p:timing>
 </p:sld>
 </file>
 
